--- a/TA Class II/TA_Class_II.pptx
+++ b/TA Class II/TA_Class_II.pptx
@@ -7,20 +7,22 @@
   <p:sldIdLst>
     <p:sldId id="293" r:id="rId2"/>
     <p:sldId id="267" r:id="rId3"/>
-    <p:sldId id="270" r:id="rId4"/>
-    <p:sldId id="283" r:id="rId5"/>
-    <p:sldId id="268" r:id="rId6"/>
-    <p:sldId id="284" r:id="rId7"/>
-    <p:sldId id="285" r:id="rId8"/>
-    <p:sldId id="286" r:id="rId9"/>
-    <p:sldId id="265" r:id="rId10"/>
-    <p:sldId id="281" r:id="rId11"/>
-    <p:sldId id="282" r:id="rId12"/>
-    <p:sldId id="273" r:id="rId13"/>
-    <p:sldId id="274" r:id="rId14"/>
-    <p:sldId id="275" r:id="rId15"/>
-    <p:sldId id="287" r:id="rId16"/>
-    <p:sldId id="289" r:id="rId17"/>
+    <p:sldId id="295" r:id="rId4"/>
+    <p:sldId id="294" r:id="rId5"/>
+    <p:sldId id="270" r:id="rId6"/>
+    <p:sldId id="283" r:id="rId7"/>
+    <p:sldId id="268" r:id="rId8"/>
+    <p:sldId id="284" r:id="rId9"/>
+    <p:sldId id="285" r:id="rId10"/>
+    <p:sldId id="286" r:id="rId11"/>
+    <p:sldId id="265" r:id="rId12"/>
+    <p:sldId id="281" r:id="rId13"/>
+    <p:sldId id="282" r:id="rId14"/>
+    <p:sldId id="273" r:id="rId15"/>
+    <p:sldId id="274" r:id="rId16"/>
+    <p:sldId id="275" r:id="rId17"/>
+    <p:sldId id="287" r:id="rId18"/>
+    <p:sldId id="289" r:id="rId19"/>
   </p:sldIdLst>
   <p:sldSz cx="9144000" cy="6858000" type="screen4x3"/>
   <p:notesSz cx="6858000" cy="9144000"/>
@@ -258,7 +260,7 @@
           <a:p>
             <a:fld id="{27213AAC-82C4-4964-89DF-EB864F9428F2}" type="datetimeFigureOut">
               <a:rPr lang="zh-TW" altLang="en-US" smtClean="0"/>
-              <a:t>2020/9/15</a:t>
+              <a:t>2020/9/21</a:t>
             </a:fld>
             <a:endParaRPr lang="zh-TW" altLang="en-US"/>
           </a:p>
@@ -428,7 +430,7 @@
           <a:p>
             <a:fld id="{27213AAC-82C4-4964-89DF-EB864F9428F2}" type="datetimeFigureOut">
               <a:rPr lang="zh-TW" altLang="en-US" smtClean="0"/>
-              <a:t>2020/9/15</a:t>
+              <a:t>2020/9/21</a:t>
             </a:fld>
             <a:endParaRPr lang="zh-TW" altLang="en-US"/>
           </a:p>
@@ -608,7 +610,7 @@
           <a:p>
             <a:fld id="{27213AAC-82C4-4964-89DF-EB864F9428F2}" type="datetimeFigureOut">
               <a:rPr lang="zh-TW" altLang="en-US" smtClean="0"/>
-              <a:t>2020/9/15</a:t>
+              <a:t>2020/9/21</a:t>
             </a:fld>
             <a:endParaRPr lang="zh-TW" altLang="en-US"/>
           </a:p>
@@ -778,7 +780,7 @@
           <a:p>
             <a:fld id="{27213AAC-82C4-4964-89DF-EB864F9428F2}" type="datetimeFigureOut">
               <a:rPr lang="zh-TW" altLang="en-US" smtClean="0"/>
-              <a:t>2020/9/15</a:t>
+              <a:t>2020/9/21</a:t>
             </a:fld>
             <a:endParaRPr lang="zh-TW" altLang="en-US"/>
           </a:p>
@@ -1022,7 +1024,7 @@
           <a:p>
             <a:fld id="{27213AAC-82C4-4964-89DF-EB864F9428F2}" type="datetimeFigureOut">
               <a:rPr lang="zh-TW" altLang="en-US" smtClean="0"/>
-              <a:t>2020/9/15</a:t>
+              <a:t>2020/9/21</a:t>
             </a:fld>
             <a:endParaRPr lang="zh-TW" altLang="en-US"/>
           </a:p>
@@ -1254,7 +1256,7 @@
           <a:p>
             <a:fld id="{27213AAC-82C4-4964-89DF-EB864F9428F2}" type="datetimeFigureOut">
               <a:rPr lang="zh-TW" altLang="en-US" smtClean="0"/>
-              <a:t>2020/9/15</a:t>
+              <a:t>2020/9/21</a:t>
             </a:fld>
             <a:endParaRPr lang="zh-TW" altLang="en-US"/>
           </a:p>
@@ -1621,7 +1623,7 @@
           <a:p>
             <a:fld id="{27213AAC-82C4-4964-89DF-EB864F9428F2}" type="datetimeFigureOut">
               <a:rPr lang="zh-TW" altLang="en-US" smtClean="0"/>
-              <a:t>2020/9/15</a:t>
+              <a:t>2020/9/21</a:t>
             </a:fld>
             <a:endParaRPr lang="zh-TW" altLang="en-US"/>
           </a:p>
@@ -1739,7 +1741,7 @@
           <a:p>
             <a:fld id="{27213AAC-82C4-4964-89DF-EB864F9428F2}" type="datetimeFigureOut">
               <a:rPr lang="zh-TW" altLang="en-US" smtClean="0"/>
-              <a:t>2020/9/15</a:t>
+              <a:t>2020/9/21</a:t>
             </a:fld>
             <a:endParaRPr lang="zh-TW" altLang="en-US"/>
           </a:p>
@@ -1834,7 +1836,7 @@
           <a:p>
             <a:fld id="{27213AAC-82C4-4964-89DF-EB864F9428F2}" type="datetimeFigureOut">
               <a:rPr lang="zh-TW" altLang="en-US" smtClean="0"/>
-              <a:t>2020/9/15</a:t>
+              <a:t>2020/9/21</a:t>
             </a:fld>
             <a:endParaRPr lang="zh-TW" altLang="en-US"/>
           </a:p>
@@ -2111,7 +2113,7 @@
           <a:p>
             <a:fld id="{27213AAC-82C4-4964-89DF-EB864F9428F2}" type="datetimeFigureOut">
               <a:rPr lang="zh-TW" altLang="en-US" smtClean="0"/>
-              <a:t>2020/9/15</a:t>
+              <a:t>2020/9/21</a:t>
             </a:fld>
             <a:endParaRPr lang="zh-TW" altLang="en-US"/>
           </a:p>
@@ -2368,7 +2370,7 @@
           <a:p>
             <a:fld id="{27213AAC-82C4-4964-89DF-EB864F9428F2}" type="datetimeFigureOut">
               <a:rPr lang="zh-TW" altLang="en-US" smtClean="0"/>
-              <a:t>2020/9/15</a:t>
+              <a:t>2020/9/21</a:t>
             </a:fld>
             <a:endParaRPr lang="zh-TW" altLang="en-US"/>
           </a:p>
@@ -2581,7 +2583,7 @@
           <a:p>
             <a:fld id="{27213AAC-82C4-4964-89DF-EB864F9428F2}" type="datetimeFigureOut">
               <a:rPr lang="zh-TW" altLang="en-US" smtClean="0"/>
-              <a:t>2020/9/15</a:t>
+              <a:t>2020/9/21</a:t>
             </a:fld>
             <a:endParaRPr lang="zh-TW" altLang="en-US"/>
           </a:p>
@@ -3295,27 +3297,28 @@
       </p:pic>
       <p:sp>
         <p:nvSpPr>
-          <p:cNvPr id="5" name="矩形 4">
-            <a:extLst>
-              <a:ext uri="{FF2B5EF4-FFF2-40B4-BE49-F238E27FC236}">
-                <a16:creationId xmlns:a16="http://schemas.microsoft.com/office/drawing/2014/main" id="{C237FB63-81C7-465B-B97A-DC3004CB1247}"/>
-              </a:ext>
-            </a:extLst>
-          </p:cNvPr>
-          <p:cNvSpPr/>
-          <p:nvPr/>
-        </p:nvSpPr>
-        <p:spPr>
-          <a:xfrm>
-            <a:off x="955465" y="2053112"/>
-            <a:ext cx="7233070" cy="2483565"/>
-          </a:xfrm>
-          <a:prstGeom prst="rect">
-            <a:avLst/>
-          </a:prstGeom>
-        </p:spPr>
-        <p:txBody>
-          <a:bodyPr wrap="none">
+          <p:cNvPr id="5" name="文字方塊 4">
+            <a:extLst>
+              <a:ext uri="{FF2B5EF4-FFF2-40B4-BE49-F238E27FC236}">
+                <a16:creationId xmlns:a16="http://schemas.microsoft.com/office/drawing/2014/main" id="{BF1CB2B9-BB9B-4B78-8328-5F095AA6A4C7}"/>
+              </a:ext>
+            </a:extLst>
+          </p:cNvPr>
+          <p:cNvSpPr txBox="1"/>
+          <p:nvPr/>
+        </p:nvSpPr>
+        <p:spPr>
+          <a:xfrm>
+            <a:off x="976144" y="1196650"/>
+            <a:ext cx="7191712" cy="901593"/>
+          </a:xfrm>
+          <a:prstGeom prst="rect">
+            <a:avLst/>
+          </a:prstGeom>
+          <a:noFill/>
+        </p:spPr>
+        <p:txBody>
+          <a:bodyPr wrap="none" rtlCol="0">
             <a:spAutoFit/>
           </a:bodyPr>
           <a:lstStyle/>
@@ -3326,82 +3329,56 @@
               </a:lnSpc>
             </a:pPr>
             <a:r>
-              <a:rPr lang="zh-TW" altLang="en-US" sz="3600" dirty="0">
-                <a:latin typeface="微軟正黑體" panose="020B0604030504040204" pitchFamily="34" charset="-120"/>
+              <a:rPr lang="en-US" altLang="zh-TW" sz="4000" i="1" dirty="0">
+                <a:latin typeface="Arial" panose="020B0604020202020204" pitchFamily="34" charset="0"/>
                 <a:ea typeface="微軟正黑體" panose="020B0604030504040204" pitchFamily="34" charset="-120"/>
+                <a:cs typeface="Arial" panose="020B0604020202020204" pitchFamily="34" charset="0"/>
               </a:rPr>
-              <a:t>．</a:t>
-            </a:r>
-            <a:r>
-              <a:rPr lang="en-US" altLang="zh-TW" sz="3600" dirty="0">
-                <a:latin typeface="微軟正黑體" panose="020B0604030504040204" pitchFamily="34" charset="-120"/>
-                <a:ea typeface="微軟正黑體" panose="020B0604030504040204" pitchFamily="34" charset="-120"/>
-              </a:rPr>
-              <a:t>core structure </a:t>
-            </a:r>
-            <a:r>
-              <a:rPr lang="zh-TW" altLang="en-US" sz="3600" dirty="0">
-                <a:latin typeface="微軟正黑體" panose="020B0604030504040204" pitchFamily="34" charset="-120"/>
-                <a:ea typeface="微軟正黑體" panose="020B0604030504040204" pitchFamily="34" charset="-120"/>
-              </a:rPr>
-              <a:t>－</a:t>
-            </a:r>
-            <a:r>
-              <a:rPr lang="en-US" altLang="zh-TW" sz="3600" b="1" dirty="0">
-                <a:latin typeface="微軟正黑體" panose="020B0604030504040204" pitchFamily="34" charset="-120"/>
-                <a:ea typeface="微軟正黑體" panose="020B0604030504040204" pitchFamily="34" charset="-120"/>
-              </a:rPr>
-              <a:t>Dataframe</a:t>
-            </a:r>
-          </a:p>
-          <a:p>
-            <a:pPr>
-              <a:lnSpc>
-                <a:spcPct val="150000"/>
-              </a:lnSpc>
-            </a:pPr>
-            <a:r>
-              <a:rPr lang="zh-TW" altLang="en-US" sz="3600" dirty="0">
-                <a:latin typeface="微軟正黑體" panose="020B0604030504040204" pitchFamily="34" charset="-120"/>
-                <a:ea typeface="微軟正黑體" panose="020B0604030504040204" pitchFamily="34" charset="-120"/>
-              </a:rPr>
-              <a:t>．</a:t>
-            </a:r>
-            <a:r>
-              <a:rPr lang="en-US" altLang="zh-TW" sz="3600" dirty="0">
-                <a:latin typeface="微軟正黑體" panose="020B0604030504040204" pitchFamily="34" charset="-120"/>
-                <a:ea typeface="微軟正黑體" panose="020B0604030504040204" pitchFamily="34" charset="-120"/>
-              </a:rPr>
-              <a:t>Dealing with header and index</a:t>
-            </a:r>
-          </a:p>
-          <a:p>
-            <a:pPr>
-              <a:lnSpc>
-                <a:spcPct val="150000"/>
-              </a:lnSpc>
-            </a:pPr>
-            <a:r>
-              <a:rPr lang="zh-TW" altLang="en-US" sz="3600" dirty="0">
-                <a:latin typeface="微軟正黑體" panose="020B0604030504040204" pitchFamily="34" charset="-120"/>
-                <a:ea typeface="微軟正黑體" panose="020B0604030504040204" pitchFamily="34" charset="-120"/>
-              </a:rPr>
-              <a:t>　</a:t>
-            </a:r>
-            <a:r>
-              <a:rPr lang="en-US" altLang="zh-TW" sz="3600" dirty="0">
-                <a:latin typeface="微軟正黑體" panose="020B0604030504040204" pitchFamily="34" charset="-120"/>
-                <a:ea typeface="微軟正黑體" panose="020B0604030504040204" pitchFamily="34" charset="-120"/>
-              </a:rPr>
-              <a:t>might be tricky sometimes…</a:t>
-            </a:r>
-          </a:p>
-        </p:txBody>
-      </p:sp>
+              <a:t>Let’s have a quick walkthrough</a:t>
+            </a:r>
+          </a:p>
+        </p:txBody>
+      </p:sp>
+      <p:pic>
+        <p:nvPicPr>
+          <p:cNvPr id="8" name="圖片 7" descr="一張含有 螢幕擷取畫面 的圖片&#10;&#10;自動產生的描述">
+            <a:extLst>
+              <a:ext uri="{FF2B5EF4-FFF2-40B4-BE49-F238E27FC236}">
+                <a16:creationId xmlns:a16="http://schemas.microsoft.com/office/drawing/2014/main" id="{4CB289F7-33AE-41B0-863C-698F9B18CA7E}"/>
+              </a:ext>
+            </a:extLst>
+          </p:cNvPr>
+          <p:cNvPicPr>
+            <a:picLocks noChangeAspect="1"/>
+          </p:cNvPicPr>
+          <p:nvPr/>
+        </p:nvPicPr>
+        <p:blipFill>
+          <a:blip r:embed="rId4">
+            <a:extLst>
+              <a:ext uri="{28A0092B-C50C-407E-A947-70E740481C1C}">
+                <a14:useLocalDpi xmlns:a14="http://schemas.microsoft.com/office/drawing/2010/main" val="0"/>
+              </a:ext>
+            </a:extLst>
+          </a:blip>
+          <a:stretch>
+            <a:fillRect/>
+          </a:stretch>
+        </p:blipFill>
+        <p:spPr>
+          <a:xfrm>
+            <a:off x="1035698" y="2559102"/>
+            <a:ext cx="7072603" cy="1471581"/>
+          </a:xfrm>
+          <a:prstGeom prst="rect">
+            <a:avLst/>
+          </a:prstGeom>
+        </p:spPr>
+      </p:pic>
     </p:spTree>
     <p:extLst>
       <p:ext uri="{BB962C8B-B14F-4D97-AF65-F5344CB8AC3E}">
-        <p14:creationId xmlns:p14="http://schemas.microsoft.com/office/powerpoint/2010/main" val="2939492051"/>
+        <p14:creationId xmlns:p14="http://schemas.microsoft.com/office/powerpoint/2010/main" val="699882849"/>
       </p:ext>
     </p:extLst>
   </p:cSld>
@@ -3500,12 +3477,147 @@
           </a:prstGeom>
         </p:spPr>
       </p:pic>
-      <p:sp>
-        <p:nvSpPr>
-          <p:cNvPr id="5" name="文字方塊 4">
-            <a:extLst>
-              <a:ext uri="{FF2B5EF4-FFF2-40B4-BE49-F238E27FC236}">
-                <a16:creationId xmlns:a16="http://schemas.microsoft.com/office/drawing/2014/main" id="{BF1CB2B9-BB9B-4B78-8328-5F095AA6A4C7}"/>
+      <p:cxnSp>
+        <p:nvCxnSpPr>
+          <p:cNvPr id="5" name="直線接點 4">
+            <a:extLst>
+              <a:ext uri="{FF2B5EF4-FFF2-40B4-BE49-F238E27FC236}">
+                <a16:creationId xmlns:a16="http://schemas.microsoft.com/office/drawing/2014/main" id="{D5F0CB79-799A-4CC2-98F0-75E3818BB5BB}"/>
+              </a:ext>
+            </a:extLst>
+          </p:cNvPr>
+          <p:cNvCxnSpPr>
+            <a:cxnSpLocks/>
+          </p:cNvCxnSpPr>
+          <p:nvPr/>
+        </p:nvCxnSpPr>
+        <p:spPr>
+          <a:xfrm>
+            <a:off x="678535" y="637564"/>
+            <a:ext cx="285226" cy="503339"/>
+          </a:xfrm>
+          <a:prstGeom prst="line">
+            <a:avLst/>
+          </a:prstGeom>
+          <a:ln w="28575">
+            <a:solidFill>
+              <a:schemeClr val="bg1">
+                <a:lumMod val="50000"/>
+              </a:schemeClr>
+            </a:solidFill>
+          </a:ln>
+        </p:spPr>
+        <p:style>
+          <a:lnRef idx="1">
+            <a:schemeClr val="accent1"/>
+          </a:lnRef>
+          <a:fillRef idx="0">
+            <a:schemeClr val="accent1"/>
+          </a:fillRef>
+          <a:effectRef idx="0">
+            <a:schemeClr val="accent1"/>
+          </a:effectRef>
+          <a:fontRef idx="minor">
+            <a:schemeClr val="tx1"/>
+          </a:fontRef>
+        </p:style>
+      </p:cxnSp>
+      <p:cxnSp>
+        <p:nvCxnSpPr>
+          <p:cNvPr id="6" name="直線接點 5">
+            <a:extLst>
+              <a:ext uri="{FF2B5EF4-FFF2-40B4-BE49-F238E27FC236}">
+                <a16:creationId xmlns:a16="http://schemas.microsoft.com/office/drawing/2014/main" id="{922E2757-E96E-4B60-8304-8FB93A805828}"/>
+              </a:ext>
+            </a:extLst>
+          </p:cNvPr>
+          <p:cNvCxnSpPr>
+            <a:cxnSpLocks/>
+          </p:cNvCxnSpPr>
+          <p:nvPr/>
+        </p:nvCxnSpPr>
+        <p:spPr>
+          <a:xfrm>
+            <a:off x="963761" y="1140903"/>
+            <a:ext cx="3162650" cy="0"/>
+          </a:xfrm>
+          <a:prstGeom prst="line">
+            <a:avLst/>
+          </a:prstGeom>
+          <a:ln w="28575">
+            <a:solidFill>
+              <a:schemeClr val="bg1">
+                <a:lumMod val="50000"/>
+              </a:schemeClr>
+            </a:solidFill>
+          </a:ln>
+        </p:spPr>
+        <p:style>
+          <a:lnRef idx="1">
+            <a:schemeClr val="accent1"/>
+          </a:lnRef>
+          <a:fillRef idx="0">
+            <a:schemeClr val="accent1"/>
+          </a:fillRef>
+          <a:effectRef idx="0">
+            <a:schemeClr val="accent1"/>
+          </a:effectRef>
+          <a:fontRef idx="minor">
+            <a:schemeClr val="tx1"/>
+          </a:fontRef>
+        </p:style>
+      </p:cxnSp>
+      <p:cxnSp>
+        <p:nvCxnSpPr>
+          <p:cNvPr id="7" name="直線接點 6">
+            <a:extLst>
+              <a:ext uri="{FF2B5EF4-FFF2-40B4-BE49-F238E27FC236}">
+                <a16:creationId xmlns:a16="http://schemas.microsoft.com/office/drawing/2014/main" id="{742066B1-934E-4E50-8862-0E4B0976815C}"/>
+              </a:ext>
+            </a:extLst>
+          </p:cNvPr>
+          <p:cNvCxnSpPr>
+            <a:cxnSpLocks/>
+          </p:cNvCxnSpPr>
+          <p:nvPr/>
+        </p:nvCxnSpPr>
+        <p:spPr>
+          <a:xfrm>
+            <a:off x="4126411" y="1140904"/>
+            <a:ext cx="285226" cy="503339"/>
+          </a:xfrm>
+          <a:prstGeom prst="line">
+            <a:avLst/>
+          </a:prstGeom>
+          <a:ln w="28575">
+            <a:solidFill>
+              <a:schemeClr val="bg1">
+                <a:lumMod val="50000"/>
+              </a:schemeClr>
+            </a:solidFill>
+          </a:ln>
+        </p:spPr>
+        <p:style>
+          <a:lnRef idx="1">
+            <a:schemeClr val="accent1"/>
+          </a:lnRef>
+          <a:fillRef idx="0">
+            <a:schemeClr val="accent1"/>
+          </a:fillRef>
+          <a:effectRef idx="0">
+            <a:schemeClr val="accent1"/>
+          </a:effectRef>
+          <a:fontRef idx="minor">
+            <a:schemeClr val="tx1"/>
+          </a:fontRef>
+        </p:style>
+      </p:cxnSp>
+      <p:sp>
+        <p:nvSpPr>
+          <p:cNvPr id="8" name="文字方塊 7">
+            <a:extLst>
+              <a:ext uri="{FF2B5EF4-FFF2-40B4-BE49-F238E27FC236}">
+                <a16:creationId xmlns:a16="http://schemas.microsoft.com/office/drawing/2014/main" id="{F37CB849-7B3F-4D20-B9C9-8EADDC6746E2}"/>
               </a:ext>
             </a:extLst>
           </p:cNvPr>
@@ -3514,8 +3626,52 @@
         </p:nvSpPr>
         <p:spPr>
           <a:xfrm>
-            <a:off x="976144" y="1196650"/>
-            <a:ext cx="7191712" cy="901593"/>
+            <a:off x="963761" y="433017"/>
+            <a:ext cx="1907766" cy="707886"/>
+          </a:xfrm>
+          <a:prstGeom prst="rect">
+            <a:avLst/>
+          </a:prstGeom>
+          <a:noFill/>
+        </p:spPr>
+        <p:txBody>
+          <a:bodyPr wrap="none" rtlCol="0">
+            <a:spAutoFit/>
+          </a:bodyPr>
+          <a:lstStyle/>
+          <a:p>
+            <a:r>
+              <a:rPr lang="en-US" altLang="zh-TW" sz="4000" dirty="0">
+                <a:latin typeface="微軟正黑體" panose="020B0604030504040204" pitchFamily="34" charset="-120"/>
+                <a:ea typeface="微軟正黑體" panose="020B0604030504040204" pitchFamily="34" charset="-120"/>
+                <a:cs typeface="Times New Roman" panose="02020603050405020304" pitchFamily="18" charset="0"/>
+              </a:rPr>
+              <a:t>Pandas</a:t>
+            </a:r>
+            <a:endParaRPr lang="zh-TW" altLang="en-US" sz="4000" dirty="0">
+              <a:latin typeface="微軟正黑體" panose="020B0604030504040204" pitchFamily="34" charset="-120"/>
+              <a:ea typeface="微軟正黑體" panose="020B0604030504040204" pitchFamily="34" charset="-120"/>
+              <a:cs typeface="Times New Roman" panose="02020603050405020304" pitchFamily="18" charset="0"/>
+            </a:endParaRPr>
+          </a:p>
+        </p:txBody>
+      </p:sp>
+      <p:sp>
+        <p:nvSpPr>
+          <p:cNvPr id="9" name="文字方塊 8">
+            <a:extLst>
+              <a:ext uri="{FF2B5EF4-FFF2-40B4-BE49-F238E27FC236}">
+                <a16:creationId xmlns:a16="http://schemas.microsoft.com/office/drawing/2014/main" id="{CDE24662-D3FC-49C7-8FC0-CC1CEAECC8A4}"/>
+              </a:ext>
+            </a:extLst>
+          </p:cNvPr>
+          <p:cNvSpPr txBox="1"/>
+          <p:nvPr/>
+        </p:nvSpPr>
+        <p:spPr>
+          <a:xfrm>
+            <a:off x="678535" y="1950742"/>
+            <a:ext cx="8047909" cy="2956515"/>
           </a:xfrm>
           <a:prstGeom prst="rect">
             <a:avLst/>
@@ -3534,55 +3690,103 @@
               </a:lnSpc>
             </a:pPr>
             <a:r>
-              <a:rPr lang="en-US" altLang="zh-TW" sz="4000" i="1" dirty="0">
-                <a:latin typeface="Arial" panose="020B0604020202020204" pitchFamily="34" charset="0"/>
+              <a:rPr lang="zh-TW" altLang="en-US" sz="3200" dirty="0">
+                <a:latin typeface="微軟正黑體" panose="020B0604030504040204" pitchFamily="34" charset="-120"/>
                 <a:ea typeface="微軟正黑體" panose="020B0604030504040204" pitchFamily="34" charset="-120"/>
-                <a:cs typeface="Arial" panose="020B0604020202020204" pitchFamily="34" charset="0"/>
               </a:rPr>
-              <a:t>Let’s have a quick walkthrough</a:t>
-            </a:r>
-          </a:p>
-        </p:txBody>
-      </p:sp>
-      <p:pic>
-        <p:nvPicPr>
-          <p:cNvPr id="6" name="圖片 5" descr="一張含有 螢幕擷取畫面 的圖片&#10;&#10;自動產生的描述">
-            <a:extLst>
-              <a:ext uri="{FF2B5EF4-FFF2-40B4-BE49-F238E27FC236}">
-                <a16:creationId xmlns:a16="http://schemas.microsoft.com/office/drawing/2014/main" id="{979ECB9B-7516-4AE9-8CBB-6CBDFD5E058B}"/>
-              </a:ext>
-            </a:extLst>
-          </p:cNvPr>
-          <p:cNvPicPr>
-            <a:picLocks noChangeAspect="1"/>
-          </p:cNvPicPr>
-          <p:nvPr/>
-        </p:nvPicPr>
-        <p:blipFill rotWithShape="1">
-          <a:blip r:embed="rId4">
-            <a:extLst>
-              <a:ext uri="{28A0092B-C50C-407E-A947-70E740481C1C}">
-                <a14:useLocalDpi xmlns:a14="http://schemas.microsoft.com/office/drawing/2010/main" val="0"/>
-              </a:ext>
-            </a:extLst>
-          </a:blip>
-          <a:srcRect b="20236"/>
-          <a:stretch/>
-        </p:blipFill>
-        <p:spPr>
-          <a:xfrm>
-            <a:off x="0" y="2184784"/>
-            <a:ext cx="9144000" cy="1984875"/>
-          </a:xfrm>
-          <a:prstGeom prst="rect">
-            <a:avLst/>
-          </a:prstGeom>
-        </p:spPr>
-      </p:pic>
+              <a:t>．</a:t>
+            </a:r>
+            <a:r>
+              <a:rPr lang="en-US" altLang="zh-TW" sz="3200" dirty="0">
+                <a:latin typeface="微軟正黑體" panose="020B0604030504040204" pitchFamily="34" charset="-120"/>
+                <a:ea typeface="微軟正黑體" panose="020B0604030504040204" pitchFamily="34" charset="-120"/>
+              </a:rPr>
+              <a:t>a library with fantastic set of tools </a:t>
+            </a:r>
+          </a:p>
+          <a:p>
+            <a:pPr>
+              <a:lnSpc>
+                <a:spcPct val="150000"/>
+              </a:lnSpc>
+            </a:pPr>
+            <a:r>
+              <a:rPr lang="zh-TW" altLang="en-US" sz="3200" dirty="0">
+                <a:latin typeface="微軟正黑體" panose="020B0604030504040204" pitchFamily="34" charset="-120"/>
+                <a:ea typeface="微軟正黑體" panose="020B0604030504040204" pitchFamily="34" charset="-120"/>
+              </a:rPr>
+              <a:t>　</a:t>
+            </a:r>
+            <a:r>
+              <a:rPr lang="en-US" altLang="zh-TW" sz="3200" dirty="0">
+                <a:latin typeface="微軟正黑體" panose="020B0604030504040204" pitchFamily="34" charset="-120"/>
+                <a:ea typeface="微軟正黑體" panose="020B0604030504040204" pitchFamily="34" charset="-120"/>
+              </a:rPr>
+              <a:t>for data analysis</a:t>
+            </a:r>
+          </a:p>
+          <a:p>
+            <a:pPr>
+              <a:lnSpc>
+                <a:spcPct val="150000"/>
+              </a:lnSpc>
+            </a:pPr>
+            <a:r>
+              <a:rPr lang="zh-TW" altLang="en-US" sz="3200" dirty="0">
+                <a:latin typeface="微軟正黑體" panose="020B0604030504040204" pitchFamily="34" charset="-120"/>
+                <a:ea typeface="微軟正黑體" panose="020B0604030504040204" pitchFamily="34" charset="-120"/>
+              </a:rPr>
+              <a:t>．</a:t>
+            </a:r>
+            <a:r>
+              <a:rPr lang="en-US" altLang="zh-TW" sz="3200" dirty="0">
+                <a:latin typeface="微軟正黑體" panose="020B0604030504040204" pitchFamily="34" charset="-120"/>
+                <a:ea typeface="微軟正黑體" panose="020B0604030504040204" pitchFamily="34" charset="-120"/>
+              </a:rPr>
+              <a:t>load / prepare / manipulate / ...</a:t>
+            </a:r>
+            <a:r>
+              <a:rPr lang="zh-TW" altLang="en-US" sz="3200" dirty="0">
+                <a:latin typeface="微軟正黑體" panose="020B0604030504040204" pitchFamily="34" charset="-120"/>
+                <a:ea typeface="微軟正黑體" panose="020B0604030504040204" pitchFamily="34" charset="-120"/>
+              </a:rPr>
+              <a:t> </a:t>
+            </a:r>
+            <a:r>
+              <a:rPr lang="en-US" altLang="zh-TW" sz="3200" dirty="0">
+                <a:latin typeface="微軟正黑體" panose="020B0604030504040204" pitchFamily="34" charset="-120"/>
+                <a:ea typeface="微軟正黑體" panose="020B0604030504040204" pitchFamily="34" charset="-120"/>
+              </a:rPr>
+              <a:t>models</a:t>
+            </a:r>
+          </a:p>
+          <a:p>
+            <a:pPr>
+              <a:lnSpc>
+                <a:spcPct val="150000"/>
+              </a:lnSpc>
+            </a:pPr>
+            <a:r>
+              <a:rPr lang="zh-TW" altLang="en-US" sz="3200" dirty="0">
+                <a:latin typeface="微軟正黑體" panose="020B0604030504040204" pitchFamily="34" charset="-120"/>
+                <a:ea typeface="微軟正黑體" panose="020B0604030504040204" pitchFamily="34" charset="-120"/>
+              </a:rPr>
+              <a:t>．</a:t>
+            </a:r>
+            <a:r>
+              <a:rPr lang="en-US" altLang="zh-TW" sz="3200" dirty="0">
+                <a:latin typeface="微軟正黑體" panose="020B0604030504040204" pitchFamily="34" charset="-120"/>
+                <a:ea typeface="微軟正黑體" panose="020B0604030504040204" pitchFamily="34" charset="-120"/>
+              </a:rPr>
+              <a:t>join / merge / reshape / ... Date</a:t>
+            </a:r>
+          </a:p>
+        </p:txBody>
+      </p:sp>
     </p:spTree>
     <p:extLst>
       <p:ext uri="{BB962C8B-B14F-4D97-AF65-F5344CB8AC3E}">
-        <p14:creationId xmlns:p14="http://schemas.microsoft.com/office/powerpoint/2010/main" val="1795268934"/>
+        <p14:creationId xmlns:p14="http://schemas.microsoft.com/office/powerpoint/2010/main" val="3995742772"/>
       </p:ext>
     </p:extLst>
   </p:cSld>
@@ -3681,210 +3885,29 @@
           </a:prstGeom>
         </p:spPr>
       </p:pic>
-      <p:cxnSp>
-        <p:nvCxnSpPr>
-          <p:cNvPr id="5" name="直線接點 4">
-            <a:extLst>
-              <a:ext uri="{FF2B5EF4-FFF2-40B4-BE49-F238E27FC236}">
-                <a16:creationId xmlns:a16="http://schemas.microsoft.com/office/drawing/2014/main" id="{6AE95A7A-DE0D-430E-819D-FBD1BD61366E}"/>
-              </a:ext>
-            </a:extLst>
-          </p:cNvPr>
-          <p:cNvCxnSpPr>
-            <a:cxnSpLocks/>
-          </p:cNvCxnSpPr>
-          <p:nvPr/>
-        </p:nvCxnSpPr>
-        <p:spPr>
-          <a:xfrm>
-            <a:off x="678535" y="637564"/>
-            <a:ext cx="285226" cy="503339"/>
-          </a:xfrm>
-          <a:prstGeom prst="line">
-            <a:avLst/>
-          </a:prstGeom>
-          <a:ln w="28575">
-            <a:solidFill>
-              <a:schemeClr val="bg1">
-                <a:lumMod val="50000"/>
-              </a:schemeClr>
-            </a:solidFill>
-          </a:ln>
-        </p:spPr>
-        <p:style>
-          <a:lnRef idx="1">
-            <a:schemeClr val="accent1"/>
-          </a:lnRef>
-          <a:fillRef idx="0">
-            <a:schemeClr val="accent1"/>
-          </a:fillRef>
-          <a:effectRef idx="0">
-            <a:schemeClr val="accent1"/>
-          </a:effectRef>
-          <a:fontRef idx="minor">
-            <a:schemeClr val="tx1"/>
-          </a:fontRef>
-        </p:style>
-      </p:cxnSp>
-      <p:cxnSp>
-        <p:nvCxnSpPr>
-          <p:cNvPr id="6" name="直線接點 5">
-            <a:extLst>
-              <a:ext uri="{FF2B5EF4-FFF2-40B4-BE49-F238E27FC236}">
-                <a16:creationId xmlns:a16="http://schemas.microsoft.com/office/drawing/2014/main" id="{6327EF16-3EBA-4A84-B706-EC13E33B407D}"/>
-              </a:ext>
-            </a:extLst>
-          </p:cNvPr>
-          <p:cNvCxnSpPr>
-            <a:cxnSpLocks/>
-          </p:cNvCxnSpPr>
-          <p:nvPr/>
-        </p:nvCxnSpPr>
-        <p:spPr>
-          <a:xfrm>
-            <a:off x="963761" y="1140903"/>
-            <a:ext cx="3162650" cy="0"/>
-          </a:xfrm>
-          <a:prstGeom prst="line">
-            <a:avLst/>
-          </a:prstGeom>
-          <a:ln w="28575">
-            <a:solidFill>
-              <a:schemeClr val="bg1">
-                <a:lumMod val="50000"/>
-              </a:schemeClr>
-            </a:solidFill>
-          </a:ln>
-        </p:spPr>
-        <p:style>
-          <a:lnRef idx="1">
-            <a:schemeClr val="accent1"/>
-          </a:lnRef>
-          <a:fillRef idx="0">
-            <a:schemeClr val="accent1"/>
-          </a:fillRef>
-          <a:effectRef idx="0">
-            <a:schemeClr val="accent1"/>
-          </a:effectRef>
-          <a:fontRef idx="minor">
-            <a:schemeClr val="tx1"/>
-          </a:fontRef>
-        </p:style>
-      </p:cxnSp>
-      <p:cxnSp>
-        <p:nvCxnSpPr>
-          <p:cNvPr id="7" name="直線接點 6">
-            <a:extLst>
-              <a:ext uri="{FF2B5EF4-FFF2-40B4-BE49-F238E27FC236}">
-                <a16:creationId xmlns:a16="http://schemas.microsoft.com/office/drawing/2014/main" id="{D6AC5C17-A0F8-40C4-A209-F3D86B23843E}"/>
-              </a:ext>
-            </a:extLst>
-          </p:cNvPr>
-          <p:cNvCxnSpPr>
-            <a:cxnSpLocks/>
-          </p:cNvCxnSpPr>
-          <p:nvPr/>
-        </p:nvCxnSpPr>
-        <p:spPr>
-          <a:xfrm>
-            <a:off x="4126411" y="1140904"/>
-            <a:ext cx="285226" cy="503339"/>
-          </a:xfrm>
-          <a:prstGeom prst="line">
-            <a:avLst/>
-          </a:prstGeom>
-          <a:ln w="28575">
-            <a:solidFill>
-              <a:schemeClr val="bg1">
-                <a:lumMod val="50000"/>
-              </a:schemeClr>
-            </a:solidFill>
-          </a:ln>
-        </p:spPr>
-        <p:style>
-          <a:lnRef idx="1">
-            <a:schemeClr val="accent1"/>
-          </a:lnRef>
-          <a:fillRef idx="0">
-            <a:schemeClr val="accent1"/>
-          </a:fillRef>
-          <a:effectRef idx="0">
-            <a:schemeClr val="accent1"/>
-          </a:effectRef>
-          <a:fontRef idx="minor">
-            <a:schemeClr val="tx1"/>
-          </a:fontRef>
-        </p:style>
-      </p:cxnSp>
-      <p:sp>
-        <p:nvSpPr>
-          <p:cNvPr id="8" name="文字方塊 7">
-            <a:extLst>
-              <a:ext uri="{FF2B5EF4-FFF2-40B4-BE49-F238E27FC236}">
-                <a16:creationId xmlns:a16="http://schemas.microsoft.com/office/drawing/2014/main" id="{7B725799-7C55-41F8-8A9D-1029A6C7E70A}"/>
-              </a:ext>
-            </a:extLst>
-          </p:cNvPr>
-          <p:cNvSpPr txBox="1"/>
-          <p:nvPr/>
-        </p:nvSpPr>
-        <p:spPr>
-          <a:xfrm>
-            <a:off x="963761" y="433017"/>
-            <a:ext cx="2852512" cy="707886"/>
-          </a:xfrm>
-          <a:prstGeom prst="rect">
-            <a:avLst/>
-          </a:prstGeom>
-          <a:noFill/>
-        </p:spPr>
-        <p:txBody>
-          <a:bodyPr wrap="none" rtlCol="0">
-            <a:spAutoFit/>
-          </a:bodyPr>
-          <a:lstStyle/>
-          <a:p>
-            <a:r>
-              <a:rPr lang="en-US" altLang="zh-TW" sz="4000" dirty="0">
-                <a:latin typeface="微軟正黑體" panose="020B0604030504040204" pitchFamily="34" charset="-120"/>
-                <a:ea typeface="微軟正黑體" panose="020B0604030504040204" pitchFamily="34" charset="-120"/>
-                <a:cs typeface="Times New Roman" panose="02020603050405020304" pitchFamily="18" charset="0"/>
-                <a:hlinkClick r:id="rId4"/>
-              </a:rPr>
-              <a:t>Scikit-learn</a:t>
-            </a:r>
-            <a:endParaRPr lang="zh-TW" altLang="en-US" sz="4000" dirty="0">
-              <a:latin typeface="微軟正黑體" panose="020B0604030504040204" pitchFamily="34" charset="-120"/>
-              <a:ea typeface="微軟正黑體" panose="020B0604030504040204" pitchFamily="34" charset="-120"/>
-              <a:cs typeface="Times New Roman" panose="02020603050405020304" pitchFamily="18" charset="0"/>
-            </a:endParaRPr>
-          </a:p>
-        </p:txBody>
-      </p:sp>
-      <p:sp>
-        <p:nvSpPr>
-          <p:cNvPr id="9" name="文字方塊 8">
-            <a:extLst>
-              <a:ext uri="{FF2B5EF4-FFF2-40B4-BE49-F238E27FC236}">
-                <a16:creationId xmlns:a16="http://schemas.microsoft.com/office/drawing/2014/main" id="{8DC7A403-F380-407A-B00F-87C8CEEE01D7}"/>
-              </a:ext>
-            </a:extLst>
-          </p:cNvPr>
-          <p:cNvSpPr txBox="1"/>
-          <p:nvPr/>
-        </p:nvSpPr>
-        <p:spPr>
-          <a:xfrm>
-            <a:off x="678535" y="1950742"/>
-            <a:ext cx="7782067" cy="2956515"/>
-          </a:xfrm>
-          <a:prstGeom prst="rect">
-            <a:avLst/>
-          </a:prstGeom>
-          <a:noFill/>
-        </p:spPr>
-        <p:txBody>
-          <a:bodyPr wrap="none" rtlCol="0">
+      <p:sp>
+        <p:nvSpPr>
+          <p:cNvPr id="5" name="矩形 4">
+            <a:extLst>
+              <a:ext uri="{FF2B5EF4-FFF2-40B4-BE49-F238E27FC236}">
+                <a16:creationId xmlns:a16="http://schemas.microsoft.com/office/drawing/2014/main" id="{C237FB63-81C7-465B-B97A-DC3004CB1247}"/>
+              </a:ext>
+            </a:extLst>
+          </p:cNvPr>
+          <p:cNvSpPr/>
+          <p:nvPr/>
+        </p:nvSpPr>
+        <p:spPr>
+          <a:xfrm>
+            <a:off x="955465" y="2053112"/>
+            <a:ext cx="7233070" cy="2483565"/>
+          </a:xfrm>
+          <a:prstGeom prst="rect">
+            <a:avLst/>
+          </a:prstGeom>
+        </p:spPr>
+        <p:txBody>
+          <a:bodyPr wrap="none">
             <a:spAutoFit/>
           </a:bodyPr>
           <a:lstStyle/>
@@ -3895,18 +3918,32 @@
               </a:lnSpc>
             </a:pPr>
             <a:r>
-              <a:rPr lang="zh-TW" altLang="en-US" sz="3200" dirty="0">
+              <a:rPr lang="zh-TW" altLang="en-US" sz="3600" dirty="0">
                 <a:latin typeface="微軟正黑體" panose="020B0604030504040204" pitchFamily="34" charset="-120"/>
                 <a:ea typeface="微軟正黑體" panose="020B0604030504040204" pitchFamily="34" charset="-120"/>
               </a:rPr>
               <a:t>．</a:t>
             </a:r>
             <a:r>
-              <a:rPr lang="en-US" altLang="zh-TW" sz="3200" dirty="0">
+              <a:rPr lang="en-US" altLang="zh-TW" sz="3600" dirty="0">
                 <a:latin typeface="微軟正黑體" panose="020B0604030504040204" pitchFamily="34" charset="-120"/>
                 <a:ea typeface="微軟正黑體" panose="020B0604030504040204" pitchFamily="34" charset="-120"/>
               </a:rPr>
-              <a:t>machine learning library</a:t>
+              <a:t>core structure </a:t>
+            </a:r>
+            <a:r>
+              <a:rPr lang="zh-TW" altLang="en-US" sz="3600" dirty="0">
+                <a:latin typeface="微軟正黑體" panose="020B0604030504040204" pitchFamily="34" charset="-120"/>
+                <a:ea typeface="微軟正黑體" panose="020B0604030504040204" pitchFamily="34" charset="-120"/>
+              </a:rPr>
+              <a:t>－</a:t>
+            </a:r>
+            <a:r>
+              <a:rPr lang="en-US" altLang="zh-TW" sz="3600" b="1" dirty="0">
+                <a:latin typeface="微軟正黑體" panose="020B0604030504040204" pitchFamily="34" charset="-120"/>
+                <a:ea typeface="微軟正黑體" panose="020B0604030504040204" pitchFamily="34" charset="-120"/>
+              </a:rPr>
+              <a:t>Dataframe</a:t>
             </a:r>
           </a:p>
           <a:p>
@@ -3916,18 +3953,18 @@
               </a:lnSpc>
             </a:pPr>
             <a:r>
-              <a:rPr lang="zh-TW" altLang="en-US" sz="3200" dirty="0">
+              <a:rPr lang="zh-TW" altLang="en-US" sz="3600" dirty="0">
                 <a:latin typeface="微軟正黑體" panose="020B0604030504040204" pitchFamily="34" charset="-120"/>
                 <a:ea typeface="微軟正黑體" panose="020B0604030504040204" pitchFamily="34" charset="-120"/>
               </a:rPr>
               <a:t>．</a:t>
             </a:r>
             <a:r>
-              <a:rPr lang="en-US" altLang="zh-TW" sz="3200" dirty="0">
+              <a:rPr lang="en-US" altLang="zh-TW" sz="3600" dirty="0">
                 <a:latin typeface="微軟正黑體" panose="020B0604030504040204" pitchFamily="34" charset="-120"/>
                 <a:ea typeface="微軟正黑體" panose="020B0604030504040204" pitchFamily="34" charset="-120"/>
               </a:rPr>
-              <a:t>Simple and efficient tools for </a:t>
+              <a:t>Dealing with header and index</a:t>
             </a:r>
           </a:p>
           <a:p>
@@ -3937,46 +3974,18 @@
               </a:lnSpc>
             </a:pPr>
             <a:r>
-              <a:rPr lang="zh-TW" altLang="en-US" sz="3200" dirty="0">
+              <a:rPr lang="zh-TW" altLang="en-US" sz="3600" dirty="0">
                 <a:latin typeface="微軟正黑體" panose="020B0604030504040204" pitchFamily="34" charset="-120"/>
                 <a:ea typeface="微軟正黑體" panose="020B0604030504040204" pitchFamily="34" charset="-120"/>
               </a:rPr>
               <a:t>　</a:t>
             </a:r>
             <a:r>
-              <a:rPr lang="en-US" altLang="zh-TW" sz="3200" u="sng" dirty="0">
+              <a:rPr lang="en-US" altLang="zh-TW" sz="3600" dirty="0">
                 <a:latin typeface="微軟正黑體" panose="020B0604030504040204" pitchFamily="34" charset="-120"/>
                 <a:ea typeface="微軟正黑體" panose="020B0604030504040204" pitchFamily="34" charset="-120"/>
               </a:rPr>
-              <a:t>predictive</a:t>
-            </a:r>
-            <a:r>
-              <a:rPr lang="en-US" altLang="zh-TW" sz="3200" dirty="0">
-                <a:latin typeface="微軟正黑體" panose="020B0604030504040204" pitchFamily="34" charset="-120"/>
-                <a:ea typeface="微軟正黑體" panose="020B0604030504040204" pitchFamily="34" charset="-120"/>
-              </a:rPr>
-              <a:t> data analysis</a:t>
-            </a:r>
-          </a:p>
-          <a:p>
-            <a:pPr>
-              <a:lnSpc>
-                <a:spcPct val="150000"/>
-              </a:lnSpc>
-            </a:pPr>
-            <a:r>
-              <a:rPr lang="zh-TW" altLang="en-US" sz="3200" dirty="0">
-                <a:latin typeface="微軟正黑體" panose="020B0604030504040204" pitchFamily="34" charset="-120"/>
-                <a:ea typeface="微軟正黑體" panose="020B0604030504040204" pitchFamily="34" charset="-120"/>
-              </a:rPr>
-              <a:t>．</a:t>
-            </a:r>
-            <a:r>
-              <a:rPr lang="en-US" altLang="zh-TW" sz="3200" dirty="0">
-                <a:latin typeface="微軟正黑體" panose="020B0604030504040204" pitchFamily="34" charset="-120"/>
-                <a:ea typeface="微軟正黑體" panose="020B0604030504040204" pitchFamily="34" charset="-120"/>
-              </a:rPr>
-              <a:t>Built on NumPy, SciPy, and matplotlib</a:t>
+              <a:t>might be tricky sometimes…</a:t>
             </a:r>
           </a:p>
         </p:txBody>
@@ -3984,7 +3993,7 @@
     </p:spTree>
     <p:extLst>
       <p:ext uri="{BB962C8B-B14F-4D97-AF65-F5344CB8AC3E}">
-        <p14:creationId xmlns:p14="http://schemas.microsoft.com/office/powerpoint/2010/main" val="544474975"/>
+        <p14:creationId xmlns:p14="http://schemas.microsoft.com/office/powerpoint/2010/main" val="2939492051"/>
       </p:ext>
     </p:extLst>
   </p:cSld>
@@ -4085,27 +4094,28 @@
       </p:pic>
       <p:sp>
         <p:nvSpPr>
-          <p:cNvPr id="5" name="矩形 4">
-            <a:extLst>
-              <a:ext uri="{FF2B5EF4-FFF2-40B4-BE49-F238E27FC236}">
-                <a16:creationId xmlns:a16="http://schemas.microsoft.com/office/drawing/2014/main" id="{BD8C2AF7-238D-4751-9763-AF6361F4A58E}"/>
-              </a:ext>
-            </a:extLst>
-          </p:cNvPr>
-          <p:cNvSpPr/>
-          <p:nvPr/>
-        </p:nvSpPr>
-        <p:spPr>
-          <a:xfrm>
-            <a:off x="375766" y="401265"/>
-            <a:ext cx="5073505" cy="821572"/>
-          </a:xfrm>
-          <a:prstGeom prst="rect">
-            <a:avLst/>
-          </a:prstGeom>
-        </p:spPr>
-        <p:txBody>
-          <a:bodyPr wrap="none">
+          <p:cNvPr id="5" name="文字方塊 4">
+            <a:extLst>
+              <a:ext uri="{FF2B5EF4-FFF2-40B4-BE49-F238E27FC236}">
+                <a16:creationId xmlns:a16="http://schemas.microsoft.com/office/drawing/2014/main" id="{BF1CB2B9-BB9B-4B78-8328-5F095AA6A4C7}"/>
+              </a:ext>
+            </a:extLst>
+          </p:cNvPr>
+          <p:cNvSpPr txBox="1"/>
+          <p:nvPr/>
+        </p:nvSpPr>
+        <p:spPr>
+          <a:xfrm>
+            <a:off x="976144" y="1196650"/>
+            <a:ext cx="7191712" cy="901593"/>
+          </a:xfrm>
+          <a:prstGeom prst="rect">
+            <a:avLst/>
+          </a:prstGeom>
+          <a:noFill/>
+        </p:spPr>
+        <p:txBody>
+          <a:bodyPr wrap="none" rtlCol="0">
             <a:spAutoFit/>
           </a:bodyPr>
           <a:lstStyle/>
@@ -4116,181 +4126,55 @@
               </a:lnSpc>
             </a:pPr>
             <a:r>
-              <a:rPr lang="zh-TW" altLang="en-US" sz="3600" dirty="0">
-                <a:latin typeface="微軟正黑體" panose="020B0604030504040204" pitchFamily="34" charset="-120"/>
+              <a:rPr lang="en-US" altLang="zh-TW" sz="4000" i="1" dirty="0">
+                <a:latin typeface="Arial" panose="020B0604020202020204" pitchFamily="34" charset="0"/>
                 <a:ea typeface="微軟正黑體" panose="020B0604030504040204" pitchFamily="34" charset="-120"/>
+                <a:cs typeface="Arial" panose="020B0604020202020204" pitchFamily="34" charset="0"/>
               </a:rPr>
-              <a:t>．</a:t>
-            </a:r>
-            <a:r>
-              <a:rPr lang="en-US" altLang="zh-TW" sz="3600" dirty="0">
-                <a:latin typeface="微軟正黑體" panose="020B0604030504040204" pitchFamily="34" charset="-120"/>
-                <a:ea typeface="微軟正黑體" panose="020B0604030504040204" pitchFamily="34" charset="-120"/>
-              </a:rPr>
-              <a:t>Six facets of sklearn :</a:t>
-            </a:r>
-          </a:p>
-        </p:txBody>
-      </p:sp>
-      <p:sp>
-        <p:nvSpPr>
-          <p:cNvPr id="6" name="文字方塊 5">
-            <a:extLst>
-              <a:ext uri="{FF2B5EF4-FFF2-40B4-BE49-F238E27FC236}">
-                <a16:creationId xmlns:a16="http://schemas.microsoft.com/office/drawing/2014/main" id="{A1B8B65A-7135-4ECF-8896-67A6474EA1B6}"/>
-              </a:ext>
-            </a:extLst>
-          </p:cNvPr>
-          <p:cNvSpPr txBox="1"/>
-          <p:nvPr/>
-        </p:nvSpPr>
-        <p:spPr>
-          <a:xfrm>
-            <a:off x="1856865" y="1346185"/>
-            <a:ext cx="5430269" cy="4433842"/>
-          </a:xfrm>
-          <a:prstGeom prst="rect">
-            <a:avLst/>
-          </a:prstGeom>
-          <a:noFill/>
-        </p:spPr>
-        <p:txBody>
-          <a:bodyPr wrap="none" rtlCol="0">
-            <a:spAutoFit/>
-          </a:bodyPr>
-          <a:lstStyle/>
-          <a:p>
-            <a:pPr>
-              <a:lnSpc>
-                <a:spcPct val="150000"/>
-              </a:lnSpc>
-            </a:pPr>
-            <a:r>
-              <a:rPr lang="zh-TW" altLang="en-US" sz="3200" dirty="0">
-                <a:latin typeface="微軟正黑體" panose="020B0604030504040204" pitchFamily="34" charset="-120"/>
-                <a:ea typeface="微軟正黑體" panose="020B0604030504040204" pitchFamily="34" charset="-120"/>
-              </a:rPr>
-              <a:t>．</a:t>
-            </a:r>
-            <a:r>
-              <a:rPr lang="en-US" altLang="zh-TW" sz="3200" dirty="0">
-                <a:latin typeface="微軟正黑體" panose="020B0604030504040204" pitchFamily="34" charset="-120"/>
-                <a:ea typeface="微軟正黑體" panose="020B0604030504040204" pitchFamily="34" charset="-120"/>
-              </a:rPr>
-              <a:t>Classification</a:t>
-            </a:r>
-          </a:p>
-          <a:p>
-            <a:pPr>
-              <a:lnSpc>
-                <a:spcPct val="150000"/>
-              </a:lnSpc>
-            </a:pPr>
-            <a:r>
-              <a:rPr lang="zh-TW" altLang="en-US" sz="3200" dirty="0">
-                <a:latin typeface="微軟正黑體" panose="020B0604030504040204" pitchFamily="34" charset="-120"/>
-                <a:ea typeface="微軟正黑體" panose="020B0604030504040204" pitchFamily="34" charset="-120"/>
-              </a:rPr>
-              <a:t>．</a:t>
-            </a:r>
-            <a:r>
-              <a:rPr lang="en-US" altLang="zh-TW" sz="3200" dirty="0">
-                <a:latin typeface="微軟正黑體" panose="020B0604030504040204" pitchFamily="34" charset="-120"/>
-                <a:ea typeface="微軟正黑體" panose="020B0604030504040204" pitchFamily="34" charset="-120"/>
-              </a:rPr>
-              <a:t>Regression</a:t>
-            </a:r>
-          </a:p>
-          <a:p>
-            <a:pPr>
-              <a:lnSpc>
-                <a:spcPct val="150000"/>
-              </a:lnSpc>
-            </a:pPr>
-            <a:r>
-              <a:rPr lang="zh-TW" altLang="en-US" sz="3200" dirty="0">
-                <a:latin typeface="微軟正黑體" panose="020B0604030504040204" pitchFamily="34" charset="-120"/>
-                <a:ea typeface="微軟正黑體" panose="020B0604030504040204" pitchFamily="34" charset="-120"/>
-              </a:rPr>
-              <a:t>．</a:t>
-            </a:r>
-            <a:r>
-              <a:rPr lang="en-US" altLang="zh-TW" sz="3200" dirty="0">
-                <a:latin typeface="微軟正黑體" panose="020B0604030504040204" pitchFamily="34" charset="-120"/>
-                <a:ea typeface="微軟正黑體" panose="020B0604030504040204" pitchFamily="34" charset="-120"/>
-              </a:rPr>
-              <a:t>Clustering</a:t>
-            </a:r>
-          </a:p>
-          <a:p>
-            <a:pPr>
-              <a:lnSpc>
-                <a:spcPct val="150000"/>
-              </a:lnSpc>
-            </a:pPr>
-            <a:r>
-              <a:rPr lang="zh-TW" altLang="en-US" sz="3200" dirty="0">
-                <a:latin typeface="微軟正黑體" panose="020B0604030504040204" pitchFamily="34" charset="-120"/>
-                <a:ea typeface="微軟正黑體" panose="020B0604030504040204" pitchFamily="34" charset="-120"/>
-              </a:rPr>
-              <a:t>．</a:t>
-            </a:r>
-            <a:r>
-              <a:rPr lang="en-US" altLang="zh-TW" sz="3200" dirty="0">
-                <a:latin typeface="微軟正黑體" panose="020B0604030504040204" pitchFamily="34" charset="-120"/>
-                <a:ea typeface="微軟正黑體" panose="020B0604030504040204" pitchFamily="34" charset="-120"/>
-              </a:rPr>
-              <a:t>Dimensionality reduction</a:t>
-            </a:r>
-          </a:p>
-          <a:p>
-            <a:pPr>
-              <a:lnSpc>
-                <a:spcPct val="150000"/>
-              </a:lnSpc>
-            </a:pPr>
-            <a:r>
-              <a:rPr lang="zh-TW" altLang="en-US" sz="3200" dirty="0">
-                <a:latin typeface="微軟正黑體" panose="020B0604030504040204" pitchFamily="34" charset="-120"/>
-                <a:ea typeface="微軟正黑體" panose="020B0604030504040204" pitchFamily="34" charset="-120"/>
-              </a:rPr>
-              <a:t>．</a:t>
-            </a:r>
-            <a:r>
-              <a:rPr lang="en-US" altLang="zh-TW" sz="3200" dirty="0">
-                <a:latin typeface="微軟正黑體" panose="020B0604030504040204" pitchFamily="34" charset="-120"/>
-                <a:ea typeface="微軟正黑體" panose="020B0604030504040204" pitchFamily="34" charset="-120"/>
-              </a:rPr>
-              <a:t>Model selection</a:t>
-            </a:r>
-          </a:p>
-          <a:p>
-            <a:pPr>
-              <a:lnSpc>
-                <a:spcPct val="150000"/>
-              </a:lnSpc>
-            </a:pPr>
-            <a:r>
-              <a:rPr lang="zh-TW" altLang="en-US" sz="3200" dirty="0">
-                <a:latin typeface="微軟正黑體" panose="020B0604030504040204" pitchFamily="34" charset="-120"/>
-                <a:ea typeface="微軟正黑體" panose="020B0604030504040204" pitchFamily="34" charset="-120"/>
-              </a:rPr>
-              <a:t>．</a:t>
-            </a:r>
-            <a:r>
-              <a:rPr lang="en-US" altLang="zh-TW" sz="3200" dirty="0">
-                <a:latin typeface="微軟正黑體" panose="020B0604030504040204" pitchFamily="34" charset="-120"/>
-                <a:ea typeface="微軟正黑體" panose="020B0604030504040204" pitchFamily="34" charset="-120"/>
-              </a:rPr>
-              <a:t>Preprocessing</a:t>
-            </a:r>
-          </a:p>
-        </p:txBody>
-      </p:sp>
+              <a:t>Let’s have a quick walkthrough</a:t>
+            </a:r>
+          </a:p>
+        </p:txBody>
+      </p:sp>
+      <p:pic>
+        <p:nvPicPr>
+          <p:cNvPr id="6" name="圖片 5" descr="一張含有 螢幕擷取畫面 的圖片&#10;&#10;自動產生的描述">
+            <a:extLst>
+              <a:ext uri="{FF2B5EF4-FFF2-40B4-BE49-F238E27FC236}">
+                <a16:creationId xmlns:a16="http://schemas.microsoft.com/office/drawing/2014/main" id="{979ECB9B-7516-4AE9-8CBB-6CBDFD5E058B}"/>
+              </a:ext>
+            </a:extLst>
+          </p:cNvPr>
+          <p:cNvPicPr>
+            <a:picLocks noChangeAspect="1"/>
+          </p:cNvPicPr>
+          <p:nvPr/>
+        </p:nvPicPr>
+        <p:blipFill rotWithShape="1">
+          <a:blip r:embed="rId4">
+            <a:extLst>
+              <a:ext uri="{28A0092B-C50C-407E-A947-70E740481C1C}">
+                <a14:useLocalDpi xmlns:a14="http://schemas.microsoft.com/office/drawing/2010/main" val="0"/>
+              </a:ext>
+            </a:extLst>
+          </a:blip>
+          <a:srcRect b="20236"/>
+          <a:stretch/>
+        </p:blipFill>
+        <p:spPr>
+          <a:xfrm>
+            <a:off x="0" y="2184784"/>
+            <a:ext cx="9144000" cy="1984875"/>
+          </a:xfrm>
+          <a:prstGeom prst="rect">
+            <a:avLst/>
+          </a:prstGeom>
+        </p:spPr>
+      </p:pic>
     </p:spTree>
     <p:extLst>
       <p:ext uri="{BB962C8B-B14F-4D97-AF65-F5344CB8AC3E}">
-        <p14:creationId xmlns:p14="http://schemas.microsoft.com/office/powerpoint/2010/main" val="455507624"/>
+        <p14:creationId xmlns:p14="http://schemas.microsoft.com/office/powerpoint/2010/main" val="1795268934"/>
       </p:ext>
     </p:extLst>
   </p:cSld>
@@ -4389,82 +4273,310 @@
           </a:prstGeom>
         </p:spPr>
       </p:pic>
-      <p:pic>
-        <p:nvPicPr>
-          <p:cNvPr id="5" name="圖片 4" descr="一張含有 螢幕擷取畫面 的圖片&#10;&#10;自動產生的描述">
-            <a:extLst>
-              <a:ext uri="{FF2B5EF4-FFF2-40B4-BE49-F238E27FC236}">
-                <a16:creationId xmlns:a16="http://schemas.microsoft.com/office/drawing/2014/main" id="{12302885-8E53-4567-9101-5D7CE1195B07}"/>
-              </a:ext>
-            </a:extLst>
-          </p:cNvPr>
-          <p:cNvPicPr>
-            <a:picLocks noChangeAspect="1"/>
-          </p:cNvPicPr>
-          <p:nvPr/>
-        </p:nvPicPr>
-        <p:blipFill>
-          <a:blip r:embed="rId4">
-            <a:extLst>
-              <a:ext uri="{28A0092B-C50C-407E-A947-70E740481C1C}">
-                <a14:useLocalDpi xmlns:a14="http://schemas.microsoft.com/office/drawing/2010/main" val="0"/>
-              </a:ext>
-            </a:extLst>
-          </a:blip>
-          <a:stretch>
-            <a:fillRect/>
-          </a:stretch>
-        </p:blipFill>
-        <p:spPr>
-          <a:xfrm>
-            <a:off x="325880" y="289801"/>
-            <a:ext cx="6376944" cy="2900209"/>
-          </a:xfrm>
-          <a:prstGeom prst="rect">
-            <a:avLst/>
-          </a:prstGeom>
-        </p:spPr>
-      </p:pic>
-      <p:pic>
-        <p:nvPicPr>
-          <p:cNvPr id="7" name="圖片 6" descr="一張含有 螢幕擷取畫面 的圖片&#10;&#10;自動產生的描述">
-            <a:extLst>
-              <a:ext uri="{FF2B5EF4-FFF2-40B4-BE49-F238E27FC236}">
-                <a16:creationId xmlns:a16="http://schemas.microsoft.com/office/drawing/2014/main" id="{017CEC85-D027-45E6-BCCA-A84C6477D935}"/>
-              </a:ext>
-            </a:extLst>
-          </p:cNvPr>
-          <p:cNvPicPr>
-            <a:picLocks noChangeAspect="1"/>
-          </p:cNvPicPr>
-          <p:nvPr/>
-        </p:nvPicPr>
-        <p:blipFill>
-          <a:blip r:embed="rId5">
-            <a:extLst>
-              <a:ext uri="{28A0092B-C50C-407E-A947-70E740481C1C}">
-                <a14:useLocalDpi xmlns:a14="http://schemas.microsoft.com/office/drawing/2010/main" val="0"/>
-              </a:ext>
-            </a:extLst>
-          </a:blip>
-          <a:stretch>
-            <a:fillRect/>
-          </a:stretch>
-        </p:blipFill>
-        <p:spPr>
-          <a:xfrm>
-            <a:off x="2472350" y="3274113"/>
-            <a:ext cx="6365030" cy="2900209"/>
-          </a:xfrm>
-          <a:prstGeom prst="rect">
-            <a:avLst/>
-          </a:prstGeom>
-        </p:spPr>
-      </p:pic>
+      <p:cxnSp>
+        <p:nvCxnSpPr>
+          <p:cNvPr id="5" name="直線接點 4">
+            <a:extLst>
+              <a:ext uri="{FF2B5EF4-FFF2-40B4-BE49-F238E27FC236}">
+                <a16:creationId xmlns:a16="http://schemas.microsoft.com/office/drawing/2014/main" id="{6AE95A7A-DE0D-430E-819D-FBD1BD61366E}"/>
+              </a:ext>
+            </a:extLst>
+          </p:cNvPr>
+          <p:cNvCxnSpPr>
+            <a:cxnSpLocks/>
+          </p:cNvCxnSpPr>
+          <p:nvPr/>
+        </p:nvCxnSpPr>
+        <p:spPr>
+          <a:xfrm>
+            <a:off x="678535" y="637564"/>
+            <a:ext cx="285226" cy="503339"/>
+          </a:xfrm>
+          <a:prstGeom prst="line">
+            <a:avLst/>
+          </a:prstGeom>
+          <a:ln w="28575">
+            <a:solidFill>
+              <a:schemeClr val="bg1">
+                <a:lumMod val="50000"/>
+              </a:schemeClr>
+            </a:solidFill>
+          </a:ln>
+        </p:spPr>
+        <p:style>
+          <a:lnRef idx="1">
+            <a:schemeClr val="accent1"/>
+          </a:lnRef>
+          <a:fillRef idx="0">
+            <a:schemeClr val="accent1"/>
+          </a:fillRef>
+          <a:effectRef idx="0">
+            <a:schemeClr val="accent1"/>
+          </a:effectRef>
+          <a:fontRef idx="minor">
+            <a:schemeClr val="tx1"/>
+          </a:fontRef>
+        </p:style>
+      </p:cxnSp>
+      <p:cxnSp>
+        <p:nvCxnSpPr>
+          <p:cNvPr id="6" name="直線接點 5">
+            <a:extLst>
+              <a:ext uri="{FF2B5EF4-FFF2-40B4-BE49-F238E27FC236}">
+                <a16:creationId xmlns:a16="http://schemas.microsoft.com/office/drawing/2014/main" id="{6327EF16-3EBA-4A84-B706-EC13E33B407D}"/>
+              </a:ext>
+            </a:extLst>
+          </p:cNvPr>
+          <p:cNvCxnSpPr>
+            <a:cxnSpLocks/>
+          </p:cNvCxnSpPr>
+          <p:nvPr/>
+        </p:nvCxnSpPr>
+        <p:spPr>
+          <a:xfrm>
+            <a:off x="963761" y="1140903"/>
+            <a:ext cx="3162650" cy="0"/>
+          </a:xfrm>
+          <a:prstGeom prst="line">
+            <a:avLst/>
+          </a:prstGeom>
+          <a:ln w="28575">
+            <a:solidFill>
+              <a:schemeClr val="bg1">
+                <a:lumMod val="50000"/>
+              </a:schemeClr>
+            </a:solidFill>
+          </a:ln>
+        </p:spPr>
+        <p:style>
+          <a:lnRef idx="1">
+            <a:schemeClr val="accent1"/>
+          </a:lnRef>
+          <a:fillRef idx="0">
+            <a:schemeClr val="accent1"/>
+          </a:fillRef>
+          <a:effectRef idx="0">
+            <a:schemeClr val="accent1"/>
+          </a:effectRef>
+          <a:fontRef idx="minor">
+            <a:schemeClr val="tx1"/>
+          </a:fontRef>
+        </p:style>
+      </p:cxnSp>
+      <p:cxnSp>
+        <p:nvCxnSpPr>
+          <p:cNvPr id="7" name="直線接點 6">
+            <a:extLst>
+              <a:ext uri="{FF2B5EF4-FFF2-40B4-BE49-F238E27FC236}">
+                <a16:creationId xmlns:a16="http://schemas.microsoft.com/office/drawing/2014/main" id="{D6AC5C17-A0F8-40C4-A209-F3D86B23843E}"/>
+              </a:ext>
+            </a:extLst>
+          </p:cNvPr>
+          <p:cNvCxnSpPr>
+            <a:cxnSpLocks/>
+          </p:cNvCxnSpPr>
+          <p:nvPr/>
+        </p:nvCxnSpPr>
+        <p:spPr>
+          <a:xfrm>
+            <a:off x="4126411" y="1140904"/>
+            <a:ext cx="285226" cy="503339"/>
+          </a:xfrm>
+          <a:prstGeom prst="line">
+            <a:avLst/>
+          </a:prstGeom>
+          <a:ln w="28575">
+            <a:solidFill>
+              <a:schemeClr val="bg1">
+                <a:lumMod val="50000"/>
+              </a:schemeClr>
+            </a:solidFill>
+          </a:ln>
+        </p:spPr>
+        <p:style>
+          <a:lnRef idx="1">
+            <a:schemeClr val="accent1"/>
+          </a:lnRef>
+          <a:fillRef idx="0">
+            <a:schemeClr val="accent1"/>
+          </a:fillRef>
+          <a:effectRef idx="0">
+            <a:schemeClr val="accent1"/>
+          </a:effectRef>
+          <a:fontRef idx="minor">
+            <a:schemeClr val="tx1"/>
+          </a:fontRef>
+        </p:style>
+      </p:cxnSp>
+      <p:sp>
+        <p:nvSpPr>
+          <p:cNvPr id="8" name="文字方塊 7">
+            <a:extLst>
+              <a:ext uri="{FF2B5EF4-FFF2-40B4-BE49-F238E27FC236}">
+                <a16:creationId xmlns:a16="http://schemas.microsoft.com/office/drawing/2014/main" id="{7B725799-7C55-41F8-8A9D-1029A6C7E70A}"/>
+              </a:ext>
+            </a:extLst>
+          </p:cNvPr>
+          <p:cNvSpPr txBox="1"/>
+          <p:nvPr/>
+        </p:nvSpPr>
+        <p:spPr>
+          <a:xfrm>
+            <a:off x="963761" y="433017"/>
+            <a:ext cx="2852512" cy="707886"/>
+          </a:xfrm>
+          <a:prstGeom prst="rect">
+            <a:avLst/>
+          </a:prstGeom>
+          <a:noFill/>
+        </p:spPr>
+        <p:txBody>
+          <a:bodyPr wrap="none" rtlCol="0">
+            <a:spAutoFit/>
+          </a:bodyPr>
+          <a:lstStyle/>
+          <a:p>
+            <a:r>
+              <a:rPr lang="en-US" altLang="zh-TW" sz="4000" dirty="0">
+                <a:latin typeface="微軟正黑體" panose="020B0604030504040204" pitchFamily="34" charset="-120"/>
+                <a:ea typeface="微軟正黑體" panose="020B0604030504040204" pitchFamily="34" charset="-120"/>
+                <a:cs typeface="Times New Roman" panose="02020603050405020304" pitchFamily="18" charset="0"/>
+                <a:hlinkClick r:id="rId4"/>
+              </a:rPr>
+              <a:t>Scikit-learn</a:t>
+            </a:r>
+            <a:endParaRPr lang="zh-TW" altLang="en-US" sz="4000" dirty="0">
+              <a:latin typeface="微軟正黑體" panose="020B0604030504040204" pitchFamily="34" charset="-120"/>
+              <a:ea typeface="微軟正黑體" panose="020B0604030504040204" pitchFamily="34" charset="-120"/>
+              <a:cs typeface="Times New Roman" panose="02020603050405020304" pitchFamily="18" charset="0"/>
+            </a:endParaRPr>
+          </a:p>
+        </p:txBody>
+      </p:sp>
+      <p:sp>
+        <p:nvSpPr>
+          <p:cNvPr id="9" name="文字方塊 8">
+            <a:extLst>
+              <a:ext uri="{FF2B5EF4-FFF2-40B4-BE49-F238E27FC236}">
+                <a16:creationId xmlns:a16="http://schemas.microsoft.com/office/drawing/2014/main" id="{8DC7A403-F380-407A-B00F-87C8CEEE01D7}"/>
+              </a:ext>
+            </a:extLst>
+          </p:cNvPr>
+          <p:cNvSpPr txBox="1"/>
+          <p:nvPr/>
+        </p:nvSpPr>
+        <p:spPr>
+          <a:xfrm>
+            <a:off x="678535" y="1950742"/>
+            <a:ext cx="7782067" cy="2956515"/>
+          </a:xfrm>
+          <a:prstGeom prst="rect">
+            <a:avLst/>
+          </a:prstGeom>
+          <a:noFill/>
+        </p:spPr>
+        <p:txBody>
+          <a:bodyPr wrap="none" rtlCol="0">
+            <a:spAutoFit/>
+          </a:bodyPr>
+          <a:lstStyle/>
+          <a:p>
+            <a:pPr>
+              <a:lnSpc>
+                <a:spcPct val="150000"/>
+              </a:lnSpc>
+            </a:pPr>
+            <a:r>
+              <a:rPr lang="zh-TW" altLang="en-US" sz="3200" dirty="0">
+                <a:latin typeface="微軟正黑體" panose="020B0604030504040204" pitchFamily="34" charset="-120"/>
+                <a:ea typeface="微軟正黑體" panose="020B0604030504040204" pitchFamily="34" charset="-120"/>
+              </a:rPr>
+              <a:t>．</a:t>
+            </a:r>
+            <a:r>
+              <a:rPr lang="en-US" altLang="zh-TW" sz="3200" dirty="0">
+                <a:latin typeface="微軟正黑體" panose="020B0604030504040204" pitchFamily="34" charset="-120"/>
+                <a:ea typeface="微軟正黑體" panose="020B0604030504040204" pitchFamily="34" charset="-120"/>
+              </a:rPr>
+              <a:t>machine learning library</a:t>
+            </a:r>
+          </a:p>
+          <a:p>
+            <a:pPr>
+              <a:lnSpc>
+                <a:spcPct val="150000"/>
+              </a:lnSpc>
+            </a:pPr>
+            <a:r>
+              <a:rPr lang="zh-TW" altLang="en-US" sz="3200" dirty="0">
+                <a:latin typeface="微軟正黑體" panose="020B0604030504040204" pitchFamily="34" charset="-120"/>
+                <a:ea typeface="微軟正黑體" panose="020B0604030504040204" pitchFamily="34" charset="-120"/>
+              </a:rPr>
+              <a:t>．</a:t>
+            </a:r>
+            <a:r>
+              <a:rPr lang="en-US" altLang="zh-TW" sz="3200" dirty="0">
+                <a:latin typeface="微軟正黑體" panose="020B0604030504040204" pitchFamily="34" charset="-120"/>
+                <a:ea typeface="微軟正黑體" panose="020B0604030504040204" pitchFamily="34" charset="-120"/>
+              </a:rPr>
+              <a:t>Simple and efficient tools for </a:t>
+            </a:r>
+          </a:p>
+          <a:p>
+            <a:pPr>
+              <a:lnSpc>
+                <a:spcPct val="150000"/>
+              </a:lnSpc>
+            </a:pPr>
+            <a:r>
+              <a:rPr lang="zh-TW" altLang="en-US" sz="3200" dirty="0">
+                <a:latin typeface="微軟正黑體" panose="020B0604030504040204" pitchFamily="34" charset="-120"/>
+                <a:ea typeface="微軟正黑體" panose="020B0604030504040204" pitchFamily="34" charset="-120"/>
+              </a:rPr>
+              <a:t>　</a:t>
+            </a:r>
+            <a:r>
+              <a:rPr lang="en-US" altLang="zh-TW" sz="3200" u="sng" dirty="0">
+                <a:latin typeface="微軟正黑體" panose="020B0604030504040204" pitchFamily="34" charset="-120"/>
+                <a:ea typeface="微軟正黑體" panose="020B0604030504040204" pitchFamily="34" charset="-120"/>
+              </a:rPr>
+              <a:t>predictive</a:t>
+            </a:r>
+            <a:r>
+              <a:rPr lang="en-US" altLang="zh-TW" sz="3200" dirty="0">
+                <a:latin typeface="微軟正黑體" panose="020B0604030504040204" pitchFamily="34" charset="-120"/>
+                <a:ea typeface="微軟正黑體" panose="020B0604030504040204" pitchFamily="34" charset="-120"/>
+              </a:rPr>
+              <a:t> data analysis</a:t>
+            </a:r>
+          </a:p>
+          <a:p>
+            <a:pPr>
+              <a:lnSpc>
+                <a:spcPct val="150000"/>
+              </a:lnSpc>
+            </a:pPr>
+            <a:r>
+              <a:rPr lang="zh-TW" altLang="en-US" sz="3200" dirty="0">
+                <a:latin typeface="微軟正黑體" panose="020B0604030504040204" pitchFamily="34" charset="-120"/>
+                <a:ea typeface="微軟正黑體" panose="020B0604030504040204" pitchFamily="34" charset="-120"/>
+              </a:rPr>
+              <a:t>．</a:t>
+            </a:r>
+            <a:r>
+              <a:rPr lang="en-US" altLang="zh-TW" sz="3200" dirty="0">
+                <a:latin typeface="微軟正黑體" panose="020B0604030504040204" pitchFamily="34" charset="-120"/>
+                <a:ea typeface="微軟正黑體" panose="020B0604030504040204" pitchFamily="34" charset="-120"/>
+              </a:rPr>
+              <a:t>Built on NumPy, SciPy, and matplotlib</a:t>
+            </a:r>
+          </a:p>
+        </p:txBody>
+      </p:sp>
     </p:spTree>
     <p:extLst>
       <p:ext uri="{BB962C8B-B14F-4D97-AF65-F5344CB8AC3E}">
-        <p14:creationId xmlns:p14="http://schemas.microsoft.com/office/powerpoint/2010/main" val="1977337062"/>
+        <p14:creationId xmlns:p14="http://schemas.microsoft.com/office/powerpoint/2010/main" val="544474975"/>
       </p:ext>
     </p:extLst>
   </p:cSld>
@@ -4563,6 +4675,486 @@
           </a:prstGeom>
         </p:spPr>
       </p:pic>
+      <p:sp>
+        <p:nvSpPr>
+          <p:cNvPr id="5" name="矩形 4">
+            <a:extLst>
+              <a:ext uri="{FF2B5EF4-FFF2-40B4-BE49-F238E27FC236}">
+                <a16:creationId xmlns:a16="http://schemas.microsoft.com/office/drawing/2014/main" id="{BD8C2AF7-238D-4751-9763-AF6361F4A58E}"/>
+              </a:ext>
+            </a:extLst>
+          </p:cNvPr>
+          <p:cNvSpPr/>
+          <p:nvPr/>
+        </p:nvSpPr>
+        <p:spPr>
+          <a:xfrm>
+            <a:off x="375766" y="401265"/>
+            <a:ext cx="5073505" cy="821572"/>
+          </a:xfrm>
+          <a:prstGeom prst="rect">
+            <a:avLst/>
+          </a:prstGeom>
+        </p:spPr>
+        <p:txBody>
+          <a:bodyPr wrap="none">
+            <a:spAutoFit/>
+          </a:bodyPr>
+          <a:lstStyle/>
+          <a:p>
+            <a:pPr>
+              <a:lnSpc>
+                <a:spcPct val="150000"/>
+              </a:lnSpc>
+            </a:pPr>
+            <a:r>
+              <a:rPr lang="zh-TW" altLang="en-US" sz="3600" dirty="0">
+                <a:latin typeface="微軟正黑體" panose="020B0604030504040204" pitchFamily="34" charset="-120"/>
+                <a:ea typeface="微軟正黑體" panose="020B0604030504040204" pitchFamily="34" charset="-120"/>
+              </a:rPr>
+              <a:t>．</a:t>
+            </a:r>
+            <a:r>
+              <a:rPr lang="en-US" altLang="zh-TW" sz="3600" dirty="0">
+                <a:latin typeface="微軟正黑體" panose="020B0604030504040204" pitchFamily="34" charset="-120"/>
+                <a:ea typeface="微軟正黑體" panose="020B0604030504040204" pitchFamily="34" charset="-120"/>
+              </a:rPr>
+              <a:t>Six facets of sklearn :</a:t>
+            </a:r>
+          </a:p>
+        </p:txBody>
+      </p:sp>
+      <p:sp>
+        <p:nvSpPr>
+          <p:cNvPr id="6" name="文字方塊 5">
+            <a:extLst>
+              <a:ext uri="{FF2B5EF4-FFF2-40B4-BE49-F238E27FC236}">
+                <a16:creationId xmlns:a16="http://schemas.microsoft.com/office/drawing/2014/main" id="{A1B8B65A-7135-4ECF-8896-67A6474EA1B6}"/>
+              </a:ext>
+            </a:extLst>
+          </p:cNvPr>
+          <p:cNvSpPr txBox="1"/>
+          <p:nvPr/>
+        </p:nvSpPr>
+        <p:spPr>
+          <a:xfrm>
+            <a:off x="1856865" y="1346185"/>
+            <a:ext cx="5430269" cy="4433842"/>
+          </a:xfrm>
+          <a:prstGeom prst="rect">
+            <a:avLst/>
+          </a:prstGeom>
+          <a:noFill/>
+        </p:spPr>
+        <p:txBody>
+          <a:bodyPr wrap="none" rtlCol="0">
+            <a:spAutoFit/>
+          </a:bodyPr>
+          <a:lstStyle/>
+          <a:p>
+            <a:pPr>
+              <a:lnSpc>
+                <a:spcPct val="150000"/>
+              </a:lnSpc>
+            </a:pPr>
+            <a:r>
+              <a:rPr lang="zh-TW" altLang="en-US" sz="3200" dirty="0">
+                <a:latin typeface="微軟正黑體" panose="020B0604030504040204" pitchFamily="34" charset="-120"/>
+                <a:ea typeface="微軟正黑體" panose="020B0604030504040204" pitchFamily="34" charset="-120"/>
+              </a:rPr>
+              <a:t>．</a:t>
+            </a:r>
+            <a:r>
+              <a:rPr lang="en-US" altLang="zh-TW" sz="3200" dirty="0">
+                <a:latin typeface="微軟正黑體" panose="020B0604030504040204" pitchFamily="34" charset="-120"/>
+                <a:ea typeface="微軟正黑體" panose="020B0604030504040204" pitchFamily="34" charset="-120"/>
+              </a:rPr>
+              <a:t>Classification</a:t>
+            </a:r>
+          </a:p>
+          <a:p>
+            <a:pPr>
+              <a:lnSpc>
+                <a:spcPct val="150000"/>
+              </a:lnSpc>
+            </a:pPr>
+            <a:r>
+              <a:rPr lang="zh-TW" altLang="en-US" sz="3200" dirty="0">
+                <a:latin typeface="微軟正黑體" panose="020B0604030504040204" pitchFamily="34" charset="-120"/>
+                <a:ea typeface="微軟正黑體" panose="020B0604030504040204" pitchFamily="34" charset="-120"/>
+              </a:rPr>
+              <a:t>．</a:t>
+            </a:r>
+            <a:r>
+              <a:rPr lang="en-US" altLang="zh-TW" sz="3200" dirty="0">
+                <a:latin typeface="微軟正黑體" panose="020B0604030504040204" pitchFamily="34" charset="-120"/>
+                <a:ea typeface="微軟正黑體" panose="020B0604030504040204" pitchFamily="34" charset="-120"/>
+              </a:rPr>
+              <a:t>Regression</a:t>
+            </a:r>
+          </a:p>
+          <a:p>
+            <a:pPr>
+              <a:lnSpc>
+                <a:spcPct val="150000"/>
+              </a:lnSpc>
+            </a:pPr>
+            <a:r>
+              <a:rPr lang="zh-TW" altLang="en-US" sz="3200" dirty="0">
+                <a:latin typeface="微軟正黑體" panose="020B0604030504040204" pitchFamily="34" charset="-120"/>
+                <a:ea typeface="微軟正黑體" panose="020B0604030504040204" pitchFamily="34" charset="-120"/>
+              </a:rPr>
+              <a:t>．</a:t>
+            </a:r>
+            <a:r>
+              <a:rPr lang="en-US" altLang="zh-TW" sz="3200" dirty="0">
+                <a:latin typeface="微軟正黑體" panose="020B0604030504040204" pitchFamily="34" charset="-120"/>
+                <a:ea typeface="微軟正黑體" panose="020B0604030504040204" pitchFamily="34" charset="-120"/>
+              </a:rPr>
+              <a:t>Clustering</a:t>
+            </a:r>
+          </a:p>
+          <a:p>
+            <a:pPr>
+              <a:lnSpc>
+                <a:spcPct val="150000"/>
+              </a:lnSpc>
+            </a:pPr>
+            <a:r>
+              <a:rPr lang="zh-TW" altLang="en-US" sz="3200" dirty="0">
+                <a:latin typeface="微軟正黑體" panose="020B0604030504040204" pitchFamily="34" charset="-120"/>
+                <a:ea typeface="微軟正黑體" panose="020B0604030504040204" pitchFamily="34" charset="-120"/>
+              </a:rPr>
+              <a:t>．</a:t>
+            </a:r>
+            <a:r>
+              <a:rPr lang="en-US" altLang="zh-TW" sz="3200" dirty="0">
+                <a:latin typeface="微軟正黑體" panose="020B0604030504040204" pitchFamily="34" charset="-120"/>
+                <a:ea typeface="微軟正黑體" panose="020B0604030504040204" pitchFamily="34" charset="-120"/>
+              </a:rPr>
+              <a:t>Dimensionality reduction</a:t>
+            </a:r>
+          </a:p>
+          <a:p>
+            <a:pPr>
+              <a:lnSpc>
+                <a:spcPct val="150000"/>
+              </a:lnSpc>
+            </a:pPr>
+            <a:r>
+              <a:rPr lang="zh-TW" altLang="en-US" sz="3200" dirty="0">
+                <a:latin typeface="微軟正黑體" panose="020B0604030504040204" pitchFamily="34" charset="-120"/>
+                <a:ea typeface="微軟正黑體" panose="020B0604030504040204" pitchFamily="34" charset="-120"/>
+              </a:rPr>
+              <a:t>．</a:t>
+            </a:r>
+            <a:r>
+              <a:rPr lang="en-US" altLang="zh-TW" sz="3200" dirty="0">
+                <a:latin typeface="微軟正黑體" panose="020B0604030504040204" pitchFamily="34" charset="-120"/>
+                <a:ea typeface="微軟正黑體" panose="020B0604030504040204" pitchFamily="34" charset="-120"/>
+              </a:rPr>
+              <a:t>Model selection</a:t>
+            </a:r>
+          </a:p>
+          <a:p>
+            <a:pPr>
+              <a:lnSpc>
+                <a:spcPct val="150000"/>
+              </a:lnSpc>
+            </a:pPr>
+            <a:r>
+              <a:rPr lang="zh-TW" altLang="en-US" sz="3200" dirty="0">
+                <a:latin typeface="微軟正黑體" panose="020B0604030504040204" pitchFamily="34" charset="-120"/>
+                <a:ea typeface="微軟正黑體" panose="020B0604030504040204" pitchFamily="34" charset="-120"/>
+              </a:rPr>
+              <a:t>．</a:t>
+            </a:r>
+            <a:r>
+              <a:rPr lang="en-US" altLang="zh-TW" sz="3200" dirty="0">
+                <a:latin typeface="微軟正黑體" panose="020B0604030504040204" pitchFamily="34" charset="-120"/>
+                <a:ea typeface="微軟正黑體" panose="020B0604030504040204" pitchFamily="34" charset="-120"/>
+              </a:rPr>
+              <a:t>Preprocessing</a:t>
+            </a:r>
+          </a:p>
+        </p:txBody>
+      </p:sp>
+    </p:spTree>
+    <p:extLst>
+      <p:ext uri="{BB962C8B-B14F-4D97-AF65-F5344CB8AC3E}">
+        <p14:creationId xmlns:p14="http://schemas.microsoft.com/office/powerpoint/2010/main" val="455507624"/>
+      </p:ext>
+    </p:extLst>
+  </p:cSld>
+  <p:clrMapOvr>
+    <a:masterClrMapping/>
+  </p:clrMapOvr>
+</p:sld>
+</file>
+
+<file path=ppt/slides/slide16.xml><?xml version="1.0" encoding="utf-8"?>
+<p:sld xmlns:a="http://schemas.openxmlformats.org/drawingml/2006/main" xmlns:r="http://schemas.openxmlformats.org/officeDocument/2006/relationships" xmlns:p="http://schemas.openxmlformats.org/presentationml/2006/main">
+  <p:cSld>
+    <p:spTree>
+      <p:nvGrpSpPr>
+        <p:cNvPr id="1" name=""/>
+        <p:cNvGrpSpPr/>
+        <p:nvPr/>
+      </p:nvGrpSpPr>
+      <p:grpSpPr>
+        <a:xfrm>
+          <a:off x="0" y="0"/>
+          <a:ext cx="0" cy="0"/>
+          <a:chOff x="0" y="0"/>
+          <a:chExt cx="0" cy="0"/>
+        </a:xfrm>
+      </p:grpSpPr>
+      <p:pic>
+        <p:nvPicPr>
+          <p:cNvPr id="3" name="圖片 2">
+            <a:extLst>
+              <a:ext uri="{FF2B5EF4-FFF2-40B4-BE49-F238E27FC236}">
+                <a16:creationId xmlns:a16="http://schemas.microsoft.com/office/drawing/2014/main" id="{1202EBDE-7F64-43BD-86B7-6C228CCEC2D0}"/>
+              </a:ext>
+            </a:extLst>
+          </p:cNvPr>
+          <p:cNvPicPr>
+            <a:picLocks noChangeAspect="1"/>
+          </p:cNvPicPr>
+          <p:nvPr/>
+        </p:nvPicPr>
+        <p:blipFill>
+          <a:blip r:embed="rId2" cstate="print">
+            <a:extLst>
+              <a:ext uri="{28A0092B-C50C-407E-A947-70E740481C1C}">
+                <a14:useLocalDpi xmlns:a14="http://schemas.microsoft.com/office/drawing/2010/main" val="0"/>
+              </a:ext>
+            </a:extLst>
+          </a:blip>
+          <a:stretch>
+            <a:fillRect/>
+          </a:stretch>
+        </p:blipFill>
+        <p:spPr>
+          <a:xfrm>
+            <a:off x="6598915" y="0"/>
+            <a:ext cx="2545085" cy="3294895"/>
+          </a:xfrm>
+          <a:prstGeom prst="rect">
+            <a:avLst/>
+          </a:prstGeom>
+        </p:spPr>
+      </p:pic>
+      <p:pic>
+        <p:nvPicPr>
+          <p:cNvPr id="4" name="圖片 3">
+            <a:extLst>
+              <a:ext uri="{FF2B5EF4-FFF2-40B4-BE49-F238E27FC236}">
+                <a16:creationId xmlns:a16="http://schemas.microsoft.com/office/drawing/2014/main" id="{AEFF5069-0FA7-44E7-AEEE-225463C6B1AC}"/>
+              </a:ext>
+            </a:extLst>
+          </p:cNvPr>
+          <p:cNvPicPr>
+            <a:picLocks noChangeAspect="1"/>
+          </p:cNvPicPr>
+          <p:nvPr/>
+        </p:nvPicPr>
+        <p:blipFill>
+          <a:blip r:embed="rId3" cstate="print">
+            <a:extLst>
+              <a:ext uri="{28A0092B-C50C-407E-A947-70E740481C1C}">
+                <a14:useLocalDpi xmlns:a14="http://schemas.microsoft.com/office/drawing/2010/main" val="0"/>
+              </a:ext>
+            </a:extLst>
+          </a:blip>
+          <a:stretch>
+            <a:fillRect/>
+          </a:stretch>
+        </p:blipFill>
+        <p:spPr>
+          <a:xfrm>
+            <a:off x="0" y="4169659"/>
+            <a:ext cx="3934976" cy="2688341"/>
+          </a:xfrm>
+          <a:prstGeom prst="rect">
+            <a:avLst/>
+          </a:prstGeom>
+        </p:spPr>
+      </p:pic>
+      <p:pic>
+        <p:nvPicPr>
+          <p:cNvPr id="5" name="圖片 4" descr="一張含有 螢幕擷取畫面 的圖片&#10;&#10;自動產生的描述">
+            <a:extLst>
+              <a:ext uri="{FF2B5EF4-FFF2-40B4-BE49-F238E27FC236}">
+                <a16:creationId xmlns:a16="http://schemas.microsoft.com/office/drawing/2014/main" id="{12302885-8E53-4567-9101-5D7CE1195B07}"/>
+              </a:ext>
+            </a:extLst>
+          </p:cNvPr>
+          <p:cNvPicPr>
+            <a:picLocks noChangeAspect="1"/>
+          </p:cNvPicPr>
+          <p:nvPr/>
+        </p:nvPicPr>
+        <p:blipFill>
+          <a:blip r:embed="rId4">
+            <a:extLst>
+              <a:ext uri="{28A0092B-C50C-407E-A947-70E740481C1C}">
+                <a14:useLocalDpi xmlns:a14="http://schemas.microsoft.com/office/drawing/2010/main" val="0"/>
+              </a:ext>
+            </a:extLst>
+          </a:blip>
+          <a:stretch>
+            <a:fillRect/>
+          </a:stretch>
+        </p:blipFill>
+        <p:spPr>
+          <a:xfrm>
+            <a:off x="325880" y="289801"/>
+            <a:ext cx="6376944" cy="2900209"/>
+          </a:xfrm>
+          <a:prstGeom prst="rect">
+            <a:avLst/>
+          </a:prstGeom>
+        </p:spPr>
+      </p:pic>
+      <p:pic>
+        <p:nvPicPr>
+          <p:cNvPr id="7" name="圖片 6" descr="一張含有 螢幕擷取畫面 的圖片&#10;&#10;自動產生的描述">
+            <a:extLst>
+              <a:ext uri="{FF2B5EF4-FFF2-40B4-BE49-F238E27FC236}">
+                <a16:creationId xmlns:a16="http://schemas.microsoft.com/office/drawing/2014/main" id="{017CEC85-D027-45E6-BCCA-A84C6477D935}"/>
+              </a:ext>
+            </a:extLst>
+          </p:cNvPr>
+          <p:cNvPicPr>
+            <a:picLocks noChangeAspect="1"/>
+          </p:cNvPicPr>
+          <p:nvPr/>
+        </p:nvPicPr>
+        <p:blipFill>
+          <a:blip r:embed="rId5">
+            <a:extLst>
+              <a:ext uri="{28A0092B-C50C-407E-A947-70E740481C1C}">
+                <a14:useLocalDpi xmlns:a14="http://schemas.microsoft.com/office/drawing/2010/main" val="0"/>
+              </a:ext>
+            </a:extLst>
+          </a:blip>
+          <a:stretch>
+            <a:fillRect/>
+          </a:stretch>
+        </p:blipFill>
+        <p:spPr>
+          <a:xfrm>
+            <a:off x="2472350" y="3274113"/>
+            <a:ext cx="6365030" cy="2900209"/>
+          </a:xfrm>
+          <a:prstGeom prst="rect">
+            <a:avLst/>
+          </a:prstGeom>
+        </p:spPr>
+      </p:pic>
+    </p:spTree>
+    <p:extLst>
+      <p:ext uri="{BB962C8B-B14F-4D97-AF65-F5344CB8AC3E}">
+        <p14:creationId xmlns:p14="http://schemas.microsoft.com/office/powerpoint/2010/main" val="1977337062"/>
+      </p:ext>
+    </p:extLst>
+  </p:cSld>
+  <p:clrMapOvr>
+    <a:masterClrMapping/>
+  </p:clrMapOvr>
+</p:sld>
+</file>
+
+<file path=ppt/slides/slide17.xml><?xml version="1.0" encoding="utf-8"?>
+<p:sld xmlns:a="http://schemas.openxmlformats.org/drawingml/2006/main" xmlns:r="http://schemas.openxmlformats.org/officeDocument/2006/relationships" xmlns:p="http://schemas.openxmlformats.org/presentationml/2006/main">
+  <p:cSld>
+    <p:spTree>
+      <p:nvGrpSpPr>
+        <p:cNvPr id="1" name=""/>
+        <p:cNvGrpSpPr/>
+        <p:nvPr/>
+      </p:nvGrpSpPr>
+      <p:grpSpPr>
+        <a:xfrm>
+          <a:off x="0" y="0"/>
+          <a:ext cx="0" cy="0"/>
+          <a:chOff x="0" y="0"/>
+          <a:chExt cx="0" cy="0"/>
+        </a:xfrm>
+      </p:grpSpPr>
+      <p:pic>
+        <p:nvPicPr>
+          <p:cNvPr id="3" name="圖片 2">
+            <a:extLst>
+              <a:ext uri="{FF2B5EF4-FFF2-40B4-BE49-F238E27FC236}">
+                <a16:creationId xmlns:a16="http://schemas.microsoft.com/office/drawing/2014/main" id="{1202EBDE-7F64-43BD-86B7-6C228CCEC2D0}"/>
+              </a:ext>
+            </a:extLst>
+          </p:cNvPr>
+          <p:cNvPicPr>
+            <a:picLocks noChangeAspect="1"/>
+          </p:cNvPicPr>
+          <p:nvPr/>
+        </p:nvPicPr>
+        <p:blipFill>
+          <a:blip r:embed="rId2" cstate="print">
+            <a:extLst>
+              <a:ext uri="{28A0092B-C50C-407E-A947-70E740481C1C}">
+                <a14:useLocalDpi xmlns:a14="http://schemas.microsoft.com/office/drawing/2010/main" val="0"/>
+              </a:ext>
+            </a:extLst>
+          </a:blip>
+          <a:stretch>
+            <a:fillRect/>
+          </a:stretch>
+        </p:blipFill>
+        <p:spPr>
+          <a:xfrm>
+            <a:off x="6598915" y="0"/>
+            <a:ext cx="2545085" cy="3294895"/>
+          </a:xfrm>
+          <a:prstGeom prst="rect">
+            <a:avLst/>
+          </a:prstGeom>
+        </p:spPr>
+      </p:pic>
+      <p:pic>
+        <p:nvPicPr>
+          <p:cNvPr id="4" name="圖片 3">
+            <a:extLst>
+              <a:ext uri="{FF2B5EF4-FFF2-40B4-BE49-F238E27FC236}">
+                <a16:creationId xmlns:a16="http://schemas.microsoft.com/office/drawing/2014/main" id="{AEFF5069-0FA7-44E7-AEEE-225463C6B1AC}"/>
+              </a:ext>
+            </a:extLst>
+          </p:cNvPr>
+          <p:cNvPicPr>
+            <a:picLocks noChangeAspect="1"/>
+          </p:cNvPicPr>
+          <p:nvPr/>
+        </p:nvPicPr>
+        <p:blipFill>
+          <a:blip r:embed="rId3" cstate="print">
+            <a:extLst>
+              <a:ext uri="{28A0092B-C50C-407E-A947-70E740481C1C}">
+                <a14:useLocalDpi xmlns:a14="http://schemas.microsoft.com/office/drawing/2010/main" val="0"/>
+              </a:ext>
+            </a:extLst>
+          </a:blip>
+          <a:stretch>
+            <a:fillRect/>
+          </a:stretch>
+        </p:blipFill>
+        <p:spPr>
+          <a:xfrm>
+            <a:off x="0" y="4169659"/>
+            <a:ext cx="3934976" cy="2688341"/>
+          </a:xfrm>
+          <a:prstGeom prst="rect">
+            <a:avLst/>
+          </a:prstGeom>
+        </p:spPr>
+      </p:pic>
       <p:pic>
         <p:nvPicPr>
           <p:cNvPr id="5" name="圖片 4" descr="一張含有 地圖 的圖片&#10;&#10;自動產生的描述">
@@ -4612,7 +5204,7 @@
 </p:sld>
 </file>
 
-<file path=ppt/slides/slide16.xml><?xml version="1.0" encoding="utf-8"?>
+<file path=ppt/slides/slide18.xml><?xml version="1.0" encoding="utf-8"?>
 <p:sld xmlns:a="http://schemas.openxmlformats.org/drawingml/2006/main" xmlns:r="http://schemas.openxmlformats.org/officeDocument/2006/relationships" xmlns:p="http://schemas.openxmlformats.org/presentationml/2006/main">
   <p:cSld>
     <p:spTree>
@@ -5062,126 +5654,12 @@
           </a:p>
         </p:txBody>
       </p:sp>
-      <p:sp>
-        <p:nvSpPr>
-          <p:cNvPr id="9" name="文字方塊 8">
-            <a:extLst>
-              <a:ext uri="{FF2B5EF4-FFF2-40B4-BE49-F238E27FC236}">
-                <a16:creationId xmlns:a16="http://schemas.microsoft.com/office/drawing/2014/main" id="{B0495673-7122-4110-ADEB-635B30324D4F}"/>
-              </a:ext>
-            </a:extLst>
-          </p:cNvPr>
-          <p:cNvSpPr txBox="1"/>
-          <p:nvPr/>
-        </p:nvSpPr>
-        <p:spPr>
-          <a:xfrm>
-            <a:off x="963761" y="1950742"/>
-            <a:ext cx="2693110" cy="2956515"/>
-          </a:xfrm>
-          <a:prstGeom prst="rect">
-            <a:avLst/>
-          </a:prstGeom>
-          <a:noFill/>
-        </p:spPr>
-        <p:txBody>
-          <a:bodyPr wrap="none" rtlCol="0">
-            <a:spAutoFit/>
-          </a:bodyPr>
-          <a:lstStyle/>
-          <a:p>
-            <a:pPr>
-              <a:lnSpc>
-                <a:spcPct val="150000"/>
-              </a:lnSpc>
-            </a:pPr>
-            <a:r>
-              <a:rPr lang="en-US" altLang="zh-TW" sz="3200" dirty="0">
-                <a:latin typeface="微軟正黑體" panose="020B0604030504040204" pitchFamily="34" charset="-120"/>
-                <a:ea typeface="微軟正黑體" panose="020B0604030504040204" pitchFamily="34" charset="-120"/>
-              </a:rPr>
-              <a:t>key features :</a:t>
-            </a:r>
-          </a:p>
-          <a:p>
-            <a:pPr>
-              <a:lnSpc>
-                <a:spcPct val="150000"/>
-              </a:lnSpc>
-            </a:pPr>
-            <a:r>
-              <a:rPr lang="zh-TW" altLang="en-US" sz="3200" dirty="0">
-                <a:latin typeface="微軟正黑體" panose="020B0604030504040204" pitchFamily="34" charset="-120"/>
-                <a:ea typeface="微軟正黑體" panose="020B0604030504040204" pitchFamily="34" charset="-120"/>
-              </a:rPr>
-              <a:t>．</a:t>
-            </a:r>
-            <a:r>
-              <a:rPr lang="en-US" altLang="zh-TW" sz="3200" dirty="0" err="1">
-                <a:latin typeface="微軟正黑體" panose="020B0604030504040204" pitchFamily="34" charset="-120"/>
-                <a:ea typeface="微軟正黑體" panose="020B0604030504040204" pitchFamily="34" charset="-120"/>
-              </a:rPr>
-              <a:t>ndim</a:t>
-            </a:r>
-            <a:endParaRPr lang="en-US" altLang="zh-TW" sz="3200" dirty="0">
-              <a:latin typeface="微軟正黑體" panose="020B0604030504040204" pitchFamily="34" charset="-120"/>
-              <a:ea typeface="微軟正黑體" panose="020B0604030504040204" pitchFamily="34" charset="-120"/>
-            </a:endParaRPr>
-          </a:p>
-          <a:p>
-            <a:pPr>
-              <a:lnSpc>
-                <a:spcPct val="150000"/>
-              </a:lnSpc>
-            </a:pPr>
-            <a:r>
-              <a:rPr lang="zh-TW" altLang="en-US" sz="3200" dirty="0">
-                <a:latin typeface="微軟正黑體" panose="020B0604030504040204" pitchFamily="34" charset="-120"/>
-                <a:ea typeface="微軟正黑體" panose="020B0604030504040204" pitchFamily="34" charset="-120"/>
-              </a:rPr>
-              <a:t>．</a:t>
-            </a:r>
-            <a:r>
-              <a:rPr lang="en-US" altLang="zh-TW" sz="3200" dirty="0">
-                <a:latin typeface="微軟正黑體" panose="020B0604030504040204" pitchFamily="34" charset="-120"/>
-                <a:ea typeface="微軟正黑體" panose="020B0604030504040204" pitchFamily="34" charset="-120"/>
-              </a:rPr>
-              <a:t>shape</a:t>
-            </a:r>
-          </a:p>
-          <a:p>
-            <a:pPr>
-              <a:lnSpc>
-                <a:spcPct val="150000"/>
-              </a:lnSpc>
-            </a:pPr>
-            <a:r>
-              <a:rPr lang="zh-TW" altLang="en-US" sz="3200" dirty="0">
-                <a:latin typeface="微軟正黑體" panose="020B0604030504040204" pitchFamily="34" charset="-120"/>
-                <a:ea typeface="微軟正黑體" panose="020B0604030504040204" pitchFamily="34" charset="-120"/>
-              </a:rPr>
-              <a:t>．</a:t>
-            </a:r>
-            <a:r>
-              <a:rPr lang="en-US" altLang="zh-TW" sz="3200" dirty="0" err="1">
-                <a:latin typeface="微軟正黑體" panose="020B0604030504040204" pitchFamily="34" charset="-120"/>
-                <a:ea typeface="微軟正黑體" panose="020B0604030504040204" pitchFamily="34" charset="-120"/>
-              </a:rPr>
-              <a:t>dtype</a:t>
-            </a:r>
-            <a:endParaRPr lang="en-US" altLang="zh-TW" sz="3200" dirty="0">
-              <a:latin typeface="微軟正黑體" panose="020B0604030504040204" pitchFamily="34" charset="-120"/>
-              <a:ea typeface="微軟正黑體" panose="020B0604030504040204" pitchFamily="34" charset="-120"/>
-            </a:endParaRPr>
-          </a:p>
-        </p:txBody>
-      </p:sp>
       <p:pic>
         <p:nvPicPr>
-          <p:cNvPr id="10" name="圖片 9">
-            <a:extLst>
-              <a:ext uri="{FF2B5EF4-FFF2-40B4-BE49-F238E27FC236}">
-                <a16:creationId xmlns:a16="http://schemas.microsoft.com/office/drawing/2014/main" id="{52048A31-BE85-4763-B68D-1E17DFFCA437}"/>
+          <p:cNvPr id="13" name="圖片 12" descr="一張含有 螢幕擷取畫面 的圖片&#10;&#10;自動產生的描述">
+            <a:extLst>
+              <a:ext uri="{FF2B5EF4-FFF2-40B4-BE49-F238E27FC236}">
+                <a16:creationId xmlns:a16="http://schemas.microsoft.com/office/drawing/2014/main" id="{D47B1163-1DD0-4902-AF82-7FA53FB7D8B8}"/>
               </a:ext>
             </a:extLst>
           </p:cNvPr>
@@ -5190,7 +5668,7 @@
           </p:cNvPicPr>
           <p:nvPr/>
         </p:nvPicPr>
-        <p:blipFill>
+        <p:blipFill rotWithShape="1">
           <a:blip r:embed="rId4">
             <a:extLst>
               <a:ext uri="{28A0092B-C50C-407E-A947-70E740481C1C}">
@@ -5198,14 +5676,13 @@
               </a:ext>
             </a:extLst>
           </a:blip>
-          <a:stretch>
-            <a:fillRect/>
-          </a:stretch>
+          <a:srcRect t="704"/>
+          <a:stretch/>
         </p:blipFill>
         <p:spPr>
           <a:xfrm>
-            <a:off x="3934976" y="2328876"/>
-            <a:ext cx="4441201" cy="2578381"/>
+            <a:off x="2098281" y="1808017"/>
+            <a:ext cx="4947437" cy="4616965"/>
           </a:xfrm>
           <a:prstGeom prst="rect">
             <a:avLst/>
@@ -5314,103 +5791,12 @@
           </a:prstGeom>
         </p:spPr>
       </p:pic>
-      <p:sp>
-        <p:nvSpPr>
-          <p:cNvPr id="5" name="矩形 4">
-            <a:extLst>
-              <a:ext uri="{FF2B5EF4-FFF2-40B4-BE49-F238E27FC236}">
-                <a16:creationId xmlns:a16="http://schemas.microsoft.com/office/drawing/2014/main" id="{32620A82-E6AD-44CF-84CA-B10138EDE750}"/>
-              </a:ext>
-            </a:extLst>
-          </p:cNvPr>
-          <p:cNvSpPr/>
-          <p:nvPr/>
-        </p:nvSpPr>
-        <p:spPr>
-          <a:xfrm>
-            <a:off x="510848" y="585038"/>
-            <a:ext cx="6582251" cy="821572"/>
-          </a:xfrm>
-          <a:prstGeom prst="rect">
-            <a:avLst/>
-          </a:prstGeom>
-        </p:spPr>
-        <p:txBody>
-          <a:bodyPr wrap="none">
-            <a:spAutoFit/>
-          </a:bodyPr>
-          <a:lstStyle/>
-          <a:p>
-            <a:pPr>
-              <a:lnSpc>
-                <a:spcPct val="150000"/>
-              </a:lnSpc>
-            </a:pPr>
-            <a:r>
-              <a:rPr lang="zh-TW" altLang="en-US" sz="3600" dirty="0">
-                <a:latin typeface="微軟正黑體" panose="020B0604030504040204" pitchFamily="34" charset="-120"/>
-                <a:ea typeface="微軟正黑體" panose="020B0604030504040204" pitchFamily="34" charset="-120"/>
-              </a:rPr>
-              <a:t>．</a:t>
-            </a:r>
-            <a:r>
-              <a:rPr lang="en-US" altLang="zh-TW" sz="3600" dirty="0">
-                <a:latin typeface="微軟正黑體" panose="020B0604030504040204" pitchFamily="34" charset="-120"/>
-                <a:ea typeface="微軟正黑體" panose="020B0604030504040204" pitchFamily="34" charset="-120"/>
-              </a:rPr>
-              <a:t>Some important concepts…</a:t>
-            </a:r>
-          </a:p>
-        </p:txBody>
-      </p:sp>
-      <p:sp>
-        <p:nvSpPr>
-          <p:cNvPr id="6" name="矩形 5">
-            <a:extLst>
-              <a:ext uri="{FF2B5EF4-FFF2-40B4-BE49-F238E27FC236}">
-                <a16:creationId xmlns:a16="http://schemas.microsoft.com/office/drawing/2014/main" id="{861EAFDE-1BDE-4CBE-9117-FF7D9BF320FE}"/>
-              </a:ext>
-            </a:extLst>
-          </p:cNvPr>
-          <p:cNvSpPr/>
-          <p:nvPr/>
-        </p:nvSpPr>
-        <p:spPr>
-          <a:xfrm>
-            <a:off x="2585623" y="1909736"/>
-            <a:ext cx="3972754" cy="740524"/>
-          </a:xfrm>
-          <a:prstGeom prst="rect">
-            <a:avLst/>
-          </a:prstGeom>
-        </p:spPr>
-        <p:txBody>
-          <a:bodyPr wrap="none">
-            <a:spAutoFit/>
-          </a:bodyPr>
-          <a:lstStyle/>
-          <a:p>
-            <a:pPr>
-              <a:lnSpc>
-                <a:spcPct val="150000"/>
-              </a:lnSpc>
-            </a:pPr>
-            <a:r>
-              <a:rPr lang="en-US" altLang="zh-TW" sz="3200" dirty="0">
-                <a:latin typeface="微軟正黑體" panose="020B0604030504040204" pitchFamily="34" charset="-120"/>
-                <a:ea typeface="微軟正黑體" panose="020B0604030504040204" pitchFamily="34" charset="-120"/>
-              </a:rPr>
-              <a:t>vstack    vs.    hstack</a:t>
-            </a:r>
-          </a:p>
-        </p:txBody>
-      </p:sp>
       <p:pic>
         <p:nvPicPr>
-          <p:cNvPr id="8" name="圖片 7" descr="一張含有 螢幕擷取畫面 的圖片&#10;&#10;自動產生的描述">
-            <a:extLst>
-              <a:ext uri="{FF2B5EF4-FFF2-40B4-BE49-F238E27FC236}">
-                <a16:creationId xmlns:a16="http://schemas.microsoft.com/office/drawing/2014/main" id="{B8D4E611-456B-4488-98C6-4A6740247A17}"/>
+          <p:cNvPr id="6" name="圖片 5" descr="一張含有 螢幕擷取畫面 的圖片&#10;&#10;自動產生的描述">
+            <a:extLst>
+              <a:ext uri="{FF2B5EF4-FFF2-40B4-BE49-F238E27FC236}">
+                <a16:creationId xmlns:a16="http://schemas.microsoft.com/office/drawing/2014/main" id="{9C6EAB8A-A7BC-4536-8EC2-91E83691110F}"/>
               </a:ext>
             </a:extLst>
           </p:cNvPr>
@@ -5433,8 +5819,8 @@
         </p:blipFill>
         <p:spPr>
           <a:xfrm>
-            <a:off x="1027651" y="2756453"/>
-            <a:ext cx="7088697" cy="2965170"/>
+            <a:off x="534294" y="1453836"/>
+            <a:ext cx="8075411" cy="3682118"/>
           </a:xfrm>
           <a:prstGeom prst="rect">
             <a:avLst/>
@@ -5444,7 +5830,7 @@
     </p:spTree>
     <p:extLst>
       <p:ext uri="{BB962C8B-B14F-4D97-AF65-F5344CB8AC3E}">
-        <p14:creationId xmlns:p14="http://schemas.microsoft.com/office/powerpoint/2010/main" val="2467423648"/>
+        <p14:creationId xmlns:p14="http://schemas.microsoft.com/office/powerpoint/2010/main" val="2665839610"/>
       </p:ext>
     </p:extLst>
   </p:cSld>
@@ -5545,10 +5931,10 @@
       </p:pic>
       <p:sp>
         <p:nvSpPr>
-          <p:cNvPr id="5" name="文字方塊 4">
-            <a:extLst>
-              <a:ext uri="{FF2B5EF4-FFF2-40B4-BE49-F238E27FC236}">
-                <a16:creationId xmlns:a16="http://schemas.microsoft.com/office/drawing/2014/main" id="{B682EB02-DE7C-4BF6-A1EA-7EAF79209BB3}"/>
+          <p:cNvPr id="7" name="文字方塊 6">
+            <a:extLst>
+              <a:ext uri="{FF2B5EF4-FFF2-40B4-BE49-F238E27FC236}">
+                <a16:creationId xmlns:a16="http://schemas.microsoft.com/office/drawing/2014/main" id="{947378E1-7D4C-4620-B060-7CE67211E673}"/>
               </a:ext>
             </a:extLst>
           </p:cNvPr>
@@ -5557,8 +5943,8 @@
         </p:nvSpPr>
         <p:spPr>
           <a:xfrm>
-            <a:off x="3097077" y="1481317"/>
-            <a:ext cx="2949846" cy="1015663"/>
+            <a:off x="963761" y="1761675"/>
+            <a:ext cx="2693110" cy="2956515"/>
           </a:xfrm>
           <a:prstGeom prst="rect">
             <a:avLst/>
@@ -5571,154 +5957,132 @@
           </a:bodyPr>
           <a:lstStyle/>
           <a:p>
-            <a:r>
-              <a:rPr lang="en-US" altLang="zh-TW" sz="6000" b="1" dirty="0"/>
-              <a:t>[ 1, 2, 3 ]</a:t>
-            </a:r>
-            <a:endParaRPr lang="zh-TW" altLang="en-US" sz="6000" b="1" dirty="0"/>
-          </a:p>
-        </p:txBody>
-      </p:sp>
-      <p:sp>
-        <p:nvSpPr>
-          <p:cNvPr id="6" name="文字方塊 5">
-            <a:extLst>
-              <a:ext uri="{FF2B5EF4-FFF2-40B4-BE49-F238E27FC236}">
-                <a16:creationId xmlns:a16="http://schemas.microsoft.com/office/drawing/2014/main" id="{2ACAD478-950A-48F7-B864-B18E72E1706B}"/>
-              </a:ext>
-            </a:extLst>
-          </p:cNvPr>
-          <p:cNvSpPr txBox="1"/>
-          <p:nvPr/>
-        </p:nvSpPr>
-        <p:spPr>
-          <a:xfrm>
-            <a:off x="3097077" y="4169659"/>
-            <a:ext cx="2949846" cy="1015663"/>
-          </a:xfrm>
-          <a:prstGeom prst="rect">
-            <a:avLst/>
-          </a:prstGeom>
-          <a:noFill/>
-        </p:spPr>
-        <p:txBody>
-          <a:bodyPr wrap="none" rtlCol="0">
-            <a:spAutoFit/>
-          </a:bodyPr>
-          <a:lstStyle/>
-          <a:p>
-            <a:r>
-              <a:rPr lang="en-US" altLang="zh-TW" sz="6000" b="1" dirty="0"/>
-              <a:t>[ 4, 5, 6 ]</a:t>
-            </a:r>
-            <a:endParaRPr lang="zh-TW" altLang="en-US" sz="6000" b="1" dirty="0"/>
-          </a:p>
-        </p:txBody>
-      </p:sp>
-      <p:cxnSp>
-        <p:nvCxnSpPr>
-          <p:cNvPr id="7" name="直線單箭頭接點 6">
-            <a:extLst>
-              <a:ext uri="{FF2B5EF4-FFF2-40B4-BE49-F238E27FC236}">
-                <a16:creationId xmlns:a16="http://schemas.microsoft.com/office/drawing/2014/main" id="{C67F3CD5-F153-4C32-B1AC-84512D804CDB}"/>
-              </a:ext>
-            </a:extLst>
-          </p:cNvPr>
-          <p:cNvCxnSpPr>
-            <a:cxnSpLocks/>
-            <a:stCxn id="6" idx="0"/>
-            <a:endCxn id="5" idx="2"/>
-          </p:cNvCxnSpPr>
-          <p:nvPr/>
-        </p:nvCxnSpPr>
-        <p:spPr>
-          <a:xfrm flipV="1">
-            <a:off x="4572000" y="2496980"/>
-            <a:ext cx="0" cy="1672679"/>
-          </a:xfrm>
-          <a:prstGeom prst="straightConnector1">
-            <a:avLst/>
-          </a:prstGeom>
-          <a:ln w="76200">
-            <a:headEnd type="triangle"/>
-            <a:tailEnd type="triangle"/>
-          </a:ln>
-        </p:spPr>
-        <p:style>
-          <a:lnRef idx="1">
-            <a:schemeClr val="accent1"/>
-          </a:lnRef>
-          <a:fillRef idx="0">
-            <a:schemeClr val="accent1"/>
-          </a:fillRef>
-          <a:effectRef idx="0">
-            <a:schemeClr val="accent1"/>
-          </a:effectRef>
-          <a:fontRef idx="minor">
-            <a:schemeClr val="tx1"/>
-          </a:fontRef>
-        </p:style>
-      </p:cxnSp>
-      <p:sp>
-        <p:nvSpPr>
-          <p:cNvPr id="9" name="文字方塊 8">
-            <a:extLst>
-              <a:ext uri="{FF2B5EF4-FFF2-40B4-BE49-F238E27FC236}">
-                <a16:creationId xmlns:a16="http://schemas.microsoft.com/office/drawing/2014/main" id="{1C4781C8-A815-4381-ADB0-1A9E62F8FB41}"/>
-              </a:ext>
-            </a:extLst>
-          </p:cNvPr>
-          <p:cNvSpPr txBox="1"/>
-          <p:nvPr/>
-        </p:nvSpPr>
-        <p:spPr>
-          <a:xfrm>
-            <a:off x="2889272" y="2890391"/>
-            <a:ext cx="1406732" cy="1077218"/>
-          </a:xfrm>
-          <a:prstGeom prst="rect">
-            <a:avLst/>
-          </a:prstGeom>
-          <a:noFill/>
-        </p:spPr>
-        <p:txBody>
-          <a:bodyPr wrap="none" rtlCol="0">
-            <a:spAutoFit/>
-          </a:bodyPr>
-          <a:lstStyle/>
-          <a:p>
-            <a:pPr algn="ctr"/>
+            <a:pPr>
+              <a:lnSpc>
+                <a:spcPct val="150000"/>
+              </a:lnSpc>
+            </a:pPr>
             <a:r>
               <a:rPr lang="en-US" altLang="zh-TW" sz="3200" dirty="0">
-                <a:solidFill>
-                  <a:schemeClr val="accent1"/>
-                </a:solidFill>
+                <a:latin typeface="微軟正黑體" panose="020B0604030504040204" pitchFamily="34" charset="-120"/>
+                <a:ea typeface="微軟正黑體" panose="020B0604030504040204" pitchFamily="34" charset="-120"/>
               </a:rPr>
-              <a:t>vertical</a:t>
-            </a:r>
-          </a:p>
-          <a:p>
-            <a:pPr algn="ctr"/>
+              <a:t>key features :</a:t>
+            </a:r>
+          </a:p>
+          <a:p>
+            <a:pPr>
+              <a:lnSpc>
+                <a:spcPct val="150000"/>
+              </a:lnSpc>
+            </a:pPr>
+            <a:r>
+              <a:rPr lang="zh-TW" altLang="en-US" sz="3200" dirty="0">
+                <a:latin typeface="微軟正黑體" panose="020B0604030504040204" pitchFamily="34" charset="-120"/>
+                <a:ea typeface="微軟正黑體" panose="020B0604030504040204" pitchFamily="34" charset="-120"/>
+              </a:rPr>
+              <a:t>．</a:t>
+            </a:r>
+            <a:r>
+              <a:rPr lang="en-US" altLang="zh-TW" sz="3200" dirty="0" err="1">
+                <a:latin typeface="微軟正黑體" panose="020B0604030504040204" pitchFamily="34" charset="-120"/>
+                <a:ea typeface="微軟正黑體" panose="020B0604030504040204" pitchFamily="34" charset="-120"/>
+              </a:rPr>
+              <a:t>ndim</a:t>
+            </a:r>
+            <a:endParaRPr lang="en-US" altLang="zh-TW" sz="3200" dirty="0">
+              <a:latin typeface="微軟正黑體" panose="020B0604030504040204" pitchFamily="34" charset="-120"/>
+              <a:ea typeface="微軟正黑體" panose="020B0604030504040204" pitchFamily="34" charset="-120"/>
+            </a:endParaRPr>
+          </a:p>
+          <a:p>
+            <a:pPr>
+              <a:lnSpc>
+                <a:spcPct val="150000"/>
+              </a:lnSpc>
+            </a:pPr>
+            <a:r>
+              <a:rPr lang="zh-TW" altLang="en-US" sz="3200" dirty="0">
+                <a:latin typeface="微軟正黑體" panose="020B0604030504040204" pitchFamily="34" charset="-120"/>
+                <a:ea typeface="微軟正黑體" panose="020B0604030504040204" pitchFamily="34" charset="-120"/>
+              </a:rPr>
+              <a:t>．</a:t>
+            </a:r>
             <a:r>
               <a:rPr lang="en-US" altLang="zh-TW" sz="3200" dirty="0">
-                <a:solidFill>
-                  <a:schemeClr val="accent1"/>
-                </a:solidFill>
+                <a:latin typeface="微軟正黑體" panose="020B0604030504040204" pitchFamily="34" charset="-120"/>
+                <a:ea typeface="微軟正黑體" panose="020B0604030504040204" pitchFamily="34" charset="-120"/>
               </a:rPr>
-              <a:t>stack</a:t>
-            </a:r>
-            <a:endParaRPr lang="zh-TW" altLang="en-US" sz="3200" dirty="0">
-              <a:solidFill>
-                <a:schemeClr val="accent1"/>
-              </a:solidFill>
+              <a:t>shape</a:t>
+            </a:r>
+          </a:p>
+          <a:p>
+            <a:pPr>
+              <a:lnSpc>
+                <a:spcPct val="150000"/>
+              </a:lnSpc>
+            </a:pPr>
+            <a:r>
+              <a:rPr lang="zh-TW" altLang="en-US" sz="3200" dirty="0">
+                <a:latin typeface="微軟正黑體" panose="020B0604030504040204" pitchFamily="34" charset="-120"/>
+                <a:ea typeface="微軟正黑體" panose="020B0604030504040204" pitchFamily="34" charset="-120"/>
+              </a:rPr>
+              <a:t>．</a:t>
+            </a:r>
+            <a:r>
+              <a:rPr lang="en-US" altLang="zh-TW" sz="3200" dirty="0" err="1">
+                <a:latin typeface="微軟正黑體" panose="020B0604030504040204" pitchFamily="34" charset="-120"/>
+                <a:ea typeface="微軟正黑體" panose="020B0604030504040204" pitchFamily="34" charset="-120"/>
+              </a:rPr>
+              <a:t>dtype</a:t>
+            </a:r>
+            <a:endParaRPr lang="en-US" altLang="zh-TW" sz="3200" dirty="0">
+              <a:latin typeface="微軟正黑體" panose="020B0604030504040204" pitchFamily="34" charset="-120"/>
+              <a:ea typeface="微軟正黑體" panose="020B0604030504040204" pitchFamily="34" charset="-120"/>
             </a:endParaRPr>
           </a:p>
         </p:txBody>
       </p:sp>
+      <p:pic>
+        <p:nvPicPr>
+          <p:cNvPr id="8" name="圖片 7">
+            <a:extLst>
+              <a:ext uri="{FF2B5EF4-FFF2-40B4-BE49-F238E27FC236}">
+                <a16:creationId xmlns:a16="http://schemas.microsoft.com/office/drawing/2014/main" id="{C1581FCF-CA7D-4A66-954D-BEB4D657C944}"/>
+              </a:ext>
+            </a:extLst>
+          </p:cNvPr>
+          <p:cNvPicPr>
+            <a:picLocks noChangeAspect="1"/>
+          </p:cNvPicPr>
+          <p:nvPr/>
+        </p:nvPicPr>
+        <p:blipFill>
+          <a:blip r:embed="rId4">
+            <a:extLst>
+              <a:ext uri="{28A0092B-C50C-407E-A947-70E740481C1C}">
+                <a14:useLocalDpi xmlns:a14="http://schemas.microsoft.com/office/drawing/2010/main" val="0"/>
+              </a:ext>
+            </a:extLst>
+          </a:blip>
+          <a:stretch>
+            <a:fillRect/>
+          </a:stretch>
+        </p:blipFill>
+        <p:spPr>
+          <a:xfrm>
+            <a:off x="3934976" y="2139809"/>
+            <a:ext cx="4441201" cy="2578381"/>
+          </a:xfrm>
+          <a:prstGeom prst="rect">
+            <a:avLst/>
+          </a:prstGeom>
+        </p:spPr>
+      </p:pic>
     </p:spTree>
     <p:extLst>
       <p:ext uri="{BB962C8B-B14F-4D97-AF65-F5344CB8AC3E}">
-        <p14:creationId xmlns:p14="http://schemas.microsoft.com/office/powerpoint/2010/main" val="1415957898"/>
+        <p14:creationId xmlns:p14="http://schemas.microsoft.com/office/powerpoint/2010/main" val="1242625971"/>
       </p:ext>
     </p:extLst>
   </p:cSld>
@@ -5747,10 +6111,10 @@
       </p:grpSpPr>
       <p:pic>
         <p:nvPicPr>
-          <p:cNvPr id="21" name="圖片 20">
-            <a:extLst>
-              <a:ext uri="{FF2B5EF4-FFF2-40B4-BE49-F238E27FC236}">
-                <a16:creationId xmlns:a16="http://schemas.microsoft.com/office/drawing/2014/main" id="{A6C42AC9-8E80-4D0C-A097-DB70E7E3A937}"/>
+          <p:cNvPr id="3" name="圖片 2">
+            <a:extLst>
+              <a:ext uri="{FF2B5EF4-FFF2-40B4-BE49-F238E27FC236}">
+                <a16:creationId xmlns:a16="http://schemas.microsoft.com/office/drawing/2014/main" id="{1202EBDE-7F64-43BD-86B7-6C228CCEC2D0}"/>
               </a:ext>
             </a:extLst>
           </p:cNvPr>
@@ -5783,10 +6147,10 @@
       </p:pic>
       <p:pic>
         <p:nvPicPr>
-          <p:cNvPr id="20" name="圖片 19">
-            <a:extLst>
-              <a:ext uri="{FF2B5EF4-FFF2-40B4-BE49-F238E27FC236}">
-                <a16:creationId xmlns:a16="http://schemas.microsoft.com/office/drawing/2014/main" id="{D95FAA5E-F225-4CD1-94D5-DC58DBDC6C62}"/>
+          <p:cNvPr id="4" name="圖片 3">
+            <a:extLst>
+              <a:ext uri="{FF2B5EF4-FFF2-40B4-BE49-F238E27FC236}">
+                <a16:creationId xmlns:a16="http://schemas.microsoft.com/office/drawing/2014/main" id="{AEFF5069-0FA7-44E7-AEEE-225463C6B1AC}"/>
               </a:ext>
             </a:extLst>
           </p:cNvPr>
@@ -5819,10 +6183,10 @@
       </p:pic>
       <p:sp>
         <p:nvSpPr>
-          <p:cNvPr id="2" name="左中括弧 1">
-            <a:extLst>
-              <a:ext uri="{FF2B5EF4-FFF2-40B4-BE49-F238E27FC236}">
-                <a16:creationId xmlns:a16="http://schemas.microsoft.com/office/drawing/2014/main" id="{E5868B07-DAE3-47AF-ACB6-DE47C4B5924E}"/>
+          <p:cNvPr id="5" name="矩形 4">
+            <a:extLst>
+              <a:ext uri="{FF2B5EF4-FFF2-40B4-BE49-F238E27FC236}">
+                <a16:creationId xmlns:a16="http://schemas.microsoft.com/office/drawing/2014/main" id="{32620A82-E6AD-44CF-84CA-B10138EDE750}"/>
               </a:ext>
             </a:extLst>
           </p:cNvPr>
@@ -5831,508 +6195,123 @@
         </p:nvSpPr>
         <p:spPr>
           <a:xfrm>
-            <a:off x="1089887" y="1394670"/>
-            <a:ext cx="243280" cy="4068660"/>
-          </a:xfrm>
-          <a:prstGeom prst="leftBracket">
-            <a:avLst/>
-          </a:prstGeom>
-          <a:ln w="76200">
-            <a:solidFill>
-              <a:schemeClr val="tx1"/>
-            </a:solidFill>
-          </a:ln>
-        </p:spPr>
-        <p:style>
-          <a:lnRef idx="1">
-            <a:schemeClr val="accent1"/>
-          </a:lnRef>
-          <a:fillRef idx="0">
-            <a:schemeClr val="accent1"/>
-          </a:fillRef>
-          <a:effectRef idx="0">
-            <a:schemeClr val="accent1"/>
-          </a:effectRef>
-          <a:fontRef idx="minor">
-            <a:schemeClr val="tx1"/>
-          </a:fontRef>
-        </p:style>
-        <p:txBody>
-          <a:bodyPr rtlCol="0" anchor="ctr"/>
-          <a:lstStyle/>
-          <a:p>
-            <a:pPr algn="ctr"/>
-            <a:endParaRPr lang="zh-TW" altLang="en-US"/>
-          </a:p>
-        </p:txBody>
-      </p:sp>
-      <p:sp>
-        <p:nvSpPr>
-          <p:cNvPr id="5" name="左中括弧 4">
-            <a:extLst>
-              <a:ext uri="{FF2B5EF4-FFF2-40B4-BE49-F238E27FC236}">
-                <a16:creationId xmlns:a16="http://schemas.microsoft.com/office/drawing/2014/main" id="{2955AA3B-4100-4661-ABFF-02527E512922}"/>
-              </a:ext>
-            </a:extLst>
-          </p:cNvPr>
-          <p:cNvSpPr/>
-          <p:nvPr/>
-        </p:nvSpPr>
-        <p:spPr>
-          <a:xfrm rot="10800000">
-            <a:off x="3043227" y="1394670"/>
-            <a:ext cx="243280" cy="4068660"/>
-          </a:xfrm>
-          <a:prstGeom prst="leftBracket">
-            <a:avLst/>
-          </a:prstGeom>
-          <a:ln w="76200">
-            <a:solidFill>
-              <a:schemeClr val="tx1"/>
-            </a:solidFill>
-          </a:ln>
-        </p:spPr>
-        <p:style>
-          <a:lnRef idx="1">
-            <a:schemeClr val="accent1"/>
-          </a:lnRef>
-          <a:fillRef idx="0">
-            <a:schemeClr val="accent1"/>
-          </a:fillRef>
-          <a:effectRef idx="0">
-            <a:schemeClr val="accent1"/>
-          </a:effectRef>
-          <a:fontRef idx="minor">
-            <a:schemeClr val="tx1"/>
-          </a:fontRef>
-        </p:style>
-        <p:txBody>
-          <a:bodyPr rtlCol="0" anchor="ctr"/>
-          <a:lstStyle/>
-          <a:p>
-            <a:pPr algn="ctr"/>
-            <a:endParaRPr lang="zh-TW" altLang="en-US" dirty="0"/>
-          </a:p>
-        </p:txBody>
-      </p:sp>
-      <p:sp>
-        <p:nvSpPr>
-          <p:cNvPr id="6" name="左中括弧 5">
-            <a:extLst>
-              <a:ext uri="{FF2B5EF4-FFF2-40B4-BE49-F238E27FC236}">
-                <a16:creationId xmlns:a16="http://schemas.microsoft.com/office/drawing/2014/main" id="{38674EAE-5D45-4AEC-A9CC-9C950D5797AA}"/>
-              </a:ext>
-            </a:extLst>
-          </p:cNvPr>
-          <p:cNvSpPr/>
-          <p:nvPr/>
-        </p:nvSpPr>
-        <p:spPr>
-          <a:xfrm rot="10800000">
-            <a:off x="7847655" y="1394670"/>
-            <a:ext cx="243280" cy="4068660"/>
-          </a:xfrm>
-          <a:prstGeom prst="leftBracket">
-            <a:avLst/>
-          </a:prstGeom>
-          <a:ln w="76200">
-            <a:solidFill>
-              <a:schemeClr val="tx1"/>
-            </a:solidFill>
-          </a:ln>
-        </p:spPr>
-        <p:style>
-          <a:lnRef idx="1">
-            <a:schemeClr val="accent1"/>
-          </a:lnRef>
-          <a:fillRef idx="0">
-            <a:schemeClr val="accent1"/>
-          </a:fillRef>
-          <a:effectRef idx="0">
-            <a:schemeClr val="accent1"/>
-          </a:effectRef>
-          <a:fontRef idx="minor">
-            <a:schemeClr val="tx1"/>
-          </a:fontRef>
-        </p:style>
-        <p:txBody>
-          <a:bodyPr rtlCol="0" anchor="ctr"/>
-          <a:lstStyle/>
-          <a:p>
-            <a:pPr algn="ctr"/>
-            <a:endParaRPr lang="zh-TW" altLang="en-US"/>
-          </a:p>
-        </p:txBody>
-      </p:sp>
-      <p:sp>
-        <p:nvSpPr>
-          <p:cNvPr id="7" name="左中括弧 6">
-            <a:extLst>
-              <a:ext uri="{FF2B5EF4-FFF2-40B4-BE49-F238E27FC236}">
-                <a16:creationId xmlns:a16="http://schemas.microsoft.com/office/drawing/2014/main" id="{0F793EF4-DC24-4A39-929F-05AFAF63C656}"/>
-              </a:ext>
-            </a:extLst>
-          </p:cNvPr>
-          <p:cNvSpPr/>
-          <p:nvPr/>
-        </p:nvSpPr>
-        <p:spPr>
-          <a:xfrm>
-            <a:off x="5182792" y="1394670"/>
-            <a:ext cx="243280" cy="4068660"/>
-          </a:xfrm>
-          <a:prstGeom prst="leftBracket">
-            <a:avLst/>
-          </a:prstGeom>
-          <a:ln w="76200">
-            <a:solidFill>
-              <a:schemeClr val="tx1"/>
-            </a:solidFill>
-          </a:ln>
-        </p:spPr>
-        <p:style>
-          <a:lnRef idx="1">
-            <a:schemeClr val="accent1"/>
-          </a:lnRef>
-          <a:fillRef idx="0">
-            <a:schemeClr val="accent1"/>
-          </a:fillRef>
-          <a:effectRef idx="0">
-            <a:schemeClr val="accent1"/>
-          </a:effectRef>
-          <a:fontRef idx="minor">
-            <a:schemeClr val="tx1"/>
-          </a:fontRef>
-        </p:style>
-        <p:txBody>
-          <a:bodyPr rtlCol="0" anchor="ctr"/>
-          <a:lstStyle/>
-          <a:p>
-            <a:pPr algn="ctr"/>
-            <a:endParaRPr lang="zh-TW" altLang="en-US"/>
-          </a:p>
-        </p:txBody>
-      </p:sp>
-      <p:sp>
-        <p:nvSpPr>
-          <p:cNvPr id="8" name="文字方塊 7">
-            <a:extLst>
-              <a:ext uri="{FF2B5EF4-FFF2-40B4-BE49-F238E27FC236}">
-                <a16:creationId xmlns:a16="http://schemas.microsoft.com/office/drawing/2014/main" id="{CB36FDC2-B7D8-4504-9621-C462DD1DBF49}"/>
-              </a:ext>
-            </a:extLst>
-          </p:cNvPr>
-          <p:cNvSpPr txBox="1"/>
-          <p:nvPr/>
-        </p:nvSpPr>
-        <p:spPr>
-          <a:xfrm>
-            <a:off x="1374771" y="1524963"/>
-            <a:ext cx="1670650" cy="923330"/>
-          </a:xfrm>
-          <a:prstGeom prst="rect">
-            <a:avLst/>
-          </a:prstGeom>
-          <a:noFill/>
-        </p:spPr>
-        <p:txBody>
-          <a:bodyPr wrap="none" rtlCol="0">
+            <a:off x="510848" y="585038"/>
+            <a:ext cx="6582251" cy="821572"/>
+          </a:xfrm>
+          <a:prstGeom prst="rect">
+            <a:avLst/>
+          </a:prstGeom>
+        </p:spPr>
+        <p:txBody>
+          <a:bodyPr wrap="none">
             <a:spAutoFit/>
           </a:bodyPr>
           <a:lstStyle/>
           <a:p>
-            <a:r>
-              <a:rPr lang="en-US" altLang="zh-TW" sz="5400" b="1" dirty="0"/>
-              <a:t>[1, 2]</a:t>
-            </a:r>
-            <a:endParaRPr lang="zh-TW" altLang="en-US" sz="5400" b="1" dirty="0"/>
-          </a:p>
-        </p:txBody>
-      </p:sp>
-      <p:sp>
-        <p:nvSpPr>
-          <p:cNvPr id="11" name="文字方塊 10">
-            <a:extLst>
-              <a:ext uri="{FF2B5EF4-FFF2-40B4-BE49-F238E27FC236}">
-                <a16:creationId xmlns:a16="http://schemas.microsoft.com/office/drawing/2014/main" id="{7E1B168B-CE85-47F3-85E8-686E29400111}"/>
-              </a:ext>
-            </a:extLst>
-          </p:cNvPr>
-          <p:cNvSpPr txBox="1"/>
-          <p:nvPr/>
-        </p:nvSpPr>
-        <p:spPr>
-          <a:xfrm>
-            <a:off x="1374771" y="2967335"/>
-            <a:ext cx="1670650" cy="923330"/>
-          </a:xfrm>
-          <a:prstGeom prst="rect">
-            <a:avLst/>
-          </a:prstGeom>
-          <a:noFill/>
-        </p:spPr>
-        <p:txBody>
-          <a:bodyPr wrap="none" rtlCol="0">
+            <a:pPr>
+              <a:lnSpc>
+                <a:spcPct val="150000"/>
+              </a:lnSpc>
+            </a:pPr>
+            <a:r>
+              <a:rPr lang="zh-TW" altLang="en-US" sz="3600" dirty="0">
+                <a:latin typeface="微軟正黑體" panose="020B0604030504040204" pitchFamily="34" charset="-120"/>
+                <a:ea typeface="微軟正黑體" panose="020B0604030504040204" pitchFamily="34" charset="-120"/>
+              </a:rPr>
+              <a:t>．</a:t>
+            </a:r>
+            <a:r>
+              <a:rPr lang="en-US" altLang="zh-TW" sz="3600" dirty="0">
+                <a:latin typeface="微軟正黑體" panose="020B0604030504040204" pitchFamily="34" charset="-120"/>
+                <a:ea typeface="微軟正黑體" panose="020B0604030504040204" pitchFamily="34" charset="-120"/>
+              </a:rPr>
+              <a:t>Some important concepts…</a:t>
+            </a:r>
+          </a:p>
+        </p:txBody>
+      </p:sp>
+      <p:sp>
+        <p:nvSpPr>
+          <p:cNvPr id="6" name="矩形 5">
+            <a:extLst>
+              <a:ext uri="{FF2B5EF4-FFF2-40B4-BE49-F238E27FC236}">
+                <a16:creationId xmlns:a16="http://schemas.microsoft.com/office/drawing/2014/main" id="{861EAFDE-1BDE-4CBE-9117-FF7D9BF320FE}"/>
+              </a:ext>
+            </a:extLst>
+          </p:cNvPr>
+          <p:cNvSpPr/>
+          <p:nvPr/>
+        </p:nvSpPr>
+        <p:spPr>
+          <a:xfrm>
+            <a:off x="2585623" y="1909736"/>
+            <a:ext cx="3972754" cy="740524"/>
+          </a:xfrm>
+          <a:prstGeom prst="rect">
+            <a:avLst/>
+          </a:prstGeom>
+        </p:spPr>
+        <p:txBody>
+          <a:bodyPr wrap="none">
             <a:spAutoFit/>
           </a:bodyPr>
           <a:lstStyle/>
           <a:p>
-            <a:r>
-              <a:rPr lang="en-US" altLang="zh-TW" sz="5400" b="1" dirty="0"/>
-              <a:t>[3, 4]</a:t>
-            </a:r>
-            <a:endParaRPr lang="zh-TW" altLang="en-US" sz="5400" b="1" dirty="0"/>
-          </a:p>
-        </p:txBody>
-      </p:sp>
-      <p:sp>
-        <p:nvSpPr>
-          <p:cNvPr id="12" name="文字方塊 11">
-            <a:extLst>
-              <a:ext uri="{FF2B5EF4-FFF2-40B4-BE49-F238E27FC236}">
-                <a16:creationId xmlns:a16="http://schemas.microsoft.com/office/drawing/2014/main" id="{C035D678-E011-4E81-B0E9-F75C110AB2BA}"/>
-              </a:ext>
-            </a:extLst>
-          </p:cNvPr>
-          <p:cNvSpPr txBox="1"/>
-          <p:nvPr/>
-        </p:nvSpPr>
-        <p:spPr>
-          <a:xfrm>
-            <a:off x="1355067" y="4409707"/>
-            <a:ext cx="1670650" cy="923330"/>
-          </a:xfrm>
-          <a:prstGeom prst="rect">
-            <a:avLst/>
-          </a:prstGeom>
-          <a:noFill/>
-        </p:spPr>
-        <p:txBody>
-          <a:bodyPr wrap="none" rtlCol="0">
-            <a:spAutoFit/>
-          </a:bodyPr>
-          <a:lstStyle/>
-          <a:p>
-            <a:r>
-              <a:rPr lang="en-US" altLang="zh-TW" sz="5400" b="1" dirty="0"/>
-              <a:t>[5, 6]</a:t>
-            </a:r>
-            <a:endParaRPr lang="zh-TW" altLang="en-US" sz="5400" b="1" dirty="0"/>
-          </a:p>
-        </p:txBody>
-      </p:sp>
-      <p:sp>
-        <p:nvSpPr>
-          <p:cNvPr id="13" name="文字方塊 12">
-            <a:extLst>
-              <a:ext uri="{FF2B5EF4-FFF2-40B4-BE49-F238E27FC236}">
-                <a16:creationId xmlns:a16="http://schemas.microsoft.com/office/drawing/2014/main" id="{08328375-802F-4424-B2FF-D54C2587999E}"/>
-              </a:ext>
-            </a:extLst>
-          </p:cNvPr>
-          <p:cNvSpPr txBox="1"/>
-          <p:nvPr/>
-        </p:nvSpPr>
-        <p:spPr>
-          <a:xfrm>
-            <a:off x="5426072" y="1524963"/>
-            <a:ext cx="1670650" cy="923330"/>
-          </a:xfrm>
-          <a:prstGeom prst="rect">
-            <a:avLst/>
-          </a:prstGeom>
-          <a:noFill/>
-        </p:spPr>
-        <p:txBody>
-          <a:bodyPr wrap="none" rtlCol="0">
-            <a:spAutoFit/>
-          </a:bodyPr>
-          <a:lstStyle/>
-          <a:p>
-            <a:r>
-              <a:rPr lang="en-US" altLang="zh-TW" sz="5400" b="1" dirty="0"/>
-              <a:t>[7, 8]</a:t>
-            </a:r>
-            <a:endParaRPr lang="zh-TW" altLang="en-US" sz="5400" b="1" dirty="0"/>
-          </a:p>
-        </p:txBody>
-      </p:sp>
-      <p:sp>
-        <p:nvSpPr>
-          <p:cNvPr id="14" name="文字方塊 13">
-            <a:extLst>
-              <a:ext uri="{FF2B5EF4-FFF2-40B4-BE49-F238E27FC236}">
-                <a16:creationId xmlns:a16="http://schemas.microsoft.com/office/drawing/2014/main" id="{37761895-D4A6-4865-AAE8-E51CBFA9D513}"/>
-              </a:ext>
-            </a:extLst>
-          </p:cNvPr>
-          <p:cNvSpPr txBox="1"/>
-          <p:nvPr/>
-        </p:nvSpPr>
-        <p:spPr>
-          <a:xfrm>
-            <a:off x="5426072" y="2894306"/>
-            <a:ext cx="2021707" cy="923330"/>
-          </a:xfrm>
-          <a:prstGeom prst="rect">
-            <a:avLst/>
-          </a:prstGeom>
-          <a:noFill/>
-        </p:spPr>
-        <p:txBody>
-          <a:bodyPr wrap="none" rtlCol="0">
-            <a:spAutoFit/>
-          </a:bodyPr>
-          <a:lstStyle/>
-          <a:p>
-            <a:r>
-              <a:rPr lang="en-US" altLang="zh-TW" sz="5400" b="1" dirty="0"/>
-              <a:t>[9, 10]</a:t>
-            </a:r>
-            <a:endParaRPr lang="zh-TW" altLang="en-US" sz="5400" b="1" dirty="0"/>
-          </a:p>
-        </p:txBody>
-      </p:sp>
-      <p:sp>
-        <p:nvSpPr>
-          <p:cNvPr id="15" name="文字方塊 14">
-            <a:extLst>
-              <a:ext uri="{FF2B5EF4-FFF2-40B4-BE49-F238E27FC236}">
-                <a16:creationId xmlns:a16="http://schemas.microsoft.com/office/drawing/2014/main" id="{3852C171-25E8-41AF-BA25-E802D82FA196}"/>
-              </a:ext>
-            </a:extLst>
-          </p:cNvPr>
-          <p:cNvSpPr txBox="1"/>
-          <p:nvPr/>
-        </p:nvSpPr>
-        <p:spPr>
-          <a:xfrm>
-            <a:off x="5446875" y="4263649"/>
-            <a:ext cx="2372765" cy="923330"/>
-          </a:xfrm>
-          <a:prstGeom prst="rect">
-            <a:avLst/>
-          </a:prstGeom>
-          <a:noFill/>
-        </p:spPr>
-        <p:txBody>
-          <a:bodyPr wrap="none" rtlCol="0">
-            <a:spAutoFit/>
-          </a:bodyPr>
-          <a:lstStyle/>
-          <a:p>
-            <a:r>
-              <a:rPr lang="en-US" altLang="zh-TW" sz="5400" b="1" dirty="0"/>
-              <a:t>[11, 12]</a:t>
-            </a:r>
-            <a:endParaRPr lang="zh-TW" altLang="en-US" sz="5400" b="1" dirty="0"/>
-          </a:p>
-        </p:txBody>
-      </p:sp>
-      <p:cxnSp>
-        <p:nvCxnSpPr>
-          <p:cNvPr id="17" name="直線單箭頭接點 16">
-            <a:extLst>
-              <a:ext uri="{FF2B5EF4-FFF2-40B4-BE49-F238E27FC236}">
-                <a16:creationId xmlns:a16="http://schemas.microsoft.com/office/drawing/2014/main" id="{124EBFD3-5AA5-47E5-B62F-EE71E58727A5}"/>
-              </a:ext>
-            </a:extLst>
-          </p:cNvPr>
-          <p:cNvCxnSpPr>
-            <a:cxnSpLocks/>
-            <a:stCxn id="5" idx="1"/>
-            <a:endCxn id="7" idx="1"/>
-          </p:cNvCxnSpPr>
-          <p:nvPr/>
-        </p:nvCxnSpPr>
-        <p:spPr>
-          <a:xfrm>
-            <a:off x="3286507" y="3429000"/>
-            <a:ext cx="1896285" cy="0"/>
-          </a:xfrm>
-          <a:prstGeom prst="straightConnector1">
-            <a:avLst/>
-          </a:prstGeom>
-          <a:ln w="76200">
-            <a:headEnd type="triangle"/>
-            <a:tailEnd type="triangle"/>
-          </a:ln>
-        </p:spPr>
-        <p:style>
-          <a:lnRef idx="1">
-            <a:schemeClr val="accent1"/>
-          </a:lnRef>
-          <a:fillRef idx="0">
-            <a:schemeClr val="accent1"/>
-          </a:fillRef>
-          <a:effectRef idx="0">
-            <a:schemeClr val="accent1"/>
-          </a:effectRef>
-          <a:fontRef idx="minor">
-            <a:schemeClr val="tx1"/>
-          </a:fontRef>
-        </p:style>
-      </p:cxnSp>
-      <p:sp>
-        <p:nvSpPr>
-          <p:cNvPr id="19" name="文字方塊 18">
-            <a:extLst>
-              <a:ext uri="{FF2B5EF4-FFF2-40B4-BE49-F238E27FC236}">
-                <a16:creationId xmlns:a16="http://schemas.microsoft.com/office/drawing/2014/main" id="{B653124F-B8AD-42B3-B008-0A878789EE99}"/>
-              </a:ext>
-            </a:extLst>
-          </p:cNvPr>
-          <p:cNvSpPr txBox="1"/>
-          <p:nvPr/>
-        </p:nvSpPr>
-        <p:spPr>
-          <a:xfrm>
-            <a:off x="3497383" y="2448293"/>
-            <a:ext cx="1469698" cy="830997"/>
-          </a:xfrm>
-          <a:prstGeom prst="rect">
-            <a:avLst/>
-          </a:prstGeom>
-          <a:noFill/>
-        </p:spPr>
-        <p:txBody>
-          <a:bodyPr wrap="none" rtlCol="0">
-            <a:spAutoFit/>
-          </a:bodyPr>
-          <a:lstStyle/>
-          <a:p>
-            <a:pPr algn="ctr"/>
-            <a:r>
-              <a:rPr lang="en-US" altLang="zh-TW" sz="2400" dirty="0">
-                <a:solidFill>
-                  <a:schemeClr val="accent1"/>
-                </a:solidFill>
+            <a:pPr>
+              <a:lnSpc>
+                <a:spcPct val="150000"/>
+              </a:lnSpc>
+            </a:pPr>
+            <a:r>
+              <a:rPr lang="en-US" altLang="zh-TW" sz="3200" dirty="0">
+                <a:latin typeface="微軟正黑體" panose="020B0604030504040204" pitchFamily="34" charset="-120"/>
+                <a:ea typeface="微軟正黑體" panose="020B0604030504040204" pitchFamily="34" charset="-120"/>
               </a:rPr>
-              <a:t>horizontal</a:t>
-            </a:r>
-          </a:p>
-          <a:p>
-            <a:pPr algn="ctr"/>
-            <a:r>
-              <a:rPr lang="en-US" altLang="zh-TW" sz="2400" dirty="0">
-                <a:solidFill>
-                  <a:schemeClr val="accent1"/>
-                </a:solidFill>
-              </a:rPr>
-              <a:t>stack</a:t>
-            </a:r>
-            <a:endParaRPr lang="zh-TW" altLang="en-US" sz="2400" dirty="0">
-              <a:solidFill>
-                <a:schemeClr val="accent1"/>
-              </a:solidFill>
-            </a:endParaRPr>
-          </a:p>
-        </p:txBody>
-      </p:sp>
+              <a:t>vstack    vs.    hstack</a:t>
+            </a:r>
+          </a:p>
+        </p:txBody>
+      </p:sp>
+      <p:pic>
+        <p:nvPicPr>
+          <p:cNvPr id="8" name="圖片 7" descr="一張含有 螢幕擷取畫面 的圖片&#10;&#10;自動產生的描述">
+            <a:extLst>
+              <a:ext uri="{FF2B5EF4-FFF2-40B4-BE49-F238E27FC236}">
+                <a16:creationId xmlns:a16="http://schemas.microsoft.com/office/drawing/2014/main" id="{B8D4E611-456B-4488-98C6-4A6740247A17}"/>
+              </a:ext>
+            </a:extLst>
+          </p:cNvPr>
+          <p:cNvPicPr>
+            <a:picLocks noChangeAspect="1"/>
+          </p:cNvPicPr>
+          <p:nvPr/>
+        </p:nvPicPr>
+        <p:blipFill>
+          <a:blip r:embed="rId4">
+            <a:extLst>
+              <a:ext uri="{28A0092B-C50C-407E-A947-70E740481C1C}">
+                <a14:useLocalDpi xmlns:a14="http://schemas.microsoft.com/office/drawing/2010/main" val="0"/>
+              </a:ext>
+            </a:extLst>
+          </a:blip>
+          <a:stretch>
+            <a:fillRect/>
+          </a:stretch>
+        </p:blipFill>
+        <p:spPr>
+          <a:xfrm>
+            <a:off x="1027651" y="2756453"/>
+            <a:ext cx="7088697" cy="2965170"/>
+          </a:xfrm>
+          <a:prstGeom prst="rect">
+            <a:avLst/>
+          </a:prstGeom>
+        </p:spPr>
+      </p:pic>
     </p:spTree>
     <p:extLst>
       <p:ext uri="{BB962C8B-B14F-4D97-AF65-F5344CB8AC3E}">
-        <p14:creationId xmlns:p14="http://schemas.microsoft.com/office/powerpoint/2010/main" val="2218148868"/>
+        <p14:creationId xmlns:p14="http://schemas.microsoft.com/office/powerpoint/2010/main" val="2467423648"/>
       </p:ext>
     </p:extLst>
   </p:cSld>
@@ -6433,153 +6412,10 @@
       </p:pic>
       <p:sp>
         <p:nvSpPr>
-          <p:cNvPr id="5" name="矩形 4">
-            <a:extLst>
-              <a:ext uri="{FF2B5EF4-FFF2-40B4-BE49-F238E27FC236}">
-                <a16:creationId xmlns:a16="http://schemas.microsoft.com/office/drawing/2014/main" id="{4A652162-BF6F-4090-B55C-37F71D1BC871}"/>
-              </a:ext>
-            </a:extLst>
-          </p:cNvPr>
-          <p:cNvSpPr/>
-          <p:nvPr/>
-        </p:nvSpPr>
-        <p:spPr>
-          <a:xfrm>
-            <a:off x="1020282" y="3228854"/>
-            <a:ext cx="1707519" cy="740524"/>
-          </a:xfrm>
-          <a:prstGeom prst="rect">
-            <a:avLst/>
-          </a:prstGeom>
-        </p:spPr>
-        <p:txBody>
-          <a:bodyPr wrap="none">
-            <a:spAutoFit/>
-          </a:bodyPr>
-          <a:lstStyle/>
-          <a:p>
-            <a:pPr>
-              <a:lnSpc>
-                <a:spcPct val="150000"/>
-              </a:lnSpc>
-            </a:pPr>
-            <a:r>
-              <a:rPr lang="en-US" altLang="zh-TW" sz="3200" dirty="0">
-                <a:solidFill>
-                  <a:schemeClr val="accent1"/>
-                </a:solidFill>
-                <a:latin typeface="微軟正黑體" panose="020B0604030504040204" pitchFamily="34" charset="-120"/>
-                <a:ea typeface="微軟正黑體" panose="020B0604030504040204" pitchFamily="34" charset="-120"/>
-              </a:rPr>
-              <a:t>axis = 0</a:t>
-            </a:r>
-          </a:p>
-        </p:txBody>
-      </p:sp>
-      <p:sp>
-        <p:nvSpPr>
-          <p:cNvPr id="6" name="左中括弧 5">
-            <a:extLst>
-              <a:ext uri="{FF2B5EF4-FFF2-40B4-BE49-F238E27FC236}">
-                <a16:creationId xmlns:a16="http://schemas.microsoft.com/office/drawing/2014/main" id="{BFE0AD2A-5D61-4598-820E-7D45D74729CD}"/>
-              </a:ext>
-            </a:extLst>
-          </p:cNvPr>
-          <p:cNvSpPr/>
-          <p:nvPr/>
-        </p:nvSpPr>
-        <p:spPr>
-          <a:xfrm>
-            <a:off x="3203463" y="1857504"/>
-            <a:ext cx="243280" cy="4068660"/>
-          </a:xfrm>
-          <a:prstGeom prst="leftBracket">
-            <a:avLst/>
-          </a:prstGeom>
-          <a:ln w="76200">
-            <a:solidFill>
-              <a:schemeClr val="tx1"/>
-            </a:solidFill>
-          </a:ln>
-        </p:spPr>
-        <p:style>
-          <a:lnRef idx="1">
-            <a:schemeClr val="accent1"/>
-          </a:lnRef>
-          <a:fillRef idx="0">
-            <a:schemeClr val="accent1"/>
-          </a:fillRef>
-          <a:effectRef idx="0">
-            <a:schemeClr val="accent1"/>
-          </a:effectRef>
-          <a:fontRef idx="minor">
-            <a:schemeClr val="tx1"/>
-          </a:fontRef>
-        </p:style>
-        <p:txBody>
-          <a:bodyPr rtlCol="0" anchor="ctr"/>
-          <a:lstStyle/>
-          <a:p>
-            <a:pPr algn="ctr"/>
-            <a:endParaRPr lang="zh-TW" altLang="en-US"/>
-          </a:p>
-        </p:txBody>
-      </p:sp>
-      <p:sp>
-        <p:nvSpPr>
-          <p:cNvPr id="7" name="左中括弧 6">
-            <a:extLst>
-              <a:ext uri="{FF2B5EF4-FFF2-40B4-BE49-F238E27FC236}">
-                <a16:creationId xmlns:a16="http://schemas.microsoft.com/office/drawing/2014/main" id="{AC533DC4-1F6B-40CF-A0CB-D02D807A3658}"/>
-              </a:ext>
-            </a:extLst>
-          </p:cNvPr>
-          <p:cNvSpPr/>
-          <p:nvPr/>
-        </p:nvSpPr>
-        <p:spPr>
-          <a:xfrm rot="10800000">
-            <a:off x="7237588" y="1857504"/>
-            <a:ext cx="243280" cy="4068660"/>
-          </a:xfrm>
-          <a:prstGeom prst="leftBracket">
-            <a:avLst/>
-          </a:prstGeom>
-          <a:ln w="76200">
-            <a:solidFill>
-              <a:schemeClr val="tx1"/>
-            </a:solidFill>
-          </a:ln>
-        </p:spPr>
-        <p:style>
-          <a:lnRef idx="1">
-            <a:schemeClr val="accent1"/>
-          </a:lnRef>
-          <a:fillRef idx="0">
-            <a:schemeClr val="accent1"/>
-          </a:fillRef>
-          <a:effectRef idx="0">
-            <a:schemeClr val="accent1"/>
-          </a:effectRef>
-          <a:fontRef idx="minor">
-            <a:schemeClr val="tx1"/>
-          </a:fontRef>
-        </p:style>
-        <p:txBody>
-          <a:bodyPr rtlCol="0" anchor="ctr"/>
-          <a:lstStyle/>
-          <a:p>
-            <a:pPr algn="ctr"/>
-            <a:endParaRPr lang="zh-TW" altLang="en-US" dirty="0"/>
-          </a:p>
-        </p:txBody>
-      </p:sp>
-      <p:sp>
-        <p:nvSpPr>
-          <p:cNvPr id="8" name="文字方塊 7">
-            <a:extLst>
-              <a:ext uri="{FF2B5EF4-FFF2-40B4-BE49-F238E27FC236}">
-                <a16:creationId xmlns:a16="http://schemas.microsoft.com/office/drawing/2014/main" id="{9D3E22F8-353A-4864-811F-CCFBDA5524B2}"/>
+          <p:cNvPr id="5" name="文字方塊 4">
+            <a:extLst>
+              <a:ext uri="{FF2B5EF4-FFF2-40B4-BE49-F238E27FC236}">
+                <a16:creationId xmlns:a16="http://schemas.microsoft.com/office/drawing/2014/main" id="{B682EB02-DE7C-4BF6-A1EA-7EAF79209BB3}"/>
               </a:ext>
             </a:extLst>
           </p:cNvPr>
@@ -6588,8 +6424,8 @@
         </p:nvSpPr>
         <p:spPr>
           <a:xfrm>
-            <a:off x="3488347" y="1987797"/>
-            <a:ext cx="3728906" cy="923330"/>
+            <a:off x="3097077" y="1481317"/>
+            <a:ext cx="2949846" cy="1015663"/>
           </a:xfrm>
           <a:prstGeom prst="rect">
             <a:avLst/>
@@ -6603,19 +6439,19 @@
           <a:lstStyle/>
           <a:p>
             <a:r>
-              <a:rPr lang="en-US" altLang="zh-TW" sz="5400" b="1" dirty="0"/>
-              <a:t>[1, 2, 3, 4, 5]</a:t>
-            </a:r>
-            <a:endParaRPr lang="zh-TW" altLang="en-US" sz="5400" b="1" dirty="0"/>
-          </a:p>
-        </p:txBody>
-      </p:sp>
-      <p:sp>
-        <p:nvSpPr>
-          <p:cNvPr id="9" name="文字方塊 8">
-            <a:extLst>
-              <a:ext uri="{FF2B5EF4-FFF2-40B4-BE49-F238E27FC236}">
-                <a16:creationId xmlns:a16="http://schemas.microsoft.com/office/drawing/2014/main" id="{63A615D0-028E-4DD5-AFF1-CB2DB43B5207}"/>
+              <a:rPr lang="en-US" altLang="zh-TW" sz="6000" b="1" dirty="0"/>
+              <a:t>[ 1, 2, 3 ]</a:t>
+            </a:r>
+            <a:endParaRPr lang="zh-TW" altLang="en-US" sz="6000" b="1" dirty="0"/>
+          </a:p>
+        </p:txBody>
+      </p:sp>
+      <p:sp>
+        <p:nvSpPr>
+          <p:cNvPr id="6" name="文字方塊 5">
+            <a:extLst>
+              <a:ext uri="{FF2B5EF4-FFF2-40B4-BE49-F238E27FC236}">
+                <a16:creationId xmlns:a16="http://schemas.microsoft.com/office/drawing/2014/main" id="{2ACAD478-950A-48F7-B864-B18E72E1706B}"/>
               </a:ext>
             </a:extLst>
           </p:cNvPr>
@@ -6624,8 +6460,8 @@
         </p:nvSpPr>
         <p:spPr>
           <a:xfrm>
-            <a:off x="3488347" y="3430169"/>
-            <a:ext cx="3728906" cy="923330"/>
+            <a:off x="3097077" y="4169659"/>
+            <a:ext cx="2949846" cy="1015663"/>
           </a:xfrm>
           <a:prstGeom prst="rect">
             <a:avLst/>
@@ -6639,75 +6475,38 @@
           <a:lstStyle/>
           <a:p>
             <a:r>
-              <a:rPr lang="en-US" altLang="zh-TW" sz="5400" b="1" dirty="0"/>
-              <a:t>[2, 2, 3, 4, 5]</a:t>
-            </a:r>
-            <a:endParaRPr lang="zh-TW" altLang="en-US" sz="5400" b="1" dirty="0"/>
-          </a:p>
-        </p:txBody>
-      </p:sp>
-      <p:sp>
-        <p:nvSpPr>
-          <p:cNvPr id="10" name="文字方塊 9">
-            <a:extLst>
-              <a:ext uri="{FF2B5EF4-FFF2-40B4-BE49-F238E27FC236}">
-                <a16:creationId xmlns:a16="http://schemas.microsoft.com/office/drawing/2014/main" id="{C3E2619D-D482-4174-B665-36176EFD8FFF}"/>
-              </a:ext>
-            </a:extLst>
-          </p:cNvPr>
-          <p:cNvSpPr txBox="1"/>
-          <p:nvPr/>
-        </p:nvSpPr>
-        <p:spPr>
-          <a:xfrm>
-            <a:off x="3468643" y="4872541"/>
-            <a:ext cx="3728906" cy="923330"/>
-          </a:xfrm>
-          <a:prstGeom prst="rect">
-            <a:avLst/>
-          </a:prstGeom>
-          <a:noFill/>
-        </p:spPr>
-        <p:txBody>
-          <a:bodyPr wrap="none" rtlCol="0">
-            <a:spAutoFit/>
-          </a:bodyPr>
-          <a:lstStyle/>
-          <a:p>
-            <a:r>
-              <a:rPr lang="en-US" altLang="zh-TW" sz="5400" b="1" dirty="0"/>
-              <a:t>[3, 2, 3, 4, 5]</a:t>
-            </a:r>
-            <a:endParaRPr lang="zh-TW" altLang="en-US" sz="5400" b="1" dirty="0"/>
+              <a:rPr lang="en-US" altLang="zh-TW" sz="6000" b="1" dirty="0"/>
+              <a:t>[ 4, 5, 6 ]</a:t>
+            </a:r>
+            <a:endParaRPr lang="zh-TW" altLang="en-US" sz="6000" b="1" dirty="0"/>
           </a:p>
         </p:txBody>
       </p:sp>
       <p:cxnSp>
         <p:nvCxnSpPr>
-          <p:cNvPr id="11" name="直線單箭頭接點 10">
-            <a:extLst>
-              <a:ext uri="{FF2B5EF4-FFF2-40B4-BE49-F238E27FC236}">
-                <a16:creationId xmlns:a16="http://schemas.microsoft.com/office/drawing/2014/main" id="{94DF1AC3-5026-4A0A-A444-533D19BED873}"/>
+          <p:cNvPr id="7" name="直線單箭頭接點 6">
+            <a:extLst>
+              <a:ext uri="{FF2B5EF4-FFF2-40B4-BE49-F238E27FC236}">
+                <a16:creationId xmlns:a16="http://schemas.microsoft.com/office/drawing/2014/main" id="{C67F3CD5-F153-4C32-B1AC-84512D804CDB}"/>
               </a:ext>
             </a:extLst>
           </p:cNvPr>
           <p:cNvCxnSpPr>
             <a:cxnSpLocks/>
+            <a:stCxn id="6" idx="0"/>
+            <a:endCxn id="5" idx="2"/>
           </p:cNvCxnSpPr>
           <p:nvPr/>
         </p:nvCxnSpPr>
         <p:spPr>
-          <a:xfrm>
-            <a:off x="2792201" y="1668751"/>
-            <a:ext cx="0" cy="4420999"/>
+          <a:xfrm flipV="1">
+            <a:off x="4572000" y="2496980"/>
+            <a:ext cx="0" cy="1672679"/>
           </a:xfrm>
           <a:prstGeom prst="straightConnector1">
             <a:avLst/>
           </a:prstGeom>
           <a:ln w="76200">
-            <a:solidFill>
-              <a:schemeClr val="accent1"/>
-            </a:solidFill>
             <a:headEnd type="triangle"/>
             <a:tailEnd type="triangle"/>
           </a:ln>
@@ -6727,100 +6526,66 @@
           </a:fontRef>
         </p:style>
       </p:cxnSp>
-      <p:cxnSp>
-        <p:nvCxnSpPr>
-          <p:cNvPr id="13" name="直線單箭頭接點 12">
-            <a:extLst>
-              <a:ext uri="{FF2B5EF4-FFF2-40B4-BE49-F238E27FC236}">
-                <a16:creationId xmlns:a16="http://schemas.microsoft.com/office/drawing/2014/main" id="{D5DD5775-81FC-4917-AF8E-F51FAD19ADCC}"/>
-              </a:ext>
-            </a:extLst>
-          </p:cNvPr>
-          <p:cNvCxnSpPr>
-            <a:cxnSpLocks/>
-          </p:cNvCxnSpPr>
-          <p:nvPr/>
-        </p:nvCxnSpPr>
-        <p:spPr>
-          <a:xfrm>
-            <a:off x="3058825" y="1317811"/>
-            <a:ext cx="4300402" cy="0"/>
-          </a:xfrm>
-          <a:prstGeom prst="straightConnector1">
-            <a:avLst/>
-          </a:prstGeom>
-          <a:ln w="76200">
-            <a:solidFill>
-              <a:schemeClr val="accent2"/>
-            </a:solidFill>
-            <a:headEnd type="triangle"/>
-            <a:tailEnd type="triangle"/>
-          </a:ln>
-        </p:spPr>
-        <p:style>
-          <a:lnRef idx="1">
-            <a:schemeClr val="accent1"/>
-          </a:lnRef>
-          <a:fillRef idx="0">
-            <a:schemeClr val="accent1"/>
-          </a:fillRef>
-          <a:effectRef idx="0">
-            <a:schemeClr val="accent1"/>
-          </a:effectRef>
-          <a:fontRef idx="minor">
-            <a:schemeClr val="tx1"/>
-          </a:fontRef>
-        </p:style>
-      </p:cxnSp>
-      <p:sp>
-        <p:nvSpPr>
-          <p:cNvPr id="15" name="矩形 14">
-            <a:extLst>
-              <a:ext uri="{FF2B5EF4-FFF2-40B4-BE49-F238E27FC236}">
-                <a16:creationId xmlns:a16="http://schemas.microsoft.com/office/drawing/2014/main" id="{AA33FD0E-14EE-411B-881C-3487957E22C9}"/>
-              </a:ext>
-            </a:extLst>
-          </p:cNvPr>
-          <p:cNvSpPr/>
-          <p:nvPr/>
-        </p:nvSpPr>
-        <p:spPr>
-          <a:xfrm>
-            <a:off x="4478553" y="448543"/>
-            <a:ext cx="1707519" cy="740524"/>
-          </a:xfrm>
-          <a:prstGeom prst="rect">
-            <a:avLst/>
-          </a:prstGeom>
-        </p:spPr>
-        <p:txBody>
-          <a:bodyPr wrap="none">
+      <p:sp>
+        <p:nvSpPr>
+          <p:cNvPr id="9" name="文字方塊 8">
+            <a:extLst>
+              <a:ext uri="{FF2B5EF4-FFF2-40B4-BE49-F238E27FC236}">
+                <a16:creationId xmlns:a16="http://schemas.microsoft.com/office/drawing/2014/main" id="{1C4781C8-A815-4381-ADB0-1A9E62F8FB41}"/>
+              </a:ext>
+            </a:extLst>
+          </p:cNvPr>
+          <p:cNvSpPr txBox="1"/>
+          <p:nvPr/>
+        </p:nvSpPr>
+        <p:spPr>
+          <a:xfrm>
+            <a:off x="2889272" y="2890391"/>
+            <a:ext cx="1406732" cy="1077218"/>
+          </a:xfrm>
+          <a:prstGeom prst="rect">
+            <a:avLst/>
+          </a:prstGeom>
+          <a:noFill/>
+        </p:spPr>
+        <p:txBody>
+          <a:bodyPr wrap="none" rtlCol="0">
             <a:spAutoFit/>
           </a:bodyPr>
           <a:lstStyle/>
           <a:p>
-            <a:pPr>
-              <a:lnSpc>
-                <a:spcPct val="150000"/>
-              </a:lnSpc>
-            </a:pPr>
+            <a:pPr algn="ctr"/>
             <a:r>
               <a:rPr lang="en-US" altLang="zh-TW" sz="3200" dirty="0">
                 <a:solidFill>
-                  <a:schemeClr val="accent2"/>
+                  <a:schemeClr val="accent1"/>
                 </a:solidFill>
-                <a:latin typeface="微軟正黑體" panose="020B0604030504040204" pitchFamily="34" charset="-120"/>
-                <a:ea typeface="微軟正黑體" panose="020B0604030504040204" pitchFamily="34" charset="-120"/>
               </a:rPr>
-              <a:t>axis = 1</a:t>
-            </a:r>
+              <a:t>vertical</a:t>
+            </a:r>
+          </a:p>
+          <a:p>
+            <a:pPr algn="ctr"/>
+            <a:r>
+              <a:rPr lang="en-US" altLang="zh-TW" sz="3200" dirty="0">
+                <a:solidFill>
+                  <a:schemeClr val="accent1"/>
+                </a:solidFill>
+              </a:rPr>
+              <a:t>stack</a:t>
+            </a:r>
+            <a:endParaRPr lang="zh-TW" altLang="en-US" sz="3200" dirty="0">
+              <a:solidFill>
+                <a:schemeClr val="accent1"/>
+              </a:solidFill>
+            </a:endParaRPr>
           </a:p>
         </p:txBody>
       </p:sp>
     </p:spTree>
     <p:extLst>
       <p:ext uri="{BB962C8B-B14F-4D97-AF65-F5344CB8AC3E}">
-        <p14:creationId xmlns:p14="http://schemas.microsoft.com/office/powerpoint/2010/main" val="2366607000"/>
+        <p14:creationId xmlns:p14="http://schemas.microsoft.com/office/powerpoint/2010/main" val="1415957898"/>
       </p:ext>
     </p:extLst>
   </p:cSld>
@@ -6849,10 +6614,10 @@
       </p:grpSpPr>
       <p:pic>
         <p:nvPicPr>
-          <p:cNvPr id="3" name="圖片 2">
-            <a:extLst>
-              <a:ext uri="{FF2B5EF4-FFF2-40B4-BE49-F238E27FC236}">
-                <a16:creationId xmlns:a16="http://schemas.microsoft.com/office/drawing/2014/main" id="{1202EBDE-7F64-43BD-86B7-6C228CCEC2D0}"/>
+          <p:cNvPr id="21" name="圖片 20">
+            <a:extLst>
+              <a:ext uri="{FF2B5EF4-FFF2-40B4-BE49-F238E27FC236}">
+                <a16:creationId xmlns:a16="http://schemas.microsoft.com/office/drawing/2014/main" id="{A6C42AC9-8E80-4D0C-A097-DB70E7E3A937}"/>
               </a:ext>
             </a:extLst>
           </p:cNvPr>
@@ -6885,10 +6650,10 @@
       </p:pic>
       <p:pic>
         <p:nvPicPr>
-          <p:cNvPr id="4" name="圖片 3">
-            <a:extLst>
-              <a:ext uri="{FF2B5EF4-FFF2-40B4-BE49-F238E27FC236}">
-                <a16:creationId xmlns:a16="http://schemas.microsoft.com/office/drawing/2014/main" id="{AEFF5069-0FA7-44E7-AEEE-225463C6B1AC}"/>
+          <p:cNvPr id="20" name="圖片 19">
+            <a:extLst>
+              <a:ext uri="{FF2B5EF4-FFF2-40B4-BE49-F238E27FC236}">
+                <a16:creationId xmlns:a16="http://schemas.microsoft.com/office/drawing/2014/main" id="{D95FAA5E-F225-4CD1-94D5-DC58DBDC6C62}"/>
               </a:ext>
             </a:extLst>
           </p:cNvPr>
@@ -6919,46 +6684,522 @@
           </a:prstGeom>
         </p:spPr>
       </p:pic>
-      <p:pic>
-        <p:nvPicPr>
-          <p:cNvPr id="5" name="圖片 4" descr="一張含有 螢幕擷取畫面 的圖片&#10;&#10;自動產生的描述">
-            <a:extLst>
-              <a:ext uri="{FF2B5EF4-FFF2-40B4-BE49-F238E27FC236}">
-                <a16:creationId xmlns:a16="http://schemas.microsoft.com/office/drawing/2014/main" id="{E3E73304-7568-4034-A869-E439ACCAD84F}"/>
-              </a:ext>
-            </a:extLst>
-          </p:cNvPr>
-          <p:cNvPicPr>
-            <a:picLocks noChangeAspect="1"/>
-          </p:cNvPicPr>
-          <p:nvPr/>
-        </p:nvPicPr>
-        <p:blipFill>
-          <a:blip r:embed="rId4">
-            <a:extLst>
-              <a:ext uri="{28A0092B-C50C-407E-A947-70E740481C1C}">
-                <a14:useLocalDpi xmlns:a14="http://schemas.microsoft.com/office/drawing/2010/main" val="0"/>
-              </a:ext>
-            </a:extLst>
-          </a:blip>
-          <a:stretch>
-            <a:fillRect/>
-          </a:stretch>
-        </p:blipFill>
-        <p:spPr>
-          <a:xfrm>
-            <a:off x="918594" y="2121049"/>
-            <a:ext cx="7306811" cy="2149744"/>
-          </a:xfrm>
-          <a:prstGeom prst="rect">
-            <a:avLst/>
-          </a:prstGeom>
-        </p:spPr>
-      </p:pic>
+      <p:sp>
+        <p:nvSpPr>
+          <p:cNvPr id="2" name="左中括弧 1">
+            <a:extLst>
+              <a:ext uri="{FF2B5EF4-FFF2-40B4-BE49-F238E27FC236}">
+                <a16:creationId xmlns:a16="http://schemas.microsoft.com/office/drawing/2014/main" id="{E5868B07-DAE3-47AF-ACB6-DE47C4B5924E}"/>
+              </a:ext>
+            </a:extLst>
+          </p:cNvPr>
+          <p:cNvSpPr/>
+          <p:nvPr/>
+        </p:nvSpPr>
+        <p:spPr>
+          <a:xfrm>
+            <a:off x="1089887" y="1394670"/>
+            <a:ext cx="243280" cy="4068660"/>
+          </a:xfrm>
+          <a:prstGeom prst="leftBracket">
+            <a:avLst/>
+          </a:prstGeom>
+          <a:ln w="76200">
+            <a:solidFill>
+              <a:schemeClr val="tx1"/>
+            </a:solidFill>
+          </a:ln>
+        </p:spPr>
+        <p:style>
+          <a:lnRef idx="1">
+            <a:schemeClr val="accent1"/>
+          </a:lnRef>
+          <a:fillRef idx="0">
+            <a:schemeClr val="accent1"/>
+          </a:fillRef>
+          <a:effectRef idx="0">
+            <a:schemeClr val="accent1"/>
+          </a:effectRef>
+          <a:fontRef idx="minor">
+            <a:schemeClr val="tx1"/>
+          </a:fontRef>
+        </p:style>
+        <p:txBody>
+          <a:bodyPr rtlCol="0" anchor="ctr"/>
+          <a:lstStyle/>
+          <a:p>
+            <a:pPr algn="ctr"/>
+            <a:endParaRPr lang="zh-TW" altLang="en-US"/>
+          </a:p>
+        </p:txBody>
+      </p:sp>
+      <p:sp>
+        <p:nvSpPr>
+          <p:cNvPr id="5" name="左中括弧 4">
+            <a:extLst>
+              <a:ext uri="{FF2B5EF4-FFF2-40B4-BE49-F238E27FC236}">
+                <a16:creationId xmlns:a16="http://schemas.microsoft.com/office/drawing/2014/main" id="{2955AA3B-4100-4661-ABFF-02527E512922}"/>
+              </a:ext>
+            </a:extLst>
+          </p:cNvPr>
+          <p:cNvSpPr/>
+          <p:nvPr/>
+        </p:nvSpPr>
+        <p:spPr>
+          <a:xfrm rot="10800000">
+            <a:off x="3043227" y="1394670"/>
+            <a:ext cx="243280" cy="4068660"/>
+          </a:xfrm>
+          <a:prstGeom prst="leftBracket">
+            <a:avLst/>
+          </a:prstGeom>
+          <a:ln w="76200">
+            <a:solidFill>
+              <a:schemeClr val="tx1"/>
+            </a:solidFill>
+          </a:ln>
+        </p:spPr>
+        <p:style>
+          <a:lnRef idx="1">
+            <a:schemeClr val="accent1"/>
+          </a:lnRef>
+          <a:fillRef idx="0">
+            <a:schemeClr val="accent1"/>
+          </a:fillRef>
+          <a:effectRef idx="0">
+            <a:schemeClr val="accent1"/>
+          </a:effectRef>
+          <a:fontRef idx="minor">
+            <a:schemeClr val="tx1"/>
+          </a:fontRef>
+        </p:style>
+        <p:txBody>
+          <a:bodyPr rtlCol="0" anchor="ctr"/>
+          <a:lstStyle/>
+          <a:p>
+            <a:pPr algn="ctr"/>
+            <a:endParaRPr lang="zh-TW" altLang="en-US" dirty="0"/>
+          </a:p>
+        </p:txBody>
+      </p:sp>
+      <p:sp>
+        <p:nvSpPr>
+          <p:cNvPr id="6" name="左中括弧 5">
+            <a:extLst>
+              <a:ext uri="{FF2B5EF4-FFF2-40B4-BE49-F238E27FC236}">
+                <a16:creationId xmlns:a16="http://schemas.microsoft.com/office/drawing/2014/main" id="{38674EAE-5D45-4AEC-A9CC-9C950D5797AA}"/>
+              </a:ext>
+            </a:extLst>
+          </p:cNvPr>
+          <p:cNvSpPr/>
+          <p:nvPr/>
+        </p:nvSpPr>
+        <p:spPr>
+          <a:xfrm rot="10800000">
+            <a:off x="7847655" y="1394670"/>
+            <a:ext cx="243280" cy="4068660"/>
+          </a:xfrm>
+          <a:prstGeom prst="leftBracket">
+            <a:avLst/>
+          </a:prstGeom>
+          <a:ln w="76200">
+            <a:solidFill>
+              <a:schemeClr val="tx1"/>
+            </a:solidFill>
+          </a:ln>
+        </p:spPr>
+        <p:style>
+          <a:lnRef idx="1">
+            <a:schemeClr val="accent1"/>
+          </a:lnRef>
+          <a:fillRef idx="0">
+            <a:schemeClr val="accent1"/>
+          </a:fillRef>
+          <a:effectRef idx="0">
+            <a:schemeClr val="accent1"/>
+          </a:effectRef>
+          <a:fontRef idx="minor">
+            <a:schemeClr val="tx1"/>
+          </a:fontRef>
+        </p:style>
+        <p:txBody>
+          <a:bodyPr rtlCol="0" anchor="ctr"/>
+          <a:lstStyle/>
+          <a:p>
+            <a:pPr algn="ctr"/>
+            <a:endParaRPr lang="zh-TW" altLang="en-US"/>
+          </a:p>
+        </p:txBody>
+      </p:sp>
+      <p:sp>
+        <p:nvSpPr>
+          <p:cNvPr id="7" name="左中括弧 6">
+            <a:extLst>
+              <a:ext uri="{FF2B5EF4-FFF2-40B4-BE49-F238E27FC236}">
+                <a16:creationId xmlns:a16="http://schemas.microsoft.com/office/drawing/2014/main" id="{0F793EF4-DC24-4A39-929F-05AFAF63C656}"/>
+              </a:ext>
+            </a:extLst>
+          </p:cNvPr>
+          <p:cNvSpPr/>
+          <p:nvPr/>
+        </p:nvSpPr>
+        <p:spPr>
+          <a:xfrm>
+            <a:off x="5182792" y="1394670"/>
+            <a:ext cx="243280" cy="4068660"/>
+          </a:xfrm>
+          <a:prstGeom prst="leftBracket">
+            <a:avLst/>
+          </a:prstGeom>
+          <a:ln w="76200">
+            <a:solidFill>
+              <a:schemeClr val="tx1"/>
+            </a:solidFill>
+          </a:ln>
+        </p:spPr>
+        <p:style>
+          <a:lnRef idx="1">
+            <a:schemeClr val="accent1"/>
+          </a:lnRef>
+          <a:fillRef idx="0">
+            <a:schemeClr val="accent1"/>
+          </a:fillRef>
+          <a:effectRef idx="0">
+            <a:schemeClr val="accent1"/>
+          </a:effectRef>
+          <a:fontRef idx="minor">
+            <a:schemeClr val="tx1"/>
+          </a:fontRef>
+        </p:style>
+        <p:txBody>
+          <a:bodyPr rtlCol="0" anchor="ctr"/>
+          <a:lstStyle/>
+          <a:p>
+            <a:pPr algn="ctr"/>
+            <a:endParaRPr lang="zh-TW" altLang="en-US"/>
+          </a:p>
+        </p:txBody>
+      </p:sp>
+      <p:sp>
+        <p:nvSpPr>
+          <p:cNvPr id="8" name="文字方塊 7">
+            <a:extLst>
+              <a:ext uri="{FF2B5EF4-FFF2-40B4-BE49-F238E27FC236}">
+                <a16:creationId xmlns:a16="http://schemas.microsoft.com/office/drawing/2014/main" id="{CB36FDC2-B7D8-4504-9621-C462DD1DBF49}"/>
+              </a:ext>
+            </a:extLst>
+          </p:cNvPr>
+          <p:cNvSpPr txBox="1"/>
+          <p:nvPr/>
+        </p:nvSpPr>
+        <p:spPr>
+          <a:xfrm>
+            <a:off x="1374771" y="1524963"/>
+            <a:ext cx="1670650" cy="923330"/>
+          </a:xfrm>
+          <a:prstGeom prst="rect">
+            <a:avLst/>
+          </a:prstGeom>
+          <a:noFill/>
+        </p:spPr>
+        <p:txBody>
+          <a:bodyPr wrap="none" rtlCol="0">
+            <a:spAutoFit/>
+          </a:bodyPr>
+          <a:lstStyle/>
+          <a:p>
+            <a:r>
+              <a:rPr lang="en-US" altLang="zh-TW" sz="5400" b="1" dirty="0"/>
+              <a:t>[1, 2]</a:t>
+            </a:r>
+            <a:endParaRPr lang="zh-TW" altLang="en-US" sz="5400" b="1" dirty="0"/>
+          </a:p>
+        </p:txBody>
+      </p:sp>
+      <p:sp>
+        <p:nvSpPr>
+          <p:cNvPr id="11" name="文字方塊 10">
+            <a:extLst>
+              <a:ext uri="{FF2B5EF4-FFF2-40B4-BE49-F238E27FC236}">
+                <a16:creationId xmlns:a16="http://schemas.microsoft.com/office/drawing/2014/main" id="{7E1B168B-CE85-47F3-85E8-686E29400111}"/>
+              </a:ext>
+            </a:extLst>
+          </p:cNvPr>
+          <p:cNvSpPr txBox="1"/>
+          <p:nvPr/>
+        </p:nvSpPr>
+        <p:spPr>
+          <a:xfrm>
+            <a:off x="1374771" y="2967335"/>
+            <a:ext cx="1670650" cy="923330"/>
+          </a:xfrm>
+          <a:prstGeom prst="rect">
+            <a:avLst/>
+          </a:prstGeom>
+          <a:noFill/>
+        </p:spPr>
+        <p:txBody>
+          <a:bodyPr wrap="none" rtlCol="0">
+            <a:spAutoFit/>
+          </a:bodyPr>
+          <a:lstStyle/>
+          <a:p>
+            <a:r>
+              <a:rPr lang="en-US" altLang="zh-TW" sz="5400" b="1" dirty="0"/>
+              <a:t>[3, 4]</a:t>
+            </a:r>
+            <a:endParaRPr lang="zh-TW" altLang="en-US" sz="5400" b="1" dirty="0"/>
+          </a:p>
+        </p:txBody>
+      </p:sp>
+      <p:sp>
+        <p:nvSpPr>
+          <p:cNvPr id="12" name="文字方塊 11">
+            <a:extLst>
+              <a:ext uri="{FF2B5EF4-FFF2-40B4-BE49-F238E27FC236}">
+                <a16:creationId xmlns:a16="http://schemas.microsoft.com/office/drawing/2014/main" id="{C035D678-E011-4E81-B0E9-F75C110AB2BA}"/>
+              </a:ext>
+            </a:extLst>
+          </p:cNvPr>
+          <p:cNvSpPr txBox="1"/>
+          <p:nvPr/>
+        </p:nvSpPr>
+        <p:spPr>
+          <a:xfrm>
+            <a:off x="1355067" y="4409707"/>
+            <a:ext cx="1670650" cy="923330"/>
+          </a:xfrm>
+          <a:prstGeom prst="rect">
+            <a:avLst/>
+          </a:prstGeom>
+          <a:noFill/>
+        </p:spPr>
+        <p:txBody>
+          <a:bodyPr wrap="none" rtlCol="0">
+            <a:spAutoFit/>
+          </a:bodyPr>
+          <a:lstStyle/>
+          <a:p>
+            <a:r>
+              <a:rPr lang="en-US" altLang="zh-TW" sz="5400" b="1" dirty="0"/>
+              <a:t>[5, 6]</a:t>
+            </a:r>
+            <a:endParaRPr lang="zh-TW" altLang="en-US" sz="5400" b="1" dirty="0"/>
+          </a:p>
+        </p:txBody>
+      </p:sp>
+      <p:sp>
+        <p:nvSpPr>
+          <p:cNvPr id="13" name="文字方塊 12">
+            <a:extLst>
+              <a:ext uri="{FF2B5EF4-FFF2-40B4-BE49-F238E27FC236}">
+                <a16:creationId xmlns:a16="http://schemas.microsoft.com/office/drawing/2014/main" id="{08328375-802F-4424-B2FF-D54C2587999E}"/>
+              </a:ext>
+            </a:extLst>
+          </p:cNvPr>
+          <p:cNvSpPr txBox="1"/>
+          <p:nvPr/>
+        </p:nvSpPr>
+        <p:spPr>
+          <a:xfrm>
+            <a:off x="5426072" y="1524963"/>
+            <a:ext cx="1670650" cy="923330"/>
+          </a:xfrm>
+          <a:prstGeom prst="rect">
+            <a:avLst/>
+          </a:prstGeom>
+          <a:noFill/>
+        </p:spPr>
+        <p:txBody>
+          <a:bodyPr wrap="none" rtlCol="0">
+            <a:spAutoFit/>
+          </a:bodyPr>
+          <a:lstStyle/>
+          <a:p>
+            <a:r>
+              <a:rPr lang="en-US" altLang="zh-TW" sz="5400" b="1" dirty="0"/>
+              <a:t>[7, 8]</a:t>
+            </a:r>
+            <a:endParaRPr lang="zh-TW" altLang="en-US" sz="5400" b="1" dirty="0"/>
+          </a:p>
+        </p:txBody>
+      </p:sp>
+      <p:sp>
+        <p:nvSpPr>
+          <p:cNvPr id="14" name="文字方塊 13">
+            <a:extLst>
+              <a:ext uri="{FF2B5EF4-FFF2-40B4-BE49-F238E27FC236}">
+                <a16:creationId xmlns:a16="http://schemas.microsoft.com/office/drawing/2014/main" id="{37761895-D4A6-4865-AAE8-E51CBFA9D513}"/>
+              </a:ext>
+            </a:extLst>
+          </p:cNvPr>
+          <p:cNvSpPr txBox="1"/>
+          <p:nvPr/>
+        </p:nvSpPr>
+        <p:spPr>
+          <a:xfrm>
+            <a:off x="5426072" y="2894306"/>
+            <a:ext cx="2021707" cy="923330"/>
+          </a:xfrm>
+          <a:prstGeom prst="rect">
+            <a:avLst/>
+          </a:prstGeom>
+          <a:noFill/>
+        </p:spPr>
+        <p:txBody>
+          <a:bodyPr wrap="none" rtlCol="0">
+            <a:spAutoFit/>
+          </a:bodyPr>
+          <a:lstStyle/>
+          <a:p>
+            <a:r>
+              <a:rPr lang="en-US" altLang="zh-TW" sz="5400" b="1" dirty="0"/>
+              <a:t>[9, 10]</a:t>
+            </a:r>
+            <a:endParaRPr lang="zh-TW" altLang="en-US" sz="5400" b="1" dirty="0"/>
+          </a:p>
+        </p:txBody>
+      </p:sp>
+      <p:sp>
+        <p:nvSpPr>
+          <p:cNvPr id="15" name="文字方塊 14">
+            <a:extLst>
+              <a:ext uri="{FF2B5EF4-FFF2-40B4-BE49-F238E27FC236}">
+                <a16:creationId xmlns:a16="http://schemas.microsoft.com/office/drawing/2014/main" id="{3852C171-25E8-41AF-BA25-E802D82FA196}"/>
+              </a:ext>
+            </a:extLst>
+          </p:cNvPr>
+          <p:cNvSpPr txBox="1"/>
+          <p:nvPr/>
+        </p:nvSpPr>
+        <p:spPr>
+          <a:xfrm>
+            <a:off x="5446875" y="4263649"/>
+            <a:ext cx="2372765" cy="923330"/>
+          </a:xfrm>
+          <a:prstGeom prst="rect">
+            <a:avLst/>
+          </a:prstGeom>
+          <a:noFill/>
+        </p:spPr>
+        <p:txBody>
+          <a:bodyPr wrap="none" rtlCol="0">
+            <a:spAutoFit/>
+          </a:bodyPr>
+          <a:lstStyle/>
+          <a:p>
+            <a:r>
+              <a:rPr lang="en-US" altLang="zh-TW" sz="5400" b="1" dirty="0"/>
+              <a:t>[11, 12]</a:t>
+            </a:r>
+            <a:endParaRPr lang="zh-TW" altLang="en-US" sz="5400" b="1" dirty="0"/>
+          </a:p>
+        </p:txBody>
+      </p:sp>
+      <p:cxnSp>
+        <p:nvCxnSpPr>
+          <p:cNvPr id="17" name="直線單箭頭接點 16">
+            <a:extLst>
+              <a:ext uri="{FF2B5EF4-FFF2-40B4-BE49-F238E27FC236}">
+                <a16:creationId xmlns:a16="http://schemas.microsoft.com/office/drawing/2014/main" id="{124EBFD3-5AA5-47E5-B62F-EE71E58727A5}"/>
+              </a:ext>
+            </a:extLst>
+          </p:cNvPr>
+          <p:cNvCxnSpPr>
+            <a:cxnSpLocks/>
+            <a:stCxn id="5" idx="1"/>
+            <a:endCxn id="7" idx="1"/>
+          </p:cNvCxnSpPr>
+          <p:nvPr/>
+        </p:nvCxnSpPr>
+        <p:spPr>
+          <a:xfrm>
+            <a:off x="3286507" y="3429000"/>
+            <a:ext cx="1896285" cy="0"/>
+          </a:xfrm>
+          <a:prstGeom prst="straightConnector1">
+            <a:avLst/>
+          </a:prstGeom>
+          <a:ln w="76200">
+            <a:headEnd type="triangle"/>
+            <a:tailEnd type="triangle"/>
+          </a:ln>
+        </p:spPr>
+        <p:style>
+          <a:lnRef idx="1">
+            <a:schemeClr val="accent1"/>
+          </a:lnRef>
+          <a:fillRef idx="0">
+            <a:schemeClr val="accent1"/>
+          </a:fillRef>
+          <a:effectRef idx="0">
+            <a:schemeClr val="accent1"/>
+          </a:effectRef>
+          <a:fontRef idx="minor">
+            <a:schemeClr val="tx1"/>
+          </a:fontRef>
+        </p:style>
+      </p:cxnSp>
+      <p:sp>
+        <p:nvSpPr>
+          <p:cNvPr id="19" name="文字方塊 18">
+            <a:extLst>
+              <a:ext uri="{FF2B5EF4-FFF2-40B4-BE49-F238E27FC236}">
+                <a16:creationId xmlns:a16="http://schemas.microsoft.com/office/drawing/2014/main" id="{B653124F-B8AD-42B3-B008-0A878789EE99}"/>
+              </a:ext>
+            </a:extLst>
+          </p:cNvPr>
+          <p:cNvSpPr txBox="1"/>
+          <p:nvPr/>
+        </p:nvSpPr>
+        <p:spPr>
+          <a:xfrm>
+            <a:off x="3497383" y="2448293"/>
+            <a:ext cx="1469698" cy="830997"/>
+          </a:xfrm>
+          <a:prstGeom prst="rect">
+            <a:avLst/>
+          </a:prstGeom>
+          <a:noFill/>
+        </p:spPr>
+        <p:txBody>
+          <a:bodyPr wrap="none" rtlCol="0">
+            <a:spAutoFit/>
+          </a:bodyPr>
+          <a:lstStyle/>
+          <a:p>
+            <a:pPr algn="ctr"/>
+            <a:r>
+              <a:rPr lang="en-US" altLang="zh-TW" sz="2400" dirty="0">
+                <a:solidFill>
+                  <a:schemeClr val="accent1"/>
+                </a:solidFill>
+              </a:rPr>
+              <a:t>horizontal</a:t>
+            </a:r>
+          </a:p>
+          <a:p>
+            <a:pPr algn="ctr"/>
+            <a:r>
+              <a:rPr lang="en-US" altLang="zh-TW" sz="2400" dirty="0">
+                <a:solidFill>
+                  <a:schemeClr val="accent1"/>
+                </a:solidFill>
+              </a:rPr>
+              <a:t>stack</a:t>
+            </a:r>
+            <a:endParaRPr lang="zh-TW" altLang="en-US" sz="2400" dirty="0">
+              <a:solidFill>
+                <a:schemeClr val="accent1"/>
+              </a:solidFill>
+            </a:endParaRPr>
+          </a:p>
+        </p:txBody>
+      </p:sp>
     </p:spTree>
     <p:extLst>
       <p:ext uri="{BB962C8B-B14F-4D97-AF65-F5344CB8AC3E}">
-        <p14:creationId xmlns:p14="http://schemas.microsoft.com/office/powerpoint/2010/main" val="1958124536"/>
+        <p14:creationId xmlns:p14="http://schemas.microsoft.com/office/powerpoint/2010/main" val="2218148868"/>
       </p:ext>
     </p:extLst>
   </p:cSld>
@@ -7059,28 +7300,27 @@
       </p:pic>
       <p:sp>
         <p:nvSpPr>
-          <p:cNvPr id="5" name="文字方塊 4">
-            <a:extLst>
-              <a:ext uri="{FF2B5EF4-FFF2-40B4-BE49-F238E27FC236}">
-                <a16:creationId xmlns:a16="http://schemas.microsoft.com/office/drawing/2014/main" id="{BF1CB2B9-BB9B-4B78-8328-5F095AA6A4C7}"/>
-              </a:ext>
-            </a:extLst>
-          </p:cNvPr>
-          <p:cNvSpPr txBox="1"/>
-          <p:nvPr/>
-        </p:nvSpPr>
-        <p:spPr>
-          <a:xfrm>
-            <a:off x="976144" y="1196650"/>
-            <a:ext cx="7191712" cy="901593"/>
-          </a:xfrm>
-          <a:prstGeom prst="rect">
-            <a:avLst/>
-          </a:prstGeom>
-          <a:noFill/>
-        </p:spPr>
-        <p:txBody>
-          <a:bodyPr wrap="none" rtlCol="0">
+          <p:cNvPr id="5" name="矩形 4">
+            <a:extLst>
+              <a:ext uri="{FF2B5EF4-FFF2-40B4-BE49-F238E27FC236}">
+                <a16:creationId xmlns:a16="http://schemas.microsoft.com/office/drawing/2014/main" id="{4A652162-BF6F-4090-B55C-37F71D1BC871}"/>
+              </a:ext>
+            </a:extLst>
+          </p:cNvPr>
+          <p:cNvSpPr/>
+          <p:nvPr/>
+        </p:nvSpPr>
+        <p:spPr>
+          <a:xfrm>
+            <a:off x="1020282" y="3228854"/>
+            <a:ext cx="1707519" cy="740524"/>
+          </a:xfrm>
+          <a:prstGeom prst="rect">
+            <a:avLst/>
+          </a:prstGeom>
+        </p:spPr>
+        <p:txBody>
+          <a:bodyPr wrap="none">
             <a:spAutoFit/>
           </a:bodyPr>
           <a:lstStyle/>
@@ -7091,56 +7331,363 @@
               </a:lnSpc>
             </a:pPr>
             <a:r>
-              <a:rPr lang="en-US" altLang="zh-TW" sz="4000" i="1" dirty="0">
-                <a:latin typeface="Arial" panose="020B0604020202020204" pitchFamily="34" charset="0"/>
+              <a:rPr lang="en-US" altLang="zh-TW" sz="3200" dirty="0">
+                <a:solidFill>
+                  <a:schemeClr val="accent1"/>
+                </a:solidFill>
+                <a:latin typeface="微軟正黑體" panose="020B0604030504040204" pitchFamily="34" charset="-120"/>
                 <a:ea typeface="微軟正黑體" panose="020B0604030504040204" pitchFamily="34" charset="-120"/>
-                <a:cs typeface="Arial" panose="020B0604020202020204" pitchFamily="34" charset="0"/>
               </a:rPr>
-              <a:t>Let’s have a quick walkthrough</a:t>
-            </a:r>
-          </a:p>
-        </p:txBody>
-      </p:sp>
-      <p:pic>
-        <p:nvPicPr>
-          <p:cNvPr id="8" name="圖片 7" descr="一張含有 螢幕擷取畫面 的圖片&#10;&#10;自動產生的描述">
-            <a:extLst>
-              <a:ext uri="{FF2B5EF4-FFF2-40B4-BE49-F238E27FC236}">
-                <a16:creationId xmlns:a16="http://schemas.microsoft.com/office/drawing/2014/main" id="{4CB289F7-33AE-41B0-863C-698F9B18CA7E}"/>
-              </a:ext>
-            </a:extLst>
-          </p:cNvPr>
-          <p:cNvPicPr>
-            <a:picLocks noChangeAspect="1"/>
-          </p:cNvPicPr>
-          <p:nvPr/>
-        </p:nvPicPr>
-        <p:blipFill>
-          <a:blip r:embed="rId4">
-            <a:extLst>
-              <a:ext uri="{28A0092B-C50C-407E-A947-70E740481C1C}">
-                <a14:useLocalDpi xmlns:a14="http://schemas.microsoft.com/office/drawing/2010/main" val="0"/>
-              </a:ext>
-            </a:extLst>
-          </a:blip>
-          <a:stretch>
-            <a:fillRect/>
-          </a:stretch>
-        </p:blipFill>
-        <p:spPr>
-          <a:xfrm>
-            <a:off x="1035698" y="2559102"/>
-            <a:ext cx="7072603" cy="1471581"/>
-          </a:xfrm>
-          <a:prstGeom prst="rect">
-            <a:avLst/>
-          </a:prstGeom>
-        </p:spPr>
-      </p:pic>
+              <a:t>axis = 0</a:t>
+            </a:r>
+          </a:p>
+        </p:txBody>
+      </p:sp>
+      <p:sp>
+        <p:nvSpPr>
+          <p:cNvPr id="6" name="左中括弧 5">
+            <a:extLst>
+              <a:ext uri="{FF2B5EF4-FFF2-40B4-BE49-F238E27FC236}">
+                <a16:creationId xmlns:a16="http://schemas.microsoft.com/office/drawing/2014/main" id="{BFE0AD2A-5D61-4598-820E-7D45D74729CD}"/>
+              </a:ext>
+            </a:extLst>
+          </p:cNvPr>
+          <p:cNvSpPr/>
+          <p:nvPr/>
+        </p:nvSpPr>
+        <p:spPr>
+          <a:xfrm>
+            <a:off x="3203463" y="1857504"/>
+            <a:ext cx="243280" cy="4068660"/>
+          </a:xfrm>
+          <a:prstGeom prst="leftBracket">
+            <a:avLst/>
+          </a:prstGeom>
+          <a:ln w="76200">
+            <a:solidFill>
+              <a:schemeClr val="tx1"/>
+            </a:solidFill>
+          </a:ln>
+        </p:spPr>
+        <p:style>
+          <a:lnRef idx="1">
+            <a:schemeClr val="accent1"/>
+          </a:lnRef>
+          <a:fillRef idx="0">
+            <a:schemeClr val="accent1"/>
+          </a:fillRef>
+          <a:effectRef idx="0">
+            <a:schemeClr val="accent1"/>
+          </a:effectRef>
+          <a:fontRef idx="minor">
+            <a:schemeClr val="tx1"/>
+          </a:fontRef>
+        </p:style>
+        <p:txBody>
+          <a:bodyPr rtlCol="0" anchor="ctr"/>
+          <a:lstStyle/>
+          <a:p>
+            <a:pPr algn="ctr"/>
+            <a:endParaRPr lang="zh-TW" altLang="en-US"/>
+          </a:p>
+        </p:txBody>
+      </p:sp>
+      <p:sp>
+        <p:nvSpPr>
+          <p:cNvPr id="7" name="左中括弧 6">
+            <a:extLst>
+              <a:ext uri="{FF2B5EF4-FFF2-40B4-BE49-F238E27FC236}">
+                <a16:creationId xmlns:a16="http://schemas.microsoft.com/office/drawing/2014/main" id="{AC533DC4-1F6B-40CF-A0CB-D02D807A3658}"/>
+              </a:ext>
+            </a:extLst>
+          </p:cNvPr>
+          <p:cNvSpPr/>
+          <p:nvPr/>
+        </p:nvSpPr>
+        <p:spPr>
+          <a:xfrm rot="10800000">
+            <a:off x="7237588" y="1857504"/>
+            <a:ext cx="243280" cy="4068660"/>
+          </a:xfrm>
+          <a:prstGeom prst="leftBracket">
+            <a:avLst/>
+          </a:prstGeom>
+          <a:ln w="76200">
+            <a:solidFill>
+              <a:schemeClr val="tx1"/>
+            </a:solidFill>
+          </a:ln>
+        </p:spPr>
+        <p:style>
+          <a:lnRef idx="1">
+            <a:schemeClr val="accent1"/>
+          </a:lnRef>
+          <a:fillRef idx="0">
+            <a:schemeClr val="accent1"/>
+          </a:fillRef>
+          <a:effectRef idx="0">
+            <a:schemeClr val="accent1"/>
+          </a:effectRef>
+          <a:fontRef idx="minor">
+            <a:schemeClr val="tx1"/>
+          </a:fontRef>
+        </p:style>
+        <p:txBody>
+          <a:bodyPr rtlCol="0" anchor="ctr"/>
+          <a:lstStyle/>
+          <a:p>
+            <a:pPr algn="ctr"/>
+            <a:endParaRPr lang="zh-TW" altLang="en-US" dirty="0"/>
+          </a:p>
+        </p:txBody>
+      </p:sp>
+      <p:sp>
+        <p:nvSpPr>
+          <p:cNvPr id="8" name="文字方塊 7">
+            <a:extLst>
+              <a:ext uri="{FF2B5EF4-FFF2-40B4-BE49-F238E27FC236}">
+                <a16:creationId xmlns:a16="http://schemas.microsoft.com/office/drawing/2014/main" id="{9D3E22F8-353A-4864-811F-CCFBDA5524B2}"/>
+              </a:ext>
+            </a:extLst>
+          </p:cNvPr>
+          <p:cNvSpPr txBox="1"/>
+          <p:nvPr/>
+        </p:nvSpPr>
+        <p:spPr>
+          <a:xfrm>
+            <a:off x="3488347" y="1987797"/>
+            <a:ext cx="3728906" cy="923330"/>
+          </a:xfrm>
+          <a:prstGeom prst="rect">
+            <a:avLst/>
+          </a:prstGeom>
+          <a:noFill/>
+        </p:spPr>
+        <p:txBody>
+          <a:bodyPr wrap="none" rtlCol="0">
+            <a:spAutoFit/>
+          </a:bodyPr>
+          <a:lstStyle/>
+          <a:p>
+            <a:r>
+              <a:rPr lang="en-US" altLang="zh-TW" sz="5400" b="1" dirty="0"/>
+              <a:t>[1, 2, 3, 4, 5]</a:t>
+            </a:r>
+            <a:endParaRPr lang="zh-TW" altLang="en-US" sz="5400" b="1" dirty="0"/>
+          </a:p>
+        </p:txBody>
+      </p:sp>
+      <p:sp>
+        <p:nvSpPr>
+          <p:cNvPr id="9" name="文字方塊 8">
+            <a:extLst>
+              <a:ext uri="{FF2B5EF4-FFF2-40B4-BE49-F238E27FC236}">
+                <a16:creationId xmlns:a16="http://schemas.microsoft.com/office/drawing/2014/main" id="{63A615D0-028E-4DD5-AFF1-CB2DB43B5207}"/>
+              </a:ext>
+            </a:extLst>
+          </p:cNvPr>
+          <p:cNvSpPr txBox="1"/>
+          <p:nvPr/>
+        </p:nvSpPr>
+        <p:spPr>
+          <a:xfrm>
+            <a:off x="3488347" y="3430169"/>
+            <a:ext cx="3728906" cy="923330"/>
+          </a:xfrm>
+          <a:prstGeom prst="rect">
+            <a:avLst/>
+          </a:prstGeom>
+          <a:noFill/>
+        </p:spPr>
+        <p:txBody>
+          <a:bodyPr wrap="none" rtlCol="0">
+            <a:spAutoFit/>
+          </a:bodyPr>
+          <a:lstStyle/>
+          <a:p>
+            <a:r>
+              <a:rPr lang="en-US" altLang="zh-TW" sz="5400" b="1" dirty="0"/>
+              <a:t>[2, 2, 3, 4, 5]</a:t>
+            </a:r>
+            <a:endParaRPr lang="zh-TW" altLang="en-US" sz="5400" b="1" dirty="0"/>
+          </a:p>
+        </p:txBody>
+      </p:sp>
+      <p:sp>
+        <p:nvSpPr>
+          <p:cNvPr id="10" name="文字方塊 9">
+            <a:extLst>
+              <a:ext uri="{FF2B5EF4-FFF2-40B4-BE49-F238E27FC236}">
+                <a16:creationId xmlns:a16="http://schemas.microsoft.com/office/drawing/2014/main" id="{C3E2619D-D482-4174-B665-36176EFD8FFF}"/>
+              </a:ext>
+            </a:extLst>
+          </p:cNvPr>
+          <p:cNvSpPr txBox="1"/>
+          <p:nvPr/>
+        </p:nvSpPr>
+        <p:spPr>
+          <a:xfrm>
+            <a:off x="3468643" y="4872541"/>
+            <a:ext cx="3728906" cy="923330"/>
+          </a:xfrm>
+          <a:prstGeom prst="rect">
+            <a:avLst/>
+          </a:prstGeom>
+          <a:noFill/>
+        </p:spPr>
+        <p:txBody>
+          <a:bodyPr wrap="none" rtlCol="0">
+            <a:spAutoFit/>
+          </a:bodyPr>
+          <a:lstStyle/>
+          <a:p>
+            <a:r>
+              <a:rPr lang="en-US" altLang="zh-TW" sz="5400" b="1" dirty="0"/>
+              <a:t>[3, 2, 3, 4, 5]</a:t>
+            </a:r>
+            <a:endParaRPr lang="zh-TW" altLang="en-US" sz="5400" b="1" dirty="0"/>
+          </a:p>
+        </p:txBody>
+      </p:sp>
+      <p:cxnSp>
+        <p:nvCxnSpPr>
+          <p:cNvPr id="11" name="直線單箭頭接點 10">
+            <a:extLst>
+              <a:ext uri="{FF2B5EF4-FFF2-40B4-BE49-F238E27FC236}">
+                <a16:creationId xmlns:a16="http://schemas.microsoft.com/office/drawing/2014/main" id="{94DF1AC3-5026-4A0A-A444-533D19BED873}"/>
+              </a:ext>
+            </a:extLst>
+          </p:cNvPr>
+          <p:cNvCxnSpPr>
+            <a:cxnSpLocks/>
+          </p:cNvCxnSpPr>
+          <p:nvPr/>
+        </p:nvCxnSpPr>
+        <p:spPr>
+          <a:xfrm>
+            <a:off x="2792201" y="1668751"/>
+            <a:ext cx="0" cy="4420999"/>
+          </a:xfrm>
+          <a:prstGeom prst="straightConnector1">
+            <a:avLst/>
+          </a:prstGeom>
+          <a:ln w="76200">
+            <a:solidFill>
+              <a:schemeClr val="accent1"/>
+            </a:solidFill>
+            <a:headEnd type="triangle"/>
+            <a:tailEnd type="triangle"/>
+          </a:ln>
+        </p:spPr>
+        <p:style>
+          <a:lnRef idx="1">
+            <a:schemeClr val="accent1"/>
+          </a:lnRef>
+          <a:fillRef idx="0">
+            <a:schemeClr val="accent1"/>
+          </a:fillRef>
+          <a:effectRef idx="0">
+            <a:schemeClr val="accent1"/>
+          </a:effectRef>
+          <a:fontRef idx="minor">
+            <a:schemeClr val="tx1"/>
+          </a:fontRef>
+        </p:style>
+      </p:cxnSp>
+      <p:cxnSp>
+        <p:nvCxnSpPr>
+          <p:cNvPr id="13" name="直線單箭頭接點 12">
+            <a:extLst>
+              <a:ext uri="{FF2B5EF4-FFF2-40B4-BE49-F238E27FC236}">
+                <a16:creationId xmlns:a16="http://schemas.microsoft.com/office/drawing/2014/main" id="{D5DD5775-81FC-4917-AF8E-F51FAD19ADCC}"/>
+              </a:ext>
+            </a:extLst>
+          </p:cNvPr>
+          <p:cNvCxnSpPr>
+            <a:cxnSpLocks/>
+          </p:cNvCxnSpPr>
+          <p:nvPr/>
+        </p:nvCxnSpPr>
+        <p:spPr>
+          <a:xfrm>
+            <a:off x="3058825" y="1317811"/>
+            <a:ext cx="4300402" cy="0"/>
+          </a:xfrm>
+          <a:prstGeom prst="straightConnector1">
+            <a:avLst/>
+          </a:prstGeom>
+          <a:ln w="76200">
+            <a:solidFill>
+              <a:schemeClr val="accent2"/>
+            </a:solidFill>
+            <a:headEnd type="triangle"/>
+            <a:tailEnd type="triangle"/>
+          </a:ln>
+        </p:spPr>
+        <p:style>
+          <a:lnRef idx="1">
+            <a:schemeClr val="accent1"/>
+          </a:lnRef>
+          <a:fillRef idx="0">
+            <a:schemeClr val="accent1"/>
+          </a:fillRef>
+          <a:effectRef idx="0">
+            <a:schemeClr val="accent1"/>
+          </a:effectRef>
+          <a:fontRef idx="minor">
+            <a:schemeClr val="tx1"/>
+          </a:fontRef>
+        </p:style>
+      </p:cxnSp>
+      <p:sp>
+        <p:nvSpPr>
+          <p:cNvPr id="15" name="矩形 14">
+            <a:extLst>
+              <a:ext uri="{FF2B5EF4-FFF2-40B4-BE49-F238E27FC236}">
+                <a16:creationId xmlns:a16="http://schemas.microsoft.com/office/drawing/2014/main" id="{AA33FD0E-14EE-411B-881C-3487957E22C9}"/>
+              </a:ext>
+            </a:extLst>
+          </p:cNvPr>
+          <p:cNvSpPr/>
+          <p:nvPr/>
+        </p:nvSpPr>
+        <p:spPr>
+          <a:xfrm>
+            <a:off x="4478553" y="448543"/>
+            <a:ext cx="1707519" cy="740524"/>
+          </a:xfrm>
+          <a:prstGeom prst="rect">
+            <a:avLst/>
+          </a:prstGeom>
+        </p:spPr>
+        <p:txBody>
+          <a:bodyPr wrap="none">
+            <a:spAutoFit/>
+          </a:bodyPr>
+          <a:lstStyle/>
+          <a:p>
+            <a:pPr>
+              <a:lnSpc>
+                <a:spcPct val="150000"/>
+              </a:lnSpc>
+            </a:pPr>
+            <a:r>
+              <a:rPr lang="en-US" altLang="zh-TW" sz="3200" dirty="0">
+                <a:solidFill>
+                  <a:schemeClr val="accent2"/>
+                </a:solidFill>
+                <a:latin typeface="微軟正黑體" panose="020B0604030504040204" pitchFamily="34" charset="-120"/>
+                <a:ea typeface="微軟正黑體" panose="020B0604030504040204" pitchFamily="34" charset="-120"/>
+              </a:rPr>
+              <a:t>axis = 1</a:t>
+            </a:r>
+          </a:p>
+        </p:txBody>
+      </p:sp>
     </p:spTree>
     <p:extLst>
       <p:ext uri="{BB962C8B-B14F-4D97-AF65-F5344CB8AC3E}">
-        <p14:creationId xmlns:p14="http://schemas.microsoft.com/office/powerpoint/2010/main" val="699882849"/>
+        <p14:creationId xmlns:p14="http://schemas.microsoft.com/office/powerpoint/2010/main" val="2366607000"/>
       </p:ext>
     </p:extLst>
   </p:cSld>
@@ -7239,316 +7786,46 @@
           </a:prstGeom>
         </p:spPr>
       </p:pic>
-      <p:cxnSp>
-        <p:nvCxnSpPr>
-          <p:cNvPr id="5" name="直線接點 4">
-            <a:extLst>
-              <a:ext uri="{FF2B5EF4-FFF2-40B4-BE49-F238E27FC236}">
-                <a16:creationId xmlns:a16="http://schemas.microsoft.com/office/drawing/2014/main" id="{D5F0CB79-799A-4CC2-98F0-75E3818BB5BB}"/>
-              </a:ext>
-            </a:extLst>
-          </p:cNvPr>
-          <p:cNvCxnSpPr>
-            <a:cxnSpLocks/>
-          </p:cNvCxnSpPr>
-          <p:nvPr/>
-        </p:nvCxnSpPr>
-        <p:spPr>
-          <a:xfrm>
-            <a:off x="678535" y="637564"/>
-            <a:ext cx="285226" cy="503339"/>
-          </a:xfrm>
-          <a:prstGeom prst="line">
-            <a:avLst/>
-          </a:prstGeom>
-          <a:ln w="28575">
-            <a:solidFill>
-              <a:schemeClr val="bg1">
-                <a:lumMod val="50000"/>
-              </a:schemeClr>
-            </a:solidFill>
-          </a:ln>
-        </p:spPr>
-        <p:style>
-          <a:lnRef idx="1">
-            <a:schemeClr val="accent1"/>
-          </a:lnRef>
-          <a:fillRef idx="0">
-            <a:schemeClr val="accent1"/>
-          </a:fillRef>
-          <a:effectRef idx="0">
-            <a:schemeClr val="accent1"/>
-          </a:effectRef>
-          <a:fontRef idx="minor">
-            <a:schemeClr val="tx1"/>
-          </a:fontRef>
-        </p:style>
-      </p:cxnSp>
-      <p:cxnSp>
-        <p:nvCxnSpPr>
-          <p:cNvPr id="6" name="直線接點 5">
-            <a:extLst>
-              <a:ext uri="{FF2B5EF4-FFF2-40B4-BE49-F238E27FC236}">
-                <a16:creationId xmlns:a16="http://schemas.microsoft.com/office/drawing/2014/main" id="{922E2757-E96E-4B60-8304-8FB93A805828}"/>
-              </a:ext>
-            </a:extLst>
-          </p:cNvPr>
-          <p:cNvCxnSpPr>
-            <a:cxnSpLocks/>
-          </p:cNvCxnSpPr>
-          <p:nvPr/>
-        </p:nvCxnSpPr>
-        <p:spPr>
-          <a:xfrm>
-            <a:off x="963761" y="1140903"/>
-            <a:ext cx="3162650" cy="0"/>
-          </a:xfrm>
-          <a:prstGeom prst="line">
-            <a:avLst/>
-          </a:prstGeom>
-          <a:ln w="28575">
-            <a:solidFill>
-              <a:schemeClr val="bg1">
-                <a:lumMod val="50000"/>
-              </a:schemeClr>
-            </a:solidFill>
-          </a:ln>
-        </p:spPr>
-        <p:style>
-          <a:lnRef idx="1">
-            <a:schemeClr val="accent1"/>
-          </a:lnRef>
-          <a:fillRef idx="0">
-            <a:schemeClr val="accent1"/>
-          </a:fillRef>
-          <a:effectRef idx="0">
-            <a:schemeClr val="accent1"/>
-          </a:effectRef>
-          <a:fontRef idx="minor">
-            <a:schemeClr val="tx1"/>
-          </a:fontRef>
-        </p:style>
-      </p:cxnSp>
-      <p:cxnSp>
-        <p:nvCxnSpPr>
-          <p:cNvPr id="7" name="直線接點 6">
-            <a:extLst>
-              <a:ext uri="{FF2B5EF4-FFF2-40B4-BE49-F238E27FC236}">
-                <a16:creationId xmlns:a16="http://schemas.microsoft.com/office/drawing/2014/main" id="{742066B1-934E-4E50-8862-0E4B0976815C}"/>
-              </a:ext>
-            </a:extLst>
-          </p:cNvPr>
-          <p:cNvCxnSpPr>
-            <a:cxnSpLocks/>
-          </p:cNvCxnSpPr>
-          <p:nvPr/>
-        </p:nvCxnSpPr>
-        <p:spPr>
-          <a:xfrm>
-            <a:off x="4126411" y="1140904"/>
-            <a:ext cx="285226" cy="503339"/>
-          </a:xfrm>
-          <a:prstGeom prst="line">
-            <a:avLst/>
-          </a:prstGeom>
-          <a:ln w="28575">
-            <a:solidFill>
-              <a:schemeClr val="bg1">
-                <a:lumMod val="50000"/>
-              </a:schemeClr>
-            </a:solidFill>
-          </a:ln>
-        </p:spPr>
-        <p:style>
-          <a:lnRef idx="1">
-            <a:schemeClr val="accent1"/>
-          </a:lnRef>
-          <a:fillRef idx="0">
-            <a:schemeClr val="accent1"/>
-          </a:fillRef>
-          <a:effectRef idx="0">
-            <a:schemeClr val="accent1"/>
-          </a:effectRef>
-          <a:fontRef idx="minor">
-            <a:schemeClr val="tx1"/>
-          </a:fontRef>
-        </p:style>
-      </p:cxnSp>
-      <p:sp>
-        <p:nvSpPr>
-          <p:cNvPr id="8" name="文字方塊 7">
-            <a:extLst>
-              <a:ext uri="{FF2B5EF4-FFF2-40B4-BE49-F238E27FC236}">
-                <a16:creationId xmlns:a16="http://schemas.microsoft.com/office/drawing/2014/main" id="{F37CB849-7B3F-4D20-B9C9-8EADDC6746E2}"/>
-              </a:ext>
-            </a:extLst>
-          </p:cNvPr>
-          <p:cNvSpPr txBox="1"/>
-          <p:nvPr/>
-        </p:nvSpPr>
-        <p:spPr>
-          <a:xfrm>
-            <a:off x="963761" y="433017"/>
-            <a:ext cx="1907766" cy="707886"/>
-          </a:xfrm>
-          <a:prstGeom prst="rect">
-            <a:avLst/>
-          </a:prstGeom>
-          <a:noFill/>
-        </p:spPr>
-        <p:txBody>
-          <a:bodyPr wrap="none" rtlCol="0">
-            <a:spAutoFit/>
-          </a:bodyPr>
-          <a:lstStyle/>
-          <a:p>
-            <a:r>
-              <a:rPr lang="en-US" altLang="zh-TW" sz="4000" dirty="0">
-                <a:latin typeface="微軟正黑體" panose="020B0604030504040204" pitchFamily="34" charset="-120"/>
-                <a:ea typeface="微軟正黑體" panose="020B0604030504040204" pitchFamily="34" charset="-120"/>
-                <a:cs typeface="Times New Roman" panose="02020603050405020304" pitchFamily="18" charset="0"/>
-              </a:rPr>
-              <a:t>Pandas</a:t>
-            </a:r>
-            <a:endParaRPr lang="zh-TW" altLang="en-US" sz="4000" dirty="0">
-              <a:latin typeface="微軟正黑體" panose="020B0604030504040204" pitchFamily="34" charset="-120"/>
-              <a:ea typeface="微軟正黑體" panose="020B0604030504040204" pitchFamily="34" charset="-120"/>
-              <a:cs typeface="Times New Roman" panose="02020603050405020304" pitchFamily="18" charset="0"/>
-            </a:endParaRPr>
-          </a:p>
-        </p:txBody>
-      </p:sp>
-      <p:sp>
-        <p:nvSpPr>
-          <p:cNvPr id="9" name="文字方塊 8">
-            <a:extLst>
-              <a:ext uri="{FF2B5EF4-FFF2-40B4-BE49-F238E27FC236}">
-                <a16:creationId xmlns:a16="http://schemas.microsoft.com/office/drawing/2014/main" id="{CDE24662-D3FC-49C7-8FC0-CC1CEAECC8A4}"/>
-              </a:ext>
-            </a:extLst>
-          </p:cNvPr>
-          <p:cNvSpPr txBox="1"/>
-          <p:nvPr/>
-        </p:nvSpPr>
-        <p:spPr>
-          <a:xfrm>
-            <a:off x="678535" y="1950742"/>
-            <a:ext cx="8047909" cy="2956515"/>
-          </a:xfrm>
-          <a:prstGeom prst="rect">
-            <a:avLst/>
-          </a:prstGeom>
-          <a:noFill/>
-        </p:spPr>
-        <p:txBody>
-          <a:bodyPr wrap="none" rtlCol="0">
-            <a:spAutoFit/>
-          </a:bodyPr>
-          <a:lstStyle/>
-          <a:p>
-            <a:pPr>
-              <a:lnSpc>
-                <a:spcPct val="150000"/>
-              </a:lnSpc>
-            </a:pPr>
-            <a:r>
-              <a:rPr lang="zh-TW" altLang="en-US" sz="3200" dirty="0">
-                <a:latin typeface="微軟正黑體" panose="020B0604030504040204" pitchFamily="34" charset="-120"/>
-                <a:ea typeface="微軟正黑體" panose="020B0604030504040204" pitchFamily="34" charset="-120"/>
-              </a:rPr>
-              <a:t>．</a:t>
-            </a:r>
-            <a:r>
-              <a:rPr lang="en-US" altLang="zh-TW" sz="3200" dirty="0">
-                <a:latin typeface="微軟正黑體" panose="020B0604030504040204" pitchFamily="34" charset="-120"/>
-                <a:ea typeface="微軟正黑體" panose="020B0604030504040204" pitchFamily="34" charset="-120"/>
-              </a:rPr>
-              <a:t>a library with fantastic set of tools </a:t>
-            </a:r>
-          </a:p>
-          <a:p>
-            <a:pPr>
-              <a:lnSpc>
-                <a:spcPct val="150000"/>
-              </a:lnSpc>
-            </a:pPr>
-            <a:r>
-              <a:rPr lang="zh-TW" altLang="en-US" sz="3200" dirty="0">
-                <a:latin typeface="微軟正黑體" panose="020B0604030504040204" pitchFamily="34" charset="-120"/>
-                <a:ea typeface="微軟正黑體" panose="020B0604030504040204" pitchFamily="34" charset="-120"/>
-              </a:rPr>
-              <a:t>　</a:t>
-            </a:r>
-            <a:r>
-              <a:rPr lang="en-US" altLang="zh-TW" sz="3200" dirty="0">
-                <a:latin typeface="微軟正黑體" panose="020B0604030504040204" pitchFamily="34" charset="-120"/>
-                <a:ea typeface="微軟正黑體" panose="020B0604030504040204" pitchFamily="34" charset="-120"/>
-              </a:rPr>
-              <a:t>for data analysis</a:t>
-            </a:r>
-          </a:p>
-          <a:p>
-            <a:pPr>
-              <a:lnSpc>
-                <a:spcPct val="150000"/>
-              </a:lnSpc>
-            </a:pPr>
-            <a:r>
-              <a:rPr lang="zh-TW" altLang="en-US" sz="3200" dirty="0">
-                <a:latin typeface="微軟正黑體" panose="020B0604030504040204" pitchFamily="34" charset="-120"/>
-                <a:ea typeface="微軟正黑體" panose="020B0604030504040204" pitchFamily="34" charset="-120"/>
-              </a:rPr>
-              <a:t>．</a:t>
-            </a:r>
-            <a:r>
-              <a:rPr lang="en-US" altLang="zh-TW" sz="3200" dirty="0">
-                <a:latin typeface="微軟正黑體" panose="020B0604030504040204" pitchFamily="34" charset="-120"/>
-                <a:ea typeface="微軟正黑體" panose="020B0604030504040204" pitchFamily="34" charset="-120"/>
-              </a:rPr>
-              <a:t>load / prepare / manipulate / ...</a:t>
-            </a:r>
-            <a:r>
-              <a:rPr lang="zh-TW" altLang="en-US" sz="3200" dirty="0">
-                <a:latin typeface="微軟正黑體" panose="020B0604030504040204" pitchFamily="34" charset="-120"/>
-                <a:ea typeface="微軟正黑體" panose="020B0604030504040204" pitchFamily="34" charset="-120"/>
-              </a:rPr>
-              <a:t> </a:t>
-            </a:r>
-            <a:r>
-              <a:rPr lang="en-US" altLang="zh-TW" sz="3200" dirty="0">
-                <a:latin typeface="微軟正黑體" panose="020B0604030504040204" pitchFamily="34" charset="-120"/>
-                <a:ea typeface="微軟正黑體" panose="020B0604030504040204" pitchFamily="34" charset="-120"/>
-              </a:rPr>
-              <a:t>models</a:t>
-            </a:r>
-          </a:p>
-          <a:p>
-            <a:pPr>
-              <a:lnSpc>
-                <a:spcPct val="150000"/>
-              </a:lnSpc>
-            </a:pPr>
-            <a:r>
-              <a:rPr lang="zh-TW" altLang="en-US" sz="3200" dirty="0">
-                <a:latin typeface="微軟正黑體" panose="020B0604030504040204" pitchFamily="34" charset="-120"/>
-                <a:ea typeface="微軟正黑體" panose="020B0604030504040204" pitchFamily="34" charset="-120"/>
-              </a:rPr>
-              <a:t>．</a:t>
-            </a:r>
-            <a:r>
-              <a:rPr lang="en-US" altLang="zh-TW" sz="3200" dirty="0">
-                <a:latin typeface="微軟正黑體" panose="020B0604030504040204" pitchFamily="34" charset="-120"/>
-                <a:ea typeface="微軟正黑體" panose="020B0604030504040204" pitchFamily="34" charset="-120"/>
-              </a:rPr>
-              <a:t>join / merge / reshape / ... Date</a:t>
-            </a:r>
-          </a:p>
-        </p:txBody>
-      </p:sp>
+      <p:pic>
+        <p:nvPicPr>
+          <p:cNvPr id="5" name="圖片 4" descr="一張含有 螢幕擷取畫面 的圖片&#10;&#10;自動產生的描述">
+            <a:extLst>
+              <a:ext uri="{FF2B5EF4-FFF2-40B4-BE49-F238E27FC236}">
+                <a16:creationId xmlns:a16="http://schemas.microsoft.com/office/drawing/2014/main" id="{E3E73304-7568-4034-A869-E439ACCAD84F}"/>
+              </a:ext>
+            </a:extLst>
+          </p:cNvPr>
+          <p:cNvPicPr>
+            <a:picLocks noChangeAspect="1"/>
+          </p:cNvPicPr>
+          <p:nvPr/>
+        </p:nvPicPr>
+        <p:blipFill>
+          <a:blip r:embed="rId4">
+            <a:extLst>
+              <a:ext uri="{28A0092B-C50C-407E-A947-70E740481C1C}">
+                <a14:useLocalDpi xmlns:a14="http://schemas.microsoft.com/office/drawing/2010/main" val="0"/>
+              </a:ext>
+            </a:extLst>
+          </a:blip>
+          <a:stretch>
+            <a:fillRect/>
+          </a:stretch>
+        </p:blipFill>
+        <p:spPr>
+          <a:xfrm>
+            <a:off x="918594" y="2121049"/>
+            <a:ext cx="7306811" cy="2149744"/>
+          </a:xfrm>
+          <a:prstGeom prst="rect">
+            <a:avLst/>
+          </a:prstGeom>
+        </p:spPr>
+      </p:pic>
     </p:spTree>
     <p:extLst>
       <p:ext uri="{BB962C8B-B14F-4D97-AF65-F5344CB8AC3E}">
-        <p14:creationId xmlns:p14="http://schemas.microsoft.com/office/powerpoint/2010/main" val="3995742772"/>
+        <p14:creationId xmlns:p14="http://schemas.microsoft.com/office/powerpoint/2010/main" val="1958124536"/>
       </p:ext>
     </p:extLst>
   </p:cSld>
